--- a/Poster Internet of Things Year 2 Project.pptx
+++ b/Poster Internet of Things Year 2 Project.pptx
@@ -115,13 +115,45 @@
 <file path=ppt/revisionInfo.xml><?xml version="1.0" encoding="utf-8"?>
 <p1510:revInfo xmlns:a="http://schemas.openxmlformats.org/drawingml/2006/main" xmlns:r="http://schemas.openxmlformats.org/officeDocument/2006/relationships" xmlns:p1510="http://schemas.microsoft.com/office/powerpoint/2015/10/main">
   <p1510:revLst>
-    <p1510:client id="{BB77BAB6-58CD-409B-F197-4625E6C22024}" v="348" dt="2024-04-08T15:41:14.305"/>
+    <p1510:client id="{5FD947E1-26CB-E315-C664-737E7683250C}" v="34" dt="2024-04-12T11:01:50.679"/>
   </p1510:revLst>
 </p1510:revInfo>
 </file>
 
 <file path=ppt/changesInfos/changesInfo1.xml><?xml version="1.0" encoding="utf-8"?>
 <pc:chgInfo xmlns:a="http://schemas.openxmlformats.org/drawingml/2006/main" xmlns:r="http://schemas.openxmlformats.org/officeDocument/2006/relationships" xmlns:ac="http://schemas.microsoft.com/office/drawing/2013/main/command" xmlns:pc="http://schemas.microsoft.com/office/powerpoint/2013/main/command">
+  <pc:docChgLst>
+    <pc:chgData name="ANDREW FOX - STUDENT" userId="S::g00417373@atu.ie::75fd7f06-258b-489a-a4b5-cc56c166c663" providerId="AD" clId="Web-{5FD947E1-26CB-E315-C664-737E7683250C}"/>
+    <pc:docChg chg="modSld">
+      <pc:chgData name="ANDREW FOX - STUDENT" userId="S::g00417373@atu.ie::75fd7f06-258b-489a-a4b5-cc56c166c663" providerId="AD" clId="Web-{5FD947E1-26CB-E315-C664-737E7683250C}" dt="2024-04-12T11:01:50.679" v="17" actId="1076"/>
+      <pc:docMkLst>
+        <pc:docMk/>
+      </pc:docMkLst>
+      <pc:sldChg chg="modSp">
+        <pc:chgData name="ANDREW FOX - STUDENT" userId="S::g00417373@atu.ie::75fd7f06-258b-489a-a4b5-cc56c166c663" providerId="AD" clId="Web-{5FD947E1-26CB-E315-C664-737E7683250C}" dt="2024-04-12T11:01:50.679" v="17" actId="1076"/>
+        <pc:sldMkLst>
+          <pc:docMk/>
+          <pc:sldMk cId="1866748364" sldId="256"/>
+        </pc:sldMkLst>
+        <pc:spChg chg="mod">
+          <ac:chgData name="ANDREW FOX - STUDENT" userId="S::g00417373@atu.ie::75fd7f06-258b-489a-a4b5-cc56c166c663" providerId="AD" clId="Web-{5FD947E1-26CB-E315-C664-737E7683250C}" dt="2024-04-12T11:01:50.679" v="17" actId="1076"/>
+          <ac:spMkLst>
+            <pc:docMk/>
+            <pc:sldMk cId="1866748364" sldId="256"/>
+            <ac:spMk id="9" creationId="{3EC98834-C9AC-FEF4-AA80-D092D6387476}"/>
+          </ac:spMkLst>
+        </pc:spChg>
+        <pc:spChg chg="mod">
+          <ac:chgData name="ANDREW FOX - STUDENT" userId="S::g00417373@atu.ie::75fd7f06-258b-489a-a4b5-cc56c166c663" providerId="AD" clId="Web-{5FD947E1-26CB-E315-C664-737E7683250C}" dt="2024-04-12T11:01:16.428" v="0" actId="14100"/>
+          <ac:spMkLst>
+            <pc:docMk/>
+            <pc:sldMk cId="1866748364" sldId="256"/>
+            <ac:spMk id="28" creationId="{7F8132AB-6746-D1D6-85F6-24D58730A313}"/>
+          </ac:spMkLst>
+        </pc:spChg>
+      </pc:sldChg>
+    </pc:docChg>
+  </pc:docChgLst>
   <pc:docChgLst>
     <pc:chgData name="ANDREW FOX - STUDENT" userId="S::g00417373@atu.ie::75fd7f06-258b-489a-a4b5-cc56c166c663" providerId="AD" clId="Web-{EAF6E3ED-80A6-623C-F269-3756FAD513F2}"/>
     <pc:docChg chg="modSld">
@@ -2854,7 +2886,7 @@
           <a:p>
             <a:fld id="{B8C1F854-5A87-47F8-8314-13EBF24F4C7E}" type="datetimeFigureOut">
               <a:rPr lang="en-IE" smtClean="0"/>
-              <a:t>08/04/2024</a:t>
+              <a:t>12/04/2024</a:t>
             </a:fld>
             <a:endParaRPr lang="en-IE"/>
           </a:p>
@@ -3022,7 +3054,7 @@
           <a:p>
             <a:fld id="{B8C1F854-5A87-47F8-8314-13EBF24F4C7E}" type="datetimeFigureOut">
               <a:rPr lang="en-IE" smtClean="0"/>
-              <a:t>08/04/2024</a:t>
+              <a:t>12/04/2024</a:t>
             </a:fld>
             <a:endParaRPr lang="en-IE"/>
           </a:p>
@@ -3200,7 +3232,7 @@
           <a:p>
             <a:fld id="{B8C1F854-5A87-47F8-8314-13EBF24F4C7E}" type="datetimeFigureOut">
               <a:rPr lang="en-IE" smtClean="0"/>
-              <a:t>08/04/2024</a:t>
+              <a:t>12/04/2024</a:t>
             </a:fld>
             <a:endParaRPr lang="en-IE"/>
           </a:p>
@@ -3368,7 +3400,7 @@
           <a:p>
             <a:fld id="{B8C1F854-5A87-47F8-8314-13EBF24F4C7E}" type="datetimeFigureOut">
               <a:rPr lang="en-IE" smtClean="0"/>
-              <a:t>08/04/2024</a:t>
+              <a:t>12/04/2024</a:t>
             </a:fld>
             <a:endParaRPr lang="en-IE"/>
           </a:p>
@@ -3611,7 +3643,7 @@
           <a:p>
             <a:fld id="{B8C1F854-5A87-47F8-8314-13EBF24F4C7E}" type="datetimeFigureOut">
               <a:rPr lang="en-IE" smtClean="0"/>
-              <a:t>08/04/2024</a:t>
+              <a:t>12/04/2024</a:t>
             </a:fld>
             <a:endParaRPr lang="en-IE"/>
           </a:p>
@@ -3840,7 +3872,7 @@
           <a:p>
             <a:fld id="{B8C1F854-5A87-47F8-8314-13EBF24F4C7E}" type="datetimeFigureOut">
               <a:rPr lang="en-IE" smtClean="0"/>
-              <a:t>08/04/2024</a:t>
+              <a:t>12/04/2024</a:t>
             </a:fld>
             <a:endParaRPr lang="en-IE"/>
           </a:p>
@@ -4204,7 +4236,7 @@
           <a:p>
             <a:fld id="{B8C1F854-5A87-47F8-8314-13EBF24F4C7E}" type="datetimeFigureOut">
               <a:rPr lang="en-IE" smtClean="0"/>
-              <a:t>08/04/2024</a:t>
+              <a:t>12/04/2024</a:t>
             </a:fld>
             <a:endParaRPr lang="en-IE"/>
           </a:p>
@@ -4321,7 +4353,7 @@
           <a:p>
             <a:fld id="{B8C1F854-5A87-47F8-8314-13EBF24F4C7E}" type="datetimeFigureOut">
               <a:rPr lang="en-IE" smtClean="0"/>
-              <a:t>08/04/2024</a:t>
+              <a:t>12/04/2024</a:t>
             </a:fld>
             <a:endParaRPr lang="en-IE"/>
           </a:p>
@@ -4416,7 +4448,7 @@
           <a:p>
             <a:fld id="{B8C1F854-5A87-47F8-8314-13EBF24F4C7E}" type="datetimeFigureOut">
               <a:rPr lang="en-IE" smtClean="0"/>
-              <a:t>08/04/2024</a:t>
+              <a:t>12/04/2024</a:t>
             </a:fld>
             <a:endParaRPr lang="en-IE"/>
           </a:p>
@@ -4691,7 +4723,7 @@
           <a:p>
             <a:fld id="{B8C1F854-5A87-47F8-8314-13EBF24F4C7E}" type="datetimeFigureOut">
               <a:rPr lang="en-IE" smtClean="0"/>
-              <a:t>08/04/2024</a:t>
+              <a:t>12/04/2024</a:t>
             </a:fld>
             <a:endParaRPr lang="en-IE"/>
           </a:p>
@@ -4946,7 +4978,7 @@
           <a:p>
             <a:fld id="{B8C1F854-5A87-47F8-8314-13EBF24F4C7E}" type="datetimeFigureOut">
               <a:rPr lang="en-IE" smtClean="0"/>
-              <a:t>08/04/2024</a:t>
+              <a:t>12/04/2024</a:t>
             </a:fld>
             <a:endParaRPr lang="en-IE"/>
           </a:p>
@@ -5157,7 +5189,7 @@
           <a:p>
             <a:fld id="{B8C1F854-5A87-47F8-8314-13EBF24F4C7E}" type="datetimeFigureOut">
               <a:rPr lang="en-IE" smtClean="0"/>
-              <a:t>08/04/2024</a:t>
+              <a:t>12/04/2024</a:t>
             </a:fld>
             <a:endParaRPr lang="en-IE"/>
           </a:p>
@@ -5697,8 +5729,8 @@
         </p:nvSpPr>
         <p:spPr>
           <a:xfrm>
-            <a:off x="-91072" y="5844379"/>
-            <a:ext cx="11665674" cy="7897298"/>
+            <a:off x="-1" y="5662273"/>
+            <a:ext cx="11574603" cy="8033878"/>
           </a:xfrm>
           <a:prstGeom prst="rect">
             <a:avLst/>
@@ -5998,14 +6030,14 @@
           <a:p>
             <a:pPr algn="ctr"/>
             <a:r>
-              <a:rPr lang="en-IE" sz="15100" b="1" dirty="0">
+              <a:rPr lang="en-IE" sz="15100" b="1">
                 <a:latin typeface="Montserrat"/>
                 <a:ea typeface="Calibri"/>
                 <a:cs typeface="Mongolian Baiti"/>
               </a:rPr>
               <a:t>DoorGuard</a:t>
             </a:r>
-            <a:endParaRPr lang="en-IE" sz="15100" dirty="0">
+            <a:endParaRPr lang="en-IE" sz="15100">
               <a:latin typeface="Montserrat"/>
               <a:ea typeface="Calibri"/>
               <a:cs typeface="Mongolian Baiti"/>
@@ -6014,7 +6046,7 @@
           <a:p>
             <a:pPr algn="ctr"/>
             <a:r>
-              <a:rPr lang="en-IE" sz="5650" dirty="0">
+              <a:rPr lang="en-IE" sz="5650">
                 <a:latin typeface="Montserrat"/>
                 <a:ea typeface="Calibri"/>
                 <a:cs typeface="Mongolian Baiti"/>
@@ -6025,14 +6057,14 @@
           <a:p>
             <a:pPr algn="ctr"/>
             <a:r>
-              <a:rPr lang="en-IE" sz="5650" dirty="0">
+              <a:rPr lang="en-IE" sz="5650">
                 <a:latin typeface="Montserrat"/>
                 <a:ea typeface="Calibri"/>
                 <a:cs typeface="Mongolian Baiti"/>
               </a:rPr>
               <a:t>Andrew Fox</a:t>
             </a:r>
-            <a:endParaRPr lang="en-IE" sz="5650" dirty="0">
+            <a:endParaRPr lang="en-IE" sz="5650">
               <a:latin typeface="Montserrat" panose="00000500000000000000" pitchFamily="2" charset="0"/>
               <a:ea typeface="Calibri" panose="020F0502020204030204" pitchFamily="34" charset="0"/>
               <a:cs typeface="Mongolian Baiti" panose="03000500000000000000" pitchFamily="66" charset="0"/>
@@ -6125,14 +6157,14 @@
           <a:p>
             <a:pPr algn="ctr"/>
             <a:r>
-              <a:rPr lang="en-IE" sz="6000" b="1" dirty="0">
+              <a:rPr lang="en-IE" sz="6000" b="1">
                 <a:latin typeface="Montserrat"/>
                 <a:ea typeface="Calibri"/>
                 <a:cs typeface="Mongolian Baiti"/>
               </a:rPr>
               <a:t>Project Summery</a:t>
             </a:r>
-            <a:endParaRPr lang="en-IE" sz="6000" dirty="0">
+            <a:endParaRPr lang="en-IE" sz="6000">
               <a:latin typeface="Montserrat"/>
               <a:ea typeface="Calibri"/>
               <a:cs typeface="Mongolian Baiti"/>
@@ -6225,7 +6257,7 @@
           <a:p>
             <a:pPr algn="ctr"/>
             <a:r>
-              <a:rPr lang="en-IE" sz="6000" b="1" dirty="0">
+              <a:rPr lang="en-IE" sz="6000" b="1">
                 <a:latin typeface="Montserrat"/>
                 <a:ea typeface="Calibri"/>
                 <a:cs typeface="Mongolian Baiti"/>
@@ -6597,7 +6629,7 @@
         </p:nvSpPr>
         <p:spPr>
           <a:xfrm>
-            <a:off x="563723" y="7310159"/>
+            <a:off x="245022" y="7310159"/>
             <a:ext cx="10982319" cy="5632311"/>
           </a:xfrm>
           <a:prstGeom prst="rect">
@@ -6614,11 +6646,12 @@
           </a:bodyPr>
           <a:lstStyle/>
           <a:p>
+            <a:pPr algn="just"/>
             <a:r>
-              <a:rPr lang="en-US" sz="6000" dirty="0"/>
-              <a:t>"DoorGuard": An IoT project that integrates a Camera, PIR sensor and has web connectivity for real-time video feeds and motion detection alerts, enhancing home security.</a:t>
+              <a:rPr lang="en-US" sz="6000"/>
+              <a:t>"DoorGuard": An IoT project that integrates a Camera, PIR sensor and has web connectivity for real-time (30fps) video feeds and motion detection alerts, enhancing home security.</a:t>
             </a:r>
-            <a:endParaRPr lang="en-US" sz="6000" dirty="0">
+            <a:endParaRPr lang="en-US" sz="6000">
               <a:ea typeface="Calibri"/>
               <a:cs typeface="Calibri"/>
             </a:endParaRPr>
@@ -16603,7 +16636,7 @@
           <a:p>
             <a:pPr algn="ctr"/>
             <a:r>
-              <a:rPr lang="en-IE" sz="6000" b="1" dirty="0">
+              <a:rPr lang="en-IE" sz="6000" b="1">
                 <a:latin typeface="Montserrat"/>
                 <a:ea typeface="+mn-lt"/>
                 <a:cs typeface="+mn-lt"/>
@@ -16611,14 +16644,14 @@
               <a:t>Schematic and</a:t>
             </a:r>
             <a:r>
-              <a:rPr lang="en-IE" sz="6000" b="1" dirty="0">
+              <a:rPr lang="en-IE" sz="6000" b="1">
                 <a:latin typeface="Montserrat"/>
                 <a:ea typeface="Calibri"/>
                 <a:cs typeface="Mongolian Baiti"/>
               </a:rPr>
               <a:t> Flowchart</a:t>
             </a:r>
-            <a:endParaRPr lang="en-IE" sz="6000" b="1" dirty="0">
+            <a:endParaRPr lang="en-IE" sz="6000" b="1">
               <a:latin typeface="Montserrat" panose="00000500000000000000" pitchFamily="2" charset="0"/>
               <a:ea typeface="Calibri" panose="020F0502020204030204" pitchFamily="34" charset="0"/>
               <a:cs typeface="Mongolian Baiti" panose="03000500000000000000" pitchFamily="66" charset="0"/>

--- a/Poster Internet of Things Year 2 Project.pptx
+++ b/Poster Internet of Things Year 2 Project.pptx
@@ -13,7 +13,7 @@
     <a:defPPr>
       <a:defRPr lang="en-US"/>
     </a:defPPr>
-    <a:lvl1pPr marL="0" algn="l" defTabSz="457200" rtl="0" eaLnBrk="1" latinLnBrk="0" hangingPunct="1">
+    <a:lvl1pPr marL="0" algn="l" defTabSz="457153" rtl="0" eaLnBrk="1" latinLnBrk="0" hangingPunct="1">
       <a:defRPr sz="1800" kern="1200">
         <a:solidFill>
           <a:schemeClr val="tx1"/>
@@ -23,7 +23,7 @@
         <a:cs typeface="+mn-cs"/>
       </a:defRPr>
     </a:lvl1pPr>
-    <a:lvl2pPr marL="457200" algn="l" defTabSz="457200" rtl="0" eaLnBrk="1" latinLnBrk="0" hangingPunct="1">
+    <a:lvl2pPr marL="457153" algn="l" defTabSz="457153" rtl="0" eaLnBrk="1" latinLnBrk="0" hangingPunct="1">
       <a:defRPr sz="1800" kern="1200">
         <a:solidFill>
           <a:schemeClr val="tx1"/>
@@ -33,7 +33,7 @@
         <a:cs typeface="+mn-cs"/>
       </a:defRPr>
     </a:lvl2pPr>
-    <a:lvl3pPr marL="914400" algn="l" defTabSz="457200" rtl="0" eaLnBrk="1" latinLnBrk="0" hangingPunct="1">
+    <a:lvl3pPr marL="914304" algn="l" defTabSz="457153" rtl="0" eaLnBrk="1" latinLnBrk="0" hangingPunct="1">
       <a:defRPr sz="1800" kern="1200">
         <a:solidFill>
           <a:schemeClr val="tx1"/>
@@ -43,7 +43,7 @@
         <a:cs typeface="+mn-cs"/>
       </a:defRPr>
     </a:lvl3pPr>
-    <a:lvl4pPr marL="1371600" algn="l" defTabSz="457200" rtl="0" eaLnBrk="1" latinLnBrk="0" hangingPunct="1">
+    <a:lvl4pPr marL="1371457" algn="l" defTabSz="457153" rtl="0" eaLnBrk="1" latinLnBrk="0" hangingPunct="1">
       <a:defRPr sz="1800" kern="1200">
         <a:solidFill>
           <a:schemeClr val="tx1"/>
@@ -53,7 +53,7 @@
         <a:cs typeface="+mn-cs"/>
       </a:defRPr>
     </a:lvl4pPr>
-    <a:lvl5pPr marL="1828800" algn="l" defTabSz="457200" rtl="0" eaLnBrk="1" latinLnBrk="0" hangingPunct="1">
+    <a:lvl5pPr marL="1828610" algn="l" defTabSz="457153" rtl="0" eaLnBrk="1" latinLnBrk="0" hangingPunct="1">
       <a:defRPr sz="1800" kern="1200">
         <a:solidFill>
           <a:schemeClr val="tx1"/>
@@ -63,7 +63,7 @@
         <a:cs typeface="+mn-cs"/>
       </a:defRPr>
     </a:lvl5pPr>
-    <a:lvl6pPr marL="2286000" algn="l" defTabSz="457200" rtl="0" eaLnBrk="1" latinLnBrk="0" hangingPunct="1">
+    <a:lvl6pPr marL="2285761" algn="l" defTabSz="457153" rtl="0" eaLnBrk="1" latinLnBrk="0" hangingPunct="1">
       <a:defRPr sz="1800" kern="1200">
         <a:solidFill>
           <a:schemeClr val="tx1"/>
@@ -73,7 +73,7 @@
         <a:cs typeface="+mn-cs"/>
       </a:defRPr>
     </a:lvl6pPr>
-    <a:lvl7pPr marL="2743200" algn="l" defTabSz="457200" rtl="0" eaLnBrk="1" latinLnBrk="0" hangingPunct="1">
+    <a:lvl7pPr marL="2742914" algn="l" defTabSz="457153" rtl="0" eaLnBrk="1" latinLnBrk="0" hangingPunct="1">
       <a:defRPr sz="1800" kern="1200">
         <a:solidFill>
           <a:schemeClr val="tx1"/>
@@ -83,7 +83,7 @@
         <a:cs typeface="+mn-cs"/>
       </a:defRPr>
     </a:lvl7pPr>
-    <a:lvl8pPr marL="3200400" algn="l" defTabSz="457200" rtl="0" eaLnBrk="1" latinLnBrk="0" hangingPunct="1">
+    <a:lvl8pPr marL="3200067" algn="l" defTabSz="457153" rtl="0" eaLnBrk="1" latinLnBrk="0" hangingPunct="1">
       <a:defRPr sz="1800" kern="1200">
         <a:solidFill>
           <a:schemeClr val="tx1"/>
@@ -93,7 +93,7 @@
         <a:cs typeface="+mn-cs"/>
       </a:defRPr>
     </a:lvl8pPr>
-    <a:lvl9pPr marL="3657600" algn="l" defTabSz="457200" rtl="0" eaLnBrk="1" latinLnBrk="0" hangingPunct="1">
+    <a:lvl9pPr marL="3657218" algn="l" defTabSz="457153" rtl="0" eaLnBrk="1" latinLnBrk="0" hangingPunct="1">
       <a:defRPr sz="1800" kern="1200">
         <a:solidFill>
           <a:schemeClr val="tx1"/>
@@ -115,7 +115,8 @@
 <file path=ppt/revisionInfo.xml><?xml version="1.0" encoding="utf-8"?>
 <p1510:revInfo xmlns:a="http://schemas.openxmlformats.org/drawingml/2006/main" xmlns:r="http://schemas.openxmlformats.org/officeDocument/2006/relationships" xmlns:p1510="http://schemas.microsoft.com/office/powerpoint/2015/10/main">
   <p1510:revLst>
-    <p1510:client id="{5FD947E1-26CB-E315-C664-737E7683250C}" v="34" dt="2024-04-12T11:01:50.679"/>
+    <p1510:client id="{3D668BF0-FC44-6747-52EF-D617C7F55DA8}" v="10" dt="2024-04-16T19:52:36.369"/>
+    <p1510:client id="{68953483-BF63-442D-8EEF-80AC87BB2660}" v="8" dt="2024-04-15T15:40:47.336"/>
   </p1510:revLst>
 </p1510:revInfo>
 </file>
@@ -1995,20 +1996,44 @@
     </pc:docChg>
   </pc:docChgLst>
   <pc:docChgLst>
-    <pc:chgData name="ANDREW FOX - STUDENT" userId="S::g00417373@atu.ie::75fd7f06-258b-489a-a4b5-cc56c166c663" providerId="AD" clId="Web-{99DA0DC5-F170-AEA0-3C29-BDA4552D88BB}"/>
-    <pc:docChg chg="modSld">
-      <pc:chgData name="ANDREW FOX - STUDENT" userId="S::g00417373@atu.ie::75fd7f06-258b-489a-a4b5-cc56c166c663" providerId="AD" clId="Web-{99DA0DC5-F170-AEA0-3C29-BDA4552D88BB}" dt="2024-03-28T15:18:31.284" v="13" actId="1076"/>
+    <pc:chgData name="ANDREW FOX" userId="75fd7f06-258b-489a-a4b5-cc56c166c663" providerId="ADAL" clId="{68953483-BF63-442D-8EEF-80AC87BB2660}"/>
+    <pc:docChg chg="undo custSel modSld modMainMaster">
+      <pc:chgData name="ANDREW FOX" userId="75fd7f06-258b-489a-a4b5-cc56c166c663" providerId="ADAL" clId="{68953483-BF63-442D-8EEF-80AC87BB2660}" dt="2024-04-15T15:47:13.181" v="295" actId="478"/>
       <pc:docMkLst>
         <pc:docMk/>
       </pc:docMkLst>
-      <pc:sldChg chg="addSp modSp">
-        <pc:chgData name="ANDREW FOX - STUDENT" userId="S::g00417373@atu.ie::75fd7f06-258b-489a-a4b5-cc56c166c663" providerId="AD" clId="Web-{99DA0DC5-F170-AEA0-3C29-BDA4552D88BB}" dt="2024-03-28T15:18:31.284" v="13" actId="1076"/>
+      <pc:sldChg chg="addSp delSp modSp mod">
+        <pc:chgData name="ANDREW FOX" userId="75fd7f06-258b-489a-a4b5-cc56c166c663" providerId="ADAL" clId="{68953483-BF63-442D-8EEF-80AC87BB2660}" dt="2024-04-15T15:47:13.181" v="295" actId="478"/>
         <pc:sldMkLst>
           <pc:docMk/>
           <pc:sldMk cId="1866748364" sldId="256"/>
         </pc:sldMkLst>
-        <pc:spChg chg="add mod">
-          <ac:chgData name="ANDREW FOX - STUDENT" userId="S::g00417373@atu.ie::75fd7f06-258b-489a-a4b5-cc56c166c663" providerId="AD" clId="Web-{99DA0DC5-F170-AEA0-3C29-BDA4552D88BB}" dt="2024-03-28T15:17:32.735" v="12" actId="20577"/>
+        <pc:spChg chg="mod">
+          <ac:chgData name="ANDREW FOX" userId="75fd7f06-258b-489a-a4b5-cc56c166c663" providerId="ADAL" clId="{68953483-BF63-442D-8EEF-80AC87BB2660}" dt="2024-04-15T15:33:34.595" v="162" actId="14100"/>
+          <ac:spMkLst>
+            <pc:docMk/>
+            <pc:sldMk cId="1866748364" sldId="256"/>
+            <ac:spMk id="3" creationId="{23B0B958-2DB1-BCD8-537D-10D8967D6E29}"/>
+          </ac:spMkLst>
+        </pc:spChg>
+        <pc:spChg chg="mod">
+          <ac:chgData name="ANDREW FOX" userId="75fd7f06-258b-489a-a4b5-cc56c166c663" providerId="ADAL" clId="{68953483-BF63-442D-8EEF-80AC87BB2660}" dt="2024-04-15T15:28:59.545" v="122"/>
+          <ac:spMkLst>
+            <pc:docMk/>
+            <pc:sldMk cId="1866748364" sldId="256"/>
+            <ac:spMk id="4" creationId="{86149EE2-9135-7274-A96E-012488EBC1CA}"/>
+          </ac:spMkLst>
+        </pc:spChg>
+        <pc:spChg chg="mod">
+          <ac:chgData name="ANDREW FOX" userId="75fd7f06-258b-489a-a4b5-cc56c166c663" providerId="ADAL" clId="{68953483-BF63-442D-8EEF-80AC87BB2660}" dt="2024-04-15T15:28:59.545" v="122"/>
+          <ac:spMkLst>
+            <pc:docMk/>
+            <pc:sldMk cId="1866748364" sldId="256"/>
+            <ac:spMk id="5" creationId="{84DCCAF5-2FCC-F56D-FAB4-DB1C4C0A571B}"/>
+          </ac:spMkLst>
+        </pc:spChg>
+        <pc:spChg chg="mod">
+          <ac:chgData name="ANDREW FOX" userId="75fd7f06-258b-489a-a4b5-cc56c166c663" providerId="ADAL" clId="{68953483-BF63-442D-8EEF-80AC87BB2660}" dt="2024-04-15T15:28:59.545" v="122"/>
           <ac:spMkLst>
             <pc:docMk/>
             <pc:sldMk cId="1866748364" sldId="256"/>
@@ -2016,14 +2041,1372 @@
           </ac:spMkLst>
         </pc:spChg>
         <pc:spChg chg="mod">
-          <ac:chgData name="ANDREW FOX - STUDENT" userId="S::g00417373@atu.ie::75fd7f06-258b-489a-a4b5-cc56c166c663" providerId="AD" clId="Web-{99DA0DC5-F170-AEA0-3C29-BDA4552D88BB}" dt="2024-03-28T15:18:31.284" v="13" actId="1076"/>
+          <ac:chgData name="ANDREW FOX" userId="75fd7f06-258b-489a-a4b5-cc56c166c663" providerId="ADAL" clId="{68953483-BF63-442D-8EEF-80AC87BB2660}" dt="2024-04-15T15:28:59.545" v="122"/>
+          <ac:spMkLst>
+            <pc:docMk/>
+            <pc:sldMk cId="1866748364" sldId="256"/>
+            <ac:spMk id="7" creationId="{359F6010-C668-CF1D-70AD-9A0CC40904DD}"/>
+          </ac:spMkLst>
+        </pc:spChg>
+        <pc:spChg chg="mod">
+          <ac:chgData name="ANDREW FOX" userId="75fd7f06-258b-489a-a4b5-cc56c166c663" providerId="ADAL" clId="{68953483-BF63-442D-8EEF-80AC87BB2660}" dt="2024-04-15T15:28:59.545" v="122"/>
+          <ac:spMkLst>
+            <pc:docMk/>
+            <pc:sldMk cId="1866748364" sldId="256"/>
+            <ac:spMk id="8" creationId="{6256073B-7E8C-AE05-1E4D-351B079A1710}"/>
+          </ac:spMkLst>
+        </pc:spChg>
+        <pc:spChg chg="mod">
+          <ac:chgData name="ANDREW FOX" userId="75fd7f06-258b-489a-a4b5-cc56c166c663" providerId="ADAL" clId="{68953483-BF63-442D-8EEF-80AC87BB2660}" dt="2024-04-15T15:47:05.536" v="294" actId="14100"/>
+          <ac:spMkLst>
+            <pc:docMk/>
+            <pc:sldMk cId="1866748364" sldId="256"/>
+            <ac:spMk id="9" creationId="{3EC98834-C9AC-FEF4-AA80-D092D6387476}"/>
+          </ac:spMkLst>
+        </pc:spChg>
+        <pc:spChg chg="mod">
+          <ac:chgData name="ANDREW FOX" userId="75fd7f06-258b-489a-a4b5-cc56c166c663" providerId="ADAL" clId="{68953483-BF63-442D-8EEF-80AC87BB2660}" dt="2024-04-15T15:34:18.271" v="169" actId="14100"/>
+          <ac:spMkLst>
+            <pc:docMk/>
+            <pc:sldMk cId="1866748364" sldId="256"/>
+            <ac:spMk id="10" creationId="{87D18521-11B6-3C37-B0F4-DB5EF3EC1B6E}"/>
+          </ac:spMkLst>
+        </pc:spChg>
+        <pc:spChg chg="mod">
+          <ac:chgData name="ANDREW FOX" userId="75fd7f06-258b-489a-a4b5-cc56c166c663" providerId="ADAL" clId="{68953483-BF63-442D-8EEF-80AC87BB2660}" dt="2024-04-15T15:28:59.545" v="122"/>
+          <ac:spMkLst>
+            <pc:docMk/>
+            <pc:sldMk cId="1866748364" sldId="256"/>
+            <ac:spMk id="11" creationId="{C1A307A4-13FD-8EF0-BBA8-D114C18C8A46}"/>
+          </ac:spMkLst>
+        </pc:spChg>
+        <pc:spChg chg="mod">
+          <ac:chgData name="ANDREW FOX" userId="75fd7f06-258b-489a-a4b5-cc56c166c663" providerId="ADAL" clId="{68953483-BF63-442D-8EEF-80AC87BB2660}" dt="2024-04-15T15:33:34.595" v="162" actId="14100"/>
+          <ac:spMkLst>
+            <pc:docMk/>
+            <pc:sldMk cId="1866748364" sldId="256"/>
+            <ac:spMk id="12" creationId="{697B446D-873D-E1CF-F8D1-C170FBC0179F}"/>
+          </ac:spMkLst>
+        </pc:spChg>
+        <pc:spChg chg="mod">
+          <ac:chgData name="ANDREW FOX" userId="75fd7f06-258b-489a-a4b5-cc56c166c663" providerId="ADAL" clId="{68953483-BF63-442D-8EEF-80AC87BB2660}" dt="2024-04-15T15:28:59.545" v="122"/>
+          <ac:spMkLst>
+            <pc:docMk/>
+            <pc:sldMk cId="1866748364" sldId="256"/>
+            <ac:spMk id="13" creationId="{22A051C9-7571-77C5-F65F-BA52CFDE805C}"/>
+          </ac:spMkLst>
+        </pc:spChg>
+        <pc:spChg chg="mod">
+          <ac:chgData name="ANDREW FOX" userId="75fd7f06-258b-489a-a4b5-cc56c166c663" providerId="ADAL" clId="{68953483-BF63-442D-8EEF-80AC87BB2660}" dt="2024-04-15T15:33:42.959" v="163" actId="14100"/>
           <ac:spMkLst>
             <pc:docMk/>
             <pc:sldMk cId="1866748364" sldId="256"/>
             <ac:spMk id="16" creationId="{67BE3AE0-6368-02EC-E2CD-B47FDF927AA1}"/>
           </ac:spMkLst>
         </pc:spChg>
+        <pc:spChg chg="mod">
+          <ac:chgData name="ANDREW FOX" userId="75fd7f06-258b-489a-a4b5-cc56c166c663" providerId="ADAL" clId="{68953483-BF63-442D-8EEF-80AC87BB2660}" dt="2024-04-15T15:46:52.486" v="293" actId="14100"/>
+          <ac:spMkLst>
+            <pc:docMk/>
+            <pc:sldMk cId="1866748364" sldId="256"/>
+            <ac:spMk id="17" creationId="{E8CE30EA-6045-2DBB-542F-55C7354BD433}"/>
+          </ac:spMkLst>
+        </pc:spChg>
+        <pc:spChg chg="add del mod">
+          <ac:chgData name="ANDREW FOX" userId="75fd7f06-258b-489a-a4b5-cc56c166c663" providerId="ADAL" clId="{68953483-BF63-442D-8EEF-80AC87BB2660}" dt="2024-04-15T15:35:33.095" v="179" actId="478"/>
+          <ac:spMkLst>
+            <pc:docMk/>
+            <pc:sldMk cId="1866748364" sldId="256"/>
+            <ac:spMk id="20" creationId="{9479A79F-752A-DA65-B3EC-0D72E2408D6E}"/>
+          </ac:spMkLst>
+        </pc:spChg>
+        <pc:spChg chg="mod">
+          <ac:chgData name="ANDREW FOX" userId="75fd7f06-258b-489a-a4b5-cc56c166c663" providerId="ADAL" clId="{68953483-BF63-442D-8EEF-80AC87BB2660}" dt="2024-04-15T15:28:59.545" v="122"/>
+          <ac:spMkLst>
+            <pc:docMk/>
+            <pc:sldMk cId="1866748364" sldId="256"/>
+            <ac:spMk id="22" creationId="{39D4E3F6-276E-2FD1-C952-B7247B33E9D0}"/>
+          </ac:spMkLst>
+        </pc:spChg>
+        <pc:spChg chg="add del">
+          <ac:chgData name="ANDREW FOX" userId="75fd7f06-258b-489a-a4b5-cc56c166c663" providerId="ADAL" clId="{68953483-BF63-442D-8EEF-80AC87BB2660}" dt="2024-04-15T15:35:36.355" v="181" actId="22"/>
+          <ac:spMkLst>
+            <pc:docMk/>
+            <pc:sldMk cId="1866748364" sldId="256"/>
+            <ac:spMk id="23" creationId="{693F82DD-9B70-3166-437E-5709D43DC1C4}"/>
+          </ac:spMkLst>
+        </pc:spChg>
+        <pc:spChg chg="mod">
+          <ac:chgData name="ANDREW FOX" userId="75fd7f06-258b-489a-a4b5-cc56c166c663" providerId="ADAL" clId="{68953483-BF63-442D-8EEF-80AC87BB2660}" dt="2024-04-15T15:28:59.545" v="122"/>
+          <ac:spMkLst>
+            <pc:docMk/>
+            <pc:sldMk cId="1866748364" sldId="256"/>
+            <ac:spMk id="24" creationId="{27708B10-531A-2769-B7A8-9FAC0F6C7F0E}"/>
+          </ac:spMkLst>
+        </pc:spChg>
+        <pc:spChg chg="mod">
+          <ac:chgData name="ANDREW FOX" userId="75fd7f06-258b-489a-a4b5-cc56c166c663" providerId="ADAL" clId="{68953483-BF63-442D-8EEF-80AC87BB2660}" dt="2024-04-15T15:33:42.959" v="163" actId="14100"/>
+          <ac:spMkLst>
+            <pc:docMk/>
+            <pc:sldMk cId="1866748364" sldId="256"/>
+            <ac:spMk id="25" creationId="{F7567D79-3FCB-2AEF-D2FF-4D13F830E3E4}"/>
+          </ac:spMkLst>
+        </pc:spChg>
+        <pc:spChg chg="mod">
+          <ac:chgData name="ANDREW FOX" userId="75fd7f06-258b-489a-a4b5-cc56c166c663" providerId="ADAL" clId="{68953483-BF63-442D-8EEF-80AC87BB2660}" dt="2024-04-15T15:33:34.595" v="162" actId="14100"/>
+          <ac:spMkLst>
+            <pc:docMk/>
+            <pc:sldMk cId="1866748364" sldId="256"/>
+            <ac:spMk id="26" creationId="{64DF4FB4-2411-AA6F-E95B-2885AF3C0C95}"/>
+          </ac:spMkLst>
+        </pc:spChg>
+        <pc:spChg chg="mod">
+          <ac:chgData name="ANDREW FOX" userId="75fd7f06-258b-489a-a4b5-cc56c166c663" providerId="ADAL" clId="{68953483-BF63-442D-8EEF-80AC87BB2660}" dt="2024-04-15T15:46:50.077" v="292" actId="14100"/>
+          <ac:spMkLst>
+            <pc:docMk/>
+            <pc:sldMk cId="1866748364" sldId="256"/>
+            <ac:spMk id="27" creationId="{60F8B0EF-7C3C-CAF8-E445-CD3C939C9DCA}"/>
+          </ac:spMkLst>
+        </pc:spChg>
+        <pc:spChg chg="mod">
+          <ac:chgData name="ANDREW FOX" userId="75fd7f06-258b-489a-a4b5-cc56c166c663" providerId="ADAL" clId="{68953483-BF63-442D-8EEF-80AC87BB2660}" dt="2024-04-15T15:42:37.085" v="259" actId="14100"/>
+          <ac:spMkLst>
+            <pc:docMk/>
+            <pc:sldMk cId="1866748364" sldId="256"/>
+            <ac:spMk id="28" creationId="{7F8132AB-6746-D1D6-85F6-24D58730A313}"/>
+          </ac:spMkLst>
+        </pc:spChg>
+        <pc:spChg chg="mod">
+          <ac:chgData name="ANDREW FOX" userId="75fd7f06-258b-489a-a4b5-cc56c166c663" providerId="ADAL" clId="{68953483-BF63-442D-8EEF-80AC87BB2660}" dt="2024-04-15T15:28:59.545" v="122"/>
+          <ac:spMkLst>
+            <pc:docMk/>
+            <pc:sldMk cId="1866748364" sldId="256"/>
+            <ac:spMk id="30" creationId="{67DFE6B6-DD23-73FE-4610-BAF5FE92C3F5}"/>
+          </ac:spMkLst>
+        </pc:spChg>
+        <pc:spChg chg="add del mod">
+          <ac:chgData name="ANDREW FOX" userId="75fd7f06-258b-489a-a4b5-cc56c166c663" providerId="ADAL" clId="{68953483-BF63-442D-8EEF-80AC87BB2660}" dt="2024-04-15T15:38:39.961" v="187"/>
+          <ac:spMkLst>
+            <pc:docMk/>
+            <pc:sldMk cId="1866748364" sldId="256"/>
+            <ac:spMk id="31" creationId="{2B4AEFE1-DFA1-C262-838F-BCCA0EFC4079}"/>
+          </ac:spMkLst>
+        </pc:spChg>
+        <pc:spChg chg="mod">
+          <ac:chgData name="ANDREW FOX" userId="75fd7f06-258b-489a-a4b5-cc56c166c663" providerId="ADAL" clId="{68953483-BF63-442D-8EEF-80AC87BB2660}" dt="2024-04-15T15:33:34.595" v="162" actId="14100"/>
+          <ac:spMkLst>
+            <pc:docMk/>
+            <pc:sldMk cId="1866748364" sldId="256"/>
+            <ac:spMk id="32" creationId="{C06FB684-1334-D3E0-7472-7423E47AA8A1}"/>
+          </ac:spMkLst>
+        </pc:spChg>
+        <pc:spChg chg="add del mod">
+          <ac:chgData name="ANDREW FOX" userId="75fd7f06-258b-489a-a4b5-cc56c166c663" providerId="ADAL" clId="{68953483-BF63-442D-8EEF-80AC87BB2660}" dt="2024-04-15T15:47:13.181" v="295" actId="478"/>
+          <ac:spMkLst>
+            <pc:docMk/>
+            <pc:sldMk cId="1866748364" sldId="256"/>
+            <ac:spMk id="33" creationId="{E44AA2F9-5DAA-DCF7-85DA-318F4D192AEA}"/>
+          </ac:spMkLst>
+        </pc:spChg>
+        <pc:spChg chg="add del mod">
+          <ac:chgData name="ANDREW FOX" userId="75fd7f06-258b-489a-a4b5-cc56c166c663" providerId="ADAL" clId="{68953483-BF63-442D-8EEF-80AC87BB2660}" dt="2024-04-15T15:40:13.926" v="196"/>
+          <ac:spMkLst>
+            <pc:docMk/>
+            <pc:sldMk cId="1866748364" sldId="256"/>
+            <ac:spMk id="34" creationId="{39BCE5BB-2ADC-D32B-CBB1-4AD50913FC83}"/>
+          </ac:spMkLst>
+        </pc:spChg>
+        <pc:spChg chg="add del mod">
+          <ac:chgData name="ANDREW FOX" userId="75fd7f06-258b-489a-a4b5-cc56c166c663" providerId="ADAL" clId="{68953483-BF63-442D-8EEF-80AC87BB2660}" dt="2024-04-15T15:47:13.181" v="295" actId="478"/>
+          <ac:spMkLst>
+            <pc:docMk/>
+            <pc:sldMk cId="1866748364" sldId="256"/>
+            <ac:spMk id="35" creationId="{3FD77C69-4D13-E9C8-0131-223C6393B36B}"/>
+          </ac:spMkLst>
+        </pc:spChg>
+        <pc:spChg chg="mod">
+          <ac:chgData name="ANDREW FOX" userId="75fd7f06-258b-489a-a4b5-cc56c166c663" providerId="ADAL" clId="{68953483-BF63-442D-8EEF-80AC87BB2660}" dt="2024-04-15T15:28:59.545" v="122"/>
+          <ac:spMkLst>
+            <pc:docMk/>
+            <pc:sldMk cId="1866748364" sldId="256"/>
+            <ac:spMk id="65" creationId="{E9498D70-FBB4-690A-B88C-C23FE4649714}"/>
+          </ac:spMkLst>
+        </pc:spChg>
+        <pc:spChg chg="mod">
+          <ac:chgData name="ANDREW FOX" userId="75fd7f06-258b-489a-a4b5-cc56c166c663" providerId="ADAL" clId="{68953483-BF63-442D-8EEF-80AC87BB2660}" dt="2024-04-15T15:28:59.545" v="122"/>
+          <ac:spMkLst>
+            <pc:docMk/>
+            <pc:sldMk cId="1866748364" sldId="256"/>
+            <ac:spMk id="66" creationId="{F479A713-7A6B-148D-2D4F-41A6F87589C9}"/>
+          </ac:spMkLst>
+        </pc:spChg>
+        <pc:spChg chg="mod">
+          <ac:chgData name="ANDREW FOX" userId="75fd7f06-258b-489a-a4b5-cc56c166c663" providerId="ADAL" clId="{68953483-BF63-442D-8EEF-80AC87BB2660}" dt="2024-04-15T15:28:59.545" v="122"/>
+          <ac:spMkLst>
+            <pc:docMk/>
+            <pc:sldMk cId="1866748364" sldId="256"/>
+            <ac:spMk id="67" creationId="{910C6486-79BD-9089-C5A6-DC45116AD1A0}"/>
+          </ac:spMkLst>
+        </pc:spChg>
+        <pc:spChg chg="mod">
+          <ac:chgData name="ANDREW FOX" userId="75fd7f06-258b-489a-a4b5-cc56c166c663" providerId="ADAL" clId="{68953483-BF63-442D-8EEF-80AC87BB2660}" dt="2024-04-15T15:28:59.545" v="122"/>
+          <ac:spMkLst>
+            <pc:docMk/>
+            <pc:sldMk cId="1866748364" sldId="256"/>
+            <ac:spMk id="68" creationId="{47EF6F7A-E0C1-7C30-4AD1-A6F77558A8D3}"/>
+          </ac:spMkLst>
+        </pc:spChg>
+        <pc:spChg chg="mod">
+          <ac:chgData name="ANDREW FOX" userId="75fd7f06-258b-489a-a4b5-cc56c166c663" providerId="ADAL" clId="{68953483-BF63-442D-8EEF-80AC87BB2660}" dt="2024-04-15T15:28:59.545" v="122"/>
+          <ac:spMkLst>
+            <pc:docMk/>
+            <pc:sldMk cId="1866748364" sldId="256"/>
+            <ac:spMk id="69" creationId="{04E5CE87-E1E5-0120-108F-680523337C55}"/>
+          </ac:spMkLst>
+        </pc:spChg>
+        <pc:spChg chg="mod">
+          <ac:chgData name="ANDREW FOX" userId="75fd7f06-258b-489a-a4b5-cc56c166c663" providerId="ADAL" clId="{68953483-BF63-442D-8EEF-80AC87BB2660}" dt="2024-04-15T15:28:59.545" v="122"/>
+          <ac:spMkLst>
+            <pc:docMk/>
+            <pc:sldMk cId="1866748364" sldId="256"/>
+            <ac:spMk id="70" creationId="{B05B1FCE-A164-7C64-0945-74DF61E1123D}"/>
+          </ac:spMkLst>
+        </pc:spChg>
+        <pc:spChg chg="mod">
+          <ac:chgData name="ANDREW FOX" userId="75fd7f06-258b-489a-a4b5-cc56c166c663" providerId="ADAL" clId="{68953483-BF63-442D-8EEF-80AC87BB2660}" dt="2024-04-15T15:28:59.545" v="122"/>
+          <ac:spMkLst>
+            <pc:docMk/>
+            <pc:sldMk cId="1866748364" sldId="256"/>
+            <ac:spMk id="71" creationId="{B8223F8A-BEE9-7B29-7D2A-E8AD81817F4B}"/>
+          </ac:spMkLst>
+        </pc:spChg>
+        <pc:spChg chg="mod">
+          <ac:chgData name="ANDREW FOX" userId="75fd7f06-258b-489a-a4b5-cc56c166c663" providerId="ADAL" clId="{68953483-BF63-442D-8EEF-80AC87BB2660}" dt="2024-04-15T15:28:59.545" v="122"/>
+          <ac:spMkLst>
+            <pc:docMk/>
+            <pc:sldMk cId="1866748364" sldId="256"/>
+            <ac:spMk id="72" creationId="{592A51C1-EC4B-4932-1492-BAF2E058E30B}"/>
+          </ac:spMkLst>
+        </pc:spChg>
+        <pc:spChg chg="mod">
+          <ac:chgData name="ANDREW FOX" userId="75fd7f06-258b-489a-a4b5-cc56c166c663" providerId="ADAL" clId="{68953483-BF63-442D-8EEF-80AC87BB2660}" dt="2024-04-15T15:28:59.545" v="122"/>
+          <ac:spMkLst>
+            <pc:docMk/>
+            <pc:sldMk cId="1866748364" sldId="256"/>
+            <ac:spMk id="73" creationId="{DF50DAF2-8B52-F611-8D7F-689BB927AF00}"/>
+          </ac:spMkLst>
+        </pc:spChg>
+        <pc:spChg chg="mod">
+          <ac:chgData name="ANDREW FOX" userId="75fd7f06-258b-489a-a4b5-cc56c166c663" providerId="ADAL" clId="{68953483-BF63-442D-8EEF-80AC87BB2660}" dt="2024-04-15T15:28:59.545" v="122"/>
+          <ac:spMkLst>
+            <pc:docMk/>
+            <pc:sldMk cId="1866748364" sldId="256"/>
+            <ac:spMk id="74" creationId="{6B365364-2975-D8AA-9932-A5E9AD1B964D}"/>
+          </ac:spMkLst>
+        </pc:spChg>
+        <pc:spChg chg="mod">
+          <ac:chgData name="ANDREW FOX" userId="75fd7f06-258b-489a-a4b5-cc56c166c663" providerId="ADAL" clId="{68953483-BF63-442D-8EEF-80AC87BB2660}" dt="2024-04-15T15:28:59.545" v="122"/>
+          <ac:spMkLst>
+            <pc:docMk/>
+            <pc:sldMk cId="1866748364" sldId="256"/>
+            <ac:spMk id="75" creationId="{5C898EF1-C2D9-AA58-30E6-936C1B0247D3}"/>
+          </ac:spMkLst>
+        </pc:spChg>
+        <pc:spChg chg="mod">
+          <ac:chgData name="ANDREW FOX" userId="75fd7f06-258b-489a-a4b5-cc56c166c663" providerId="ADAL" clId="{68953483-BF63-442D-8EEF-80AC87BB2660}" dt="2024-04-15T15:28:59.545" v="122"/>
+          <ac:spMkLst>
+            <pc:docMk/>
+            <pc:sldMk cId="1866748364" sldId="256"/>
+            <ac:spMk id="76" creationId="{40D22FEC-6DD2-116D-AAA9-CB863AE19718}"/>
+          </ac:spMkLst>
+        </pc:spChg>
+        <pc:spChg chg="mod">
+          <ac:chgData name="ANDREW FOX" userId="75fd7f06-258b-489a-a4b5-cc56c166c663" providerId="ADAL" clId="{68953483-BF63-442D-8EEF-80AC87BB2660}" dt="2024-04-15T15:28:59.545" v="122"/>
+          <ac:spMkLst>
+            <pc:docMk/>
+            <pc:sldMk cId="1866748364" sldId="256"/>
+            <ac:spMk id="77" creationId="{D4DAF2AF-A2C9-8C21-FDE3-3BE645A55B2A}"/>
+          </ac:spMkLst>
+        </pc:spChg>
+        <pc:spChg chg="mod">
+          <ac:chgData name="ANDREW FOX" userId="75fd7f06-258b-489a-a4b5-cc56c166c663" providerId="ADAL" clId="{68953483-BF63-442D-8EEF-80AC87BB2660}" dt="2024-04-15T15:28:59.545" v="122"/>
+          <ac:spMkLst>
+            <pc:docMk/>
+            <pc:sldMk cId="1866748364" sldId="256"/>
+            <ac:spMk id="79" creationId="{DE650AF2-0C31-CC80-CEFC-730D0BB6A1D5}"/>
+          </ac:spMkLst>
+        </pc:spChg>
+        <pc:spChg chg="mod">
+          <ac:chgData name="ANDREW FOX" userId="75fd7f06-258b-489a-a4b5-cc56c166c663" providerId="ADAL" clId="{68953483-BF63-442D-8EEF-80AC87BB2660}" dt="2024-04-15T15:28:59.545" v="122"/>
+          <ac:spMkLst>
+            <pc:docMk/>
+            <pc:sldMk cId="1866748364" sldId="256"/>
+            <ac:spMk id="80" creationId="{98A20A1C-41C3-98CE-DE14-30CCF6EF66E1}"/>
+          </ac:spMkLst>
+        </pc:spChg>
+        <pc:spChg chg="mod">
+          <ac:chgData name="ANDREW FOX" userId="75fd7f06-258b-489a-a4b5-cc56c166c663" providerId="ADAL" clId="{68953483-BF63-442D-8EEF-80AC87BB2660}" dt="2024-04-15T15:28:59.545" v="122"/>
+          <ac:spMkLst>
+            <pc:docMk/>
+            <pc:sldMk cId="1866748364" sldId="256"/>
+            <ac:spMk id="83" creationId="{B637F706-B4BF-75D4-D5FC-79387A58F1C9}"/>
+          </ac:spMkLst>
+        </pc:spChg>
+        <pc:spChg chg="mod">
+          <ac:chgData name="ANDREW FOX" userId="75fd7f06-258b-489a-a4b5-cc56c166c663" providerId="ADAL" clId="{68953483-BF63-442D-8EEF-80AC87BB2660}" dt="2024-04-15T15:28:59.545" v="122"/>
+          <ac:spMkLst>
+            <pc:docMk/>
+            <pc:sldMk cId="1866748364" sldId="256"/>
+            <ac:spMk id="84" creationId="{A1B434EB-8965-2EB9-2D1E-D74590C2826A}"/>
+          </ac:spMkLst>
+        </pc:spChg>
+        <pc:spChg chg="mod">
+          <ac:chgData name="ANDREW FOX" userId="75fd7f06-258b-489a-a4b5-cc56c166c663" providerId="ADAL" clId="{68953483-BF63-442D-8EEF-80AC87BB2660}" dt="2024-04-15T15:28:59.545" v="122"/>
+          <ac:spMkLst>
+            <pc:docMk/>
+            <pc:sldMk cId="1866748364" sldId="256"/>
+            <ac:spMk id="85" creationId="{B43A8402-CE2D-6055-0A67-B3081B275AE0}"/>
+          </ac:spMkLst>
+        </pc:spChg>
+        <pc:spChg chg="mod">
+          <ac:chgData name="ANDREW FOX" userId="75fd7f06-258b-489a-a4b5-cc56c166c663" providerId="ADAL" clId="{68953483-BF63-442D-8EEF-80AC87BB2660}" dt="2024-04-15T15:28:59.545" v="122"/>
+          <ac:spMkLst>
+            <pc:docMk/>
+            <pc:sldMk cId="1866748364" sldId="256"/>
+            <ac:spMk id="86" creationId="{280DD21D-6C57-6FC0-EBCE-48FAD4FC76BA}"/>
+          </ac:spMkLst>
+        </pc:spChg>
+        <pc:spChg chg="mod">
+          <ac:chgData name="ANDREW FOX" userId="75fd7f06-258b-489a-a4b5-cc56c166c663" providerId="ADAL" clId="{68953483-BF63-442D-8EEF-80AC87BB2660}" dt="2024-04-15T15:28:59.545" v="122"/>
+          <ac:spMkLst>
+            <pc:docMk/>
+            <pc:sldMk cId="1866748364" sldId="256"/>
+            <ac:spMk id="87" creationId="{717239F0-5014-CFB0-5B31-A41E3465BF5E}"/>
+          </ac:spMkLst>
+        </pc:spChg>
+        <pc:spChg chg="mod">
+          <ac:chgData name="ANDREW FOX" userId="75fd7f06-258b-489a-a4b5-cc56c166c663" providerId="ADAL" clId="{68953483-BF63-442D-8EEF-80AC87BB2660}" dt="2024-04-15T15:28:59.545" v="122"/>
+          <ac:spMkLst>
+            <pc:docMk/>
+            <pc:sldMk cId="1866748364" sldId="256"/>
+            <ac:spMk id="88" creationId="{A4E0E4A9-4424-FCE3-609A-AFC2952FF505}"/>
+          </ac:spMkLst>
+        </pc:spChg>
+        <pc:spChg chg="mod">
+          <ac:chgData name="ANDREW FOX" userId="75fd7f06-258b-489a-a4b5-cc56c166c663" providerId="ADAL" clId="{68953483-BF63-442D-8EEF-80AC87BB2660}" dt="2024-04-15T15:28:59.545" v="122"/>
+          <ac:spMkLst>
+            <pc:docMk/>
+            <pc:sldMk cId="1866748364" sldId="256"/>
+            <ac:spMk id="89" creationId="{C2572C6A-F3A0-F391-1659-D93DF586E1D5}"/>
+          </ac:spMkLst>
+        </pc:spChg>
+        <pc:spChg chg="mod">
+          <ac:chgData name="ANDREW FOX" userId="75fd7f06-258b-489a-a4b5-cc56c166c663" providerId="ADAL" clId="{68953483-BF63-442D-8EEF-80AC87BB2660}" dt="2024-04-15T15:28:59.545" v="122"/>
+          <ac:spMkLst>
+            <pc:docMk/>
+            <pc:sldMk cId="1866748364" sldId="256"/>
+            <ac:spMk id="90" creationId="{533EF697-26F2-252C-484A-842DA40EC1BB}"/>
+          </ac:spMkLst>
+        </pc:spChg>
+        <pc:spChg chg="mod">
+          <ac:chgData name="ANDREW FOX" userId="75fd7f06-258b-489a-a4b5-cc56c166c663" providerId="ADAL" clId="{68953483-BF63-442D-8EEF-80AC87BB2660}" dt="2024-04-15T15:28:59.545" v="122"/>
+          <ac:spMkLst>
+            <pc:docMk/>
+            <pc:sldMk cId="1866748364" sldId="256"/>
+            <ac:spMk id="91" creationId="{56A883EB-D7B8-B10F-C3D1-97D9B9080B16}"/>
+          </ac:spMkLst>
+        </pc:spChg>
+        <pc:spChg chg="mod">
+          <ac:chgData name="ANDREW FOX" userId="75fd7f06-258b-489a-a4b5-cc56c166c663" providerId="ADAL" clId="{68953483-BF63-442D-8EEF-80AC87BB2660}" dt="2024-04-15T15:28:59.545" v="122"/>
+          <ac:spMkLst>
+            <pc:docMk/>
+            <pc:sldMk cId="1866748364" sldId="256"/>
+            <ac:spMk id="92" creationId="{6EC06A7F-B978-2FA0-7550-97911B3D3907}"/>
+          </ac:spMkLst>
+        </pc:spChg>
+        <pc:spChg chg="mod">
+          <ac:chgData name="ANDREW FOX" userId="75fd7f06-258b-489a-a4b5-cc56c166c663" providerId="ADAL" clId="{68953483-BF63-442D-8EEF-80AC87BB2660}" dt="2024-04-15T15:28:59.545" v="122"/>
+          <ac:spMkLst>
+            <pc:docMk/>
+            <pc:sldMk cId="1866748364" sldId="256"/>
+            <ac:spMk id="93" creationId="{22FF67B8-1B2F-9F46-FFDA-35D7159AC190}"/>
+          </ac:spMkLst>
+        </pc:spChg>
+        <pc:spChg chg="mod">
+          <ac:chgData name="ANDREW FOX" userId="75fd7f06-258b-489a-a4b5-cc56c166c663" providerId="ADAL" clId="{68953483-BF63-442D-8EEF-80AC87BB2660}" dt="2024-04-15T15:28:59.545" v="122"/>
+          <ac:spMkLst>
+            <pc:docMk/>
+            <pc:sldMk cId="1866748364" sldId="256"/>
+            <ac:spMk id="94" creationId="{E0E15B59-215C-9E00-1F2B-2C7EE95232EE}"/>
+          </ac:spMkLst>
+        </pc:spChg>
+        <pc:spChg chg="mod">
+          <ac:chgData name="ANDREW FOX" userId="75fd7f06-258b-489a-a4b5-cc56c166c663" providerId="ADAL" clId="{68953483-BF63-442D-8EEF-80AC87BB2660}" dt="2024-04-15T15:28:59.545" v="122"/>
+          <ac:spMkLst>
+            <pc:docMk/>
+            <pc:sldMk cId="1866748364" sldId="256"/>
+            <ac:spMk id="96" creationId="{D2497E9E-522F-E6D1-F383-DC43FB85CD53}"/>
+          </ac:spMkLst>
+        </pc:spChg>
+        <pc:spChg chg="mod">
+          <ac:chgData name="ANDREW FOX" userId="75fd7f06-258b-489a-a4b5-cc56c166c663" providerId="ADAL" clId="{68953483-BF63-442D-8EEF-80AC87BB2660}" dt="2024-04-15T15:28:59.545" v="122"/>
+          <ac:spMkLst>
+            <pc:docMk/>
+            <pc:sldMk cId="1866748364" sldId="256"/>
+            <ac:spMk id="97" creationId="{ACD5E97B-9635-F350-EB48-DFA915FEB135}"/>
+          </ac:spMkLst>
+        </pc:spChg>
+        <pc:spChg chg="mod">
+          <ac:chgData name="ANDREW FOX" userId="75fd7f06-258b-489a-a4b5-cc56c166c663" providerId="ADAL" clId="{68953483-BF63-442D-8EEF-80AC87BB2660}" dt="2024-04-15T15:28:59.545" v="122"/>
+          <ac:spMkLst>
+            <pc:docMk/>
+            <pc:sldMk cId="1866748364" sldId="256"/>
+            <ac:spMk id="98" creationId="{DEDB2CE2-0089-86F5-DFC3-7D4335548A7B}"/>
+          </ac:spMkLst>
+        </pc:spChg>
+        <pc:spChg chg="mod">
+          <ac:chgData name="ANDREW FOX" userId="75fd7f06-258b-489a-a4b5-cc56c166c663" providerId="ADAL" clId="{68953483-BF63-442D-8EEF-80AC87BB2660}" dt="2024-04-15T15:28:59.545" v="122"/>
+          <ac:spMkLst>
+            <pc:docMk/>
+            <pc:sldMk cId="1866748364" sldId="256"/>
+            <ac:spMk id="99" creationId="{ABC069AD-F30B-772D-2828-21BECB467919}"/>
+          </ac:spMkLst>
+        </pc:spChg>
+        <pc:spChg chg="mod">
+          <ac:chgData name="ANDREW FOX" userId="75fd7f06-258b-489a-a4b5-cc56c166c663" providerId="ADAL" clId="{68953483-BF63-442D-8EEF-80AC87BB2660}" dt="2024-04-15T15:28:59.545" v="122"/>
+          <ac:spMkLst>
+            <pc:docMk/>
+            <pc:sldMk cId="1866748364" sldId="256"/>
+            <ac:spMk id="101" creationId="{EFE9EFE6-9F2B-B0EC-A2E7-F9698F38303B}"/>
+          </ac:spMkLst>
+        </pc:spChg>
+        <pc:spChg chg="mod">
+          <ac:chgData name="ANDREW FOX" userId="75fd7f06-258b-489a-a4b5-cc56c166c663" providerId="ADAL" clId="{68953483-BF63-442D-8EEF-80AC87BB2660}" dt="2024-04-15T15:28:59.545" v="122"/>
+          <ac:spMkLst>
+            <pc:docMk/>
+            <pc:sldMk cId="1866748364" sldId="256"/>
+            <ac:spMk id="102" creationId="{BCCBF8DE-85A9-96FB-8A45-AF30D96281FA}"/>
+          </ac:spMkLst>
+        </pc:spChg>
+        <pc:spChg chg="mod">
+          <ac:chgData name="ANDREW FOX" userId="75fd7f06-258b-489a-a4b5-cc56c166c663" providerId="ADAL" clId="{68953483-BF63-442D-8EEF-80AC87BB2660}" dt="2024-04-15T15:28:59.545" v="122"/>
+          <ac:spMkLst>
+            <pc:docMk/>
+            <pc:sldMk cId="1866748364" sldId="256"/>
+            <ac:spMk id="103" creationId="{A2438EE6-8F35-26E6-B9A8-00AC8DD9D49F}"/>
+          </ac:spMkLst>
+        </pc:spChg>
+        <pc:grpChg chg="mod">
+          <ac:chgData name="ANDREW FOX" userId="75fd7f06-258b-489a-a4b5-cc56c166c663" providerId="ADAL" clId="{68953483-BF63-442D-8EEF-80AC87BB2660}" dt="2024-04-15T15:34:05.646" v="166" actId="1076"/>
+          <ac:grpSpMkLst>
+            <pc:docMk/>
+            <pc:sldMk cId="1866748364" sldId="256"/>
+            <ac:grpSpMk id="64" creationId="{69B8F9F6-9AD2-D333-881D-41305C35E956}"/>
+          </ac:grpSpMkLst>
+        </pc:grpChg>
+        <pc:picChg chg="mod">
+          <ac:chgData name="ANDREW FOX" userId="75fd7f06-258b-489a-a4b5-cc56c166c663" providerId="ADAL" clId="{68953483-BF63-442D-8EEF-80AC87BB2660}" dt="2024-04-15T15:28:59.545" v="122"/>
+          <ac:picMkLst>
+            <pc:docMk/>
+            <pc:sldMk cId="1866748364" sldId="256"/>
+            <ac:picMk id="2" creationId="{CB271E62-BBD7-56F7-1B36-587ED1D6D1A1}"/>
+          </ac:picMkLst>
+        </pc:picChg>
+        <pc:picChg chg="mod">
+          <ac:chgData name="ANDREW FOX" userId="75fd7f06-258b-489a-a4b5-cc56c166c663" providerId="ADAL" clId="{68953483-BF63-442D-8EEF-80AC87BB2660}" dt="2024-04-15T15:28:59.545" v="122"/>
+          <ac:picMkLst>
+            <pc:docMk/>
+            <pc:sldMk cId="1866748364" sldId="256"/>
+            <ac:picMk id="14" creationId="{0F8996FF-D292-9E67-6692-207B01A51C17}"/>
+          </ac:picMkLst>
+        </pc:picChg>
+        <pc:picChg chg="del mod">
+          <ac:chgData name="ANDREW FOX" userId="75fd7f06-258b-489a-a4b5-cc56c166c663" providerId="ADAL" clId="{68953483-BF63-442D-8EEF-80AC87BB2660}" dt="2024-04-15T15:45:18.749" v="274" actId="478"/>
+          <ac:picMkLst>
+            <pc:docMk/>
+            <pc:sldMk cId="1866748364" sldId="256"/>
+            <ac:picMk id="15" creationId="{8638DAF5-4A54-1470-7E0D-07FC0BF5FB24}"/>
+          </ac:picMkLst>
+        </pc:picChg>
+        <pc:picChg chg="mod">
+          <ac:chgData name="ANDREW FOX" userId="75fd7f06-258b-489a-a4b5-cc56c166c663" providerId="ADAL" clId="{68953483-BF63-442D-8EEF-80AC87BB2660}" dt="2024-04-15T15:46:41.157" v="291" actId="1076"/>
+          <ac:picMkLst>
+            <pc:docMk/>
+            <pc:sldMk cId="1866748364" sldId="256"/>
+            <ac:picMk id="18" creationId="{A5F50EDC-0973-A2AD-2014-E14A8E74E3A7}"/>
+          </ac:picMkLst>
+        </pc:picChg>
+        <pc:picChg chg="add mod">
+          <ac:chgData name="ANDREW FOX" userId="75fd7f06-258b-489a-a4b5-cc56c166c663" providerId="ADAL" clId="{68953483-BF63-442D-8EEF-80AC87BB2660}" dt="2024-04-15T15:46:27.085" v="289" actId="1076"/>
+          <ac:picMkLst>
+            <pc:docMk/>
+            <pc:sldMk cId="1866748364" sldId="256"/>
+            <ac:picMk id="37" creationId="{7F6E40E9-8A4C-38C2-4B4F-70BE274B8030}"/>
+          </ac:picMkLst>
+        </pc:picChg>
+        <pc:cxnChg chg="mod">
+          <ac:chgData name="ANDREW FOX" userId="75fd7f06-258b-489a-a4b5-cc56c166c663" providerId="ADAL" clId="{68953483-BF63-442D-8EEF-80AC87BB2660}" dt="2024-04-15T15:28:59.545" v="122"/>
+          <ac:cxnSpMkLst>
+            <pc:docMk/>
+            <pc:sldMk cId="1866748364" sldId="256"/>
+            <ac:cxnSpMk id="78" creationId="{6BF0BEC4-E1A2-AFCB-5BBB-502D847BA220}"/>
+          </ac:cxnSpMkLst>
+        </pc:cxnChg>
+        <pc:cxnChg chg="mod">
+          <ac:chgData name="ANDREW FOX" userId="75fd7f06-258b-489a-a4b5-cc56c166c663" providerId="ADAL" clId="{68953483-BF63-442D-8EEF-80AC87BB2660}" dt="2024-04-15T15:28:59.545" v="122"/>
+          <ac:cxnSpMkLst>
+            <pc:docMk/>
+            <pc:sldMk cId="1866748364" sldId="256"/>
+            <ac:cxnSpMk id="81" creationId="{EDA5391C-4706-C994-A8C3-878B63C6444D}"/>
+          </ac:cxnSpMkLst>
+        </pc:cxnChg>
+        <pc:cxnChg chg="mod">
+          <ac:chgData name="ANDREW FOX" userId="75fd7f06-258b-489a-a4b5-cc56c166c663" providerId="ADAL" clId="{68953483-BF63-442D-8EEF-80AC87BB2660}" dt="2024-04-15T15:28:59.545" v="122"/>
+          <ac:cxnSpMkLst>
+            <pc:docMk/>
+            <pc:sldMk cId="1866748364" sldId="256"/>
+            <ac:cxnSpMk id="82" creationId="{E421A25B-2AF2-F31F-7D15-F75EFA17F081}"/>
+          </ac:cxnSpMkLst>
+        </pc:cxnChg>
+        <pc:cxnChg chg="mod">
+          <ac:chgData name="ANDREW FOX" userId="75fd7f06-258b-489a-a4b5-cc56c166c663" providerId="ADAL" clId="{68953483-BF63-442D-8EEF-80AC87BB2660}" dt="2024-04-15T15:28:59.545" v="122"/>
+          <ac:cxnSpMkLst>
+            <pc:docMk/>
+            <pc:sldMk cId="1866748364" sldId="256"/>
+            <ac:cxnSpMk id="95" creationId="{14A83515-24CC-3EC1-8649-624253E62739}"/>
+          </ac:cxnSpMkLst>
+        </pc:cxnChg>
+        <pc:cxnChg chg="mod">
+          <ac:chgData name="ANDREW FOX" userId="75fd7f06-258b-489a-a4b5-cc56c166c663" providerId="ADAL" clId="{68953483-BF63-442D-8EEF-80AC87BB2660}" dt="2024-04-15T15:28:59.545" v="122"/>
+          <ac:cxnSpMkLst>
+            <pc:docMk/>
+            <pc:sldMk cId="1866748364" sldId="256"/>
+            <ac:cxnSpMk id="100" creationId="{661BF9AA-46A1-0106-CEDA-B9625E1281BB}"/>
+          </ac:cxnSpMkLst>
+        </pc:cxnChg>
       </pc:sldChg>
+      <pc:sldMasterChg chg="modSp modSldLayout">
+        <pc:chgData name="ANDREW FOX" userId="75fd7f06-258b-489a-a4b5-cc56c166c663" providerId="ADAL" clId="{68953483-BF63-442D-8EEF-80AC87BB2660}" dt="2024-04-15T15:28:59.545" v="122"/>
+        <pc:sldMasterMkLst>
+          <pc:docMk/>
+          <pc:sldMasterMk cId="2937800125" sldId="2147483696"/>
+        </pc:sldMasterMkLst>
+        <pc:spChg chg="mod">
+          <ac:chgData name="ANDREW FOX" userId="75fd7f06-258b-489a-a4b5-cc56c166c663" providerId="ADAL" clId="{68953483-BF63-442D-8EEF-80AC87BB2660}" dt="2024-04-15T15:28:59.545" v="122"/>
+          <ac:spMkLst>
+            <pc:docMk/>
+            <pc:sldMasterMk cId="2937800125" sldId="2147483696"/>
+            <ac:spMk id="2" creationId="{00000000-0000-0000-0000-000000000000}"/>
+          </ac:spMkLst>
+        </pc:spChg>
+        <pc:spChg chg="mod">
+          <ac:chgData name="ANDREW FOX" userId="75fd7f06-258b-489a-a4b5-cc56c166c663" providerId="ADAL" clId="{68953483-BF63-442D-8EEF-80AC87BB2660}" dt="2024-04-15T15:28:59.545" v="122"/>
+          <ac:spMkLst>
+            <pc:docMk/>
+            <pc:sldMasterMk cId="2937800125" sldId="2147483696"/>
+            <ac:spMk id="3" creationId="{00000000-0000-0000-0000-000000000000}"/>
+          </ac:spMkLst>
+        </pc:spChg>
+        <pc:spChg chg="mod">
+          <ac:chgData name="ANDREW FOX" userId="75fd7f06-258b-489a-a4b5-cc56c166c663" providerId="ADAL" clId="{68953483-BF63-442D-8EEF-80AC87BB2660}" dt="2024-04-15T15:28:59.545" v="122"/>
+          <ac:spMkLst>
+            <pc:docMk/>
+            <pc:sldMasterMk cId="2937800125" sldId="2147483696"/>
+            <ac:spMk id="4" creationId="{00000000-0000-0000-0000-000000000000}"/>
+          </ac:spMkLst>
+        </pc:spChg>
+        <pc:spChg chg="mod">
+          <ac:chgData name="ANDREW FOX" userId="75fd7f06-258b-489a-a4b5-cc56c166c663" providerId="ADAL" clId="{68953483-BF63-442D-8EEF-80AC87BB2660}" dt="2024-04-15T15:28:59.545" v="122"/>
+          <ac:spMkLst>
+            <pc:docMk/>
+            <pc:sldMasterMk cId="2937800125" sldId="2147483696"/>
+            <ac:spMk id="5" creationId="{00000000-0000-0000-0000-000000000000}"/>
+          </ac:spMkLst>
+        </pc:spChg>
+        <pc:spChg chg="mod">
+          <ac:chgData name="ANDREW FOX" userId="75fd7f06-258b-489a-a4b5-cc56c166c663" providerId="ADAL" clId="{68953483-BF63-442D-8EEF-80AC87BB2660}" dt="2024-04-15T15:28:59.545" v="122"/>
+          <ac:spMkLst>
+            <pc:docMk/>
+            <pc:sldMasterMk cId="2937800125" sldId="2147483696"/>
+            <ac:spMk id="6" creationId="{00000000-0000-0000-0000-000000000000}"/>
+          </ac:spMkLst>
+        </pc:spChg>
+        <pc:sldLayoutChg chg="modSp">
+          <pc:chgData name="ANDREW FOX" userId="75fd7f06-258b-489a-a4b5-cc56c166c663" providerId="ADAL" clId="{68953483-BF63-442D-8EEF-80AC87BB2660}" dt="2024-04-15T15:28:59.545" v="122"/>
+          <pc:sldLayoutMkLst>
+            <pc:docMk/>
+            <pc:sldMasterMk cId="2937800125" sldId="2147483696"/>
+            <pc:sldLayoutMk cId="108068246" sldId="2147483697"/>
+          </pc:sldLayoutMkLst>
+          <pc:spChg chg="mod">
+            <ac:chgData name="ANDREW FOX" userId="75fd7f06-258b-489a-a4b5-cc56c166c663" providerId="ADAL" clId="{68953483-BF63-442D-8EEF-80AC87BB2660}" dt="2024-04-15T15:28:59.545" v="122"/>
+            <ac:spMkLst>
+              <pc:docMk/>
+              <pc:sldMasterMk cId="2937800125" sldId="2147483696"/>
+              <pc:sldLayoutMk cId="108068246" sldId="2147483697"/>
+              <ac:spMk id="2" creationId="{00000000-0000-0000-0000-000000000000}"/>
+            </ac:spMkLst>
+          </pc:spChg>
+          <pc:spChg chg="mod">
+            <ac:chgData name="ANDREW FOX" userId="75fd7f06-258b-489a-a4b5-cc56c166c663" providerId="ADAL" clId="{68953483-BF63-442D-8EEF-80AC87BB2660}" dt="2024-04-15T15:28:59.545" v="122"/>
+            <ac:spMkLst>
+              <pc:docMk/>
+              <pc:sldMasterMk cId="2937800125" sldId="2147483696"/>
+              <pc:sldLayoutMk cId="108068246" sldId="2147483697"/>
+              <ac:spMk id="3" creationId="{00000000-0000-0000-0000-000000000000}"/>
+            </ac:spMkLst>
+          </pc:spChg>
+        </pc:sldLayoutChg>
+        <pc:sldLayoutChg chg="modSp">
+          <pc:chgData name="ANDREW FOX" userId="75fd7f06-258b-489a-a4b5-cc56c166c663" providerId="ADAL" clId="{68953483-BF63-442D-8EEF-80AC87BB2660}" dt="2024-04-15T15:28:59.545" v="122"/>
+          <pc:sldLayoutMkLst>
+            <pc:docMk/>
+            <pc:sldMasterMk cId="2937800125" sldId="2147483696"/>
+            <pc:sldLayoutMk cId="2739619541" sldId="2147483699"/>
+          </pc:sldLayoutMkLst>
+          <pc:spChg chg="mod">
+            <ac:chgData name="ANDREW FOX" userId="75fd7f06-258b-489a-a4b5-cc56c166c663" providerId="ADAL" clId="{68953483-BF63-442D-8EEF-80AC87BB2660}" dt="2024-04-15T15:28:59.545" v="122"/>
+            <ac:spMkLst>
+              <pc:docMk/>
+              <pc:sldMasterMk cId="2937800125" sldId="2147483696"/>
+              <pc:sldLayoutMk cId="2739619541" sldId="2147483699"/>
+              <ac:spMk id="2" creationId="{00000000-0000-0000-0000-000000000000}"/>
+            </ac:spMkLst>
+          </pc:spChg>
+          <pc:spChg chg="mod">
+            <ac:chgData name="ANDREW FOX" userId="75fd7f06-258b-489a-a4b5-cc56c166c663" providerId="ADAL" clId="{68953483-BF63-442D-8EEF-80AC87BB2660}" dt="2024-04-15T15:28:59.545" v="122"/>
+            <ac:spMkLst>
+              <pc:docMk/>
+              <pc:sldMasterMk cId="2937800125" sldId="2147483696"/>
+              <pc:sldLayoutMk cId="2739619541" sldId="2147483699"/>
+              <ac:spMk id="3" creationId="{00000000-0000-0000-0000-000000000000}"/>
+            </ac:spMkLst>
+          </pc:spChg>
+        </pc:sldLayoutChg>
+        <pc:sldLayoutChg chg="modSp">
+          <pc:chgData name="ANDREW FOX" userId="75fd7f06-258b-489a-a4b5-cc56c166c663" providerId="ADAL" clId="{68953483-BF63-442D-8EEF-80AC87BB2660}" dt="2024-04-15T15:28:59.545" v="122"/>
+          <pc:sldLayoutMkLst>
+            <pc:docMk/>
+            <pc:sldMasterMk cId="2937800125" sldId="2147483696"/>
+            <pc:sldLayoutMk cId="3640612844" sldId="2147483700"/>
+          </pc:sldLayoutMkLst>
+          <pc:spChg chg="mod">
+            <ac:chgData name="ANDREW FOX" userId="75fd7f06-258b-489a-a4b5-cc56c166c663" providerId="ADAL" clId="{68953483-BF63-442D-8EEF-80AC87BB2660}" dt="2024-04-15T15:28:59.545" v="122"/>
+            <ac:spMkLst>
+              <pc:docMk/>
+              <pc:sldMasterMk cId="2937800125" sldId="2147483696"/>
+              <pc:sldLayoutMk cId="3640612844" sldId="2147483700"/>
+              <ac:spMk id="3" creationId="{00000000-0000-0000-0000-000000000000}"/>
+            </ac:spMkLst>
+          </pc:spChg>
+          <pc:spChg chg="mod">
+            <ac:chgData name="ANDREW FOX" userId="75fd7f06-258b-489a-a4b5-cc56c166c663" providerId="ADAL" clId="{68953483-BF63-442D-8EEF-80AC87BB2660}" dt="2024-04-15T15:28:59.545" v="122"/>
+            <ac:spMkLst>
+              <pc:docMk/>
+              <pc:sldMasterMk cId="2937800125" sldId="2147483696"/>
+              <pc:sldLayoutMk cId="3640612844" sldId="2147483700"/>
+              <ac:spMk id="4" creationId="{00000000-0000-0000-0000-000000000000}"/>
+            </ac:spMkLst>
+          </pc:spChg>
+        </pc:sldLayoutChg>
+        <pc:sldLayoutChg chg="modSp">
+          <pc:chgData name="ANDREW FOX" userId="75fd7f06-258b-489a-a4b5-cc56c166c663" providerId="ADAL" clId="{68953483-BF63-442D-8EEF-80AC87BB2660}" dt="2024-04-15T15:28:59.545" v="122"/>
+          <pc:sldLayoutMkLst>
+            <pc:docMk/>
+            <pc:sldMasterMk cId="2937800125" sldId="2147483696"/>
+            <pc:sldLayoutMk cId="633045633" sldId="2147483701"/>
+          </pc:sldLayoutMkLst>
+          <pc:spChg chg="mod">
+            <ac:chgData name="ANDREW FOX" userId="75fd7f06-258b-489a-a4b5-cc56c166c663" providerId="ADAL" clId="{68953483-BF63-442D-8EEF-80AC87BB2660}" dt="2024-04-15T15:28:59.545" v="122"/>
+            <ac:spMkLst>
+              <pc:docMk/>
+              <pc:sldMasterMk cId="2937800125" sldId="2147483696"/>
+              <pc:sldLayoutMk cId="633045633" sldId="2147483701"/>
+              <ac:spMk id="2" creationId="{00000000-0000-0000-0000-000000000000}"/>
+            </ac:spMkLst>
+          </pc:spChg>
+          <pc:spChg chg="mod">
+            <ac:chgData name="ANDREW FOX" userId="75fd7f06-258b-489a-a4b5-cc56c166c663" providerId="ADAL" clId="{68953483-BF63-442D-8EEF-80AC87BB2660}" dt="2024-04-15T15:28:59.545" v="122"/>
+            <ac:spMkLst>
+              <pc:docMk/>
+              <pc:sldMasterMk cId="2937800125" sldId="2147483696"/>
+              <pc:sldLayoutMk cId="633045633" sldId="2147483701"/>
+              <ac:spMk id="3" creationId="{00000000-0000-0000-0000-000000000000}"/>
+            </ac:spMkLst>
+          </pc:spChg>
+          <pc:spChg chg="mod">
+            <ac:chgData name="ANDREW FOX" userId="75fd7f06-258b-489a-a4b5-cc56c166c663" providerId="ADAL" clId="{68953483-BF63-442D-8EEF-80AC87BB2660}" dt="2024-04-15T15:28:59.545" v="122"/>
+            <ac:spMkLst>
+              <pc:docMk/>
+              <pc:sldMasterMk cId="2937800125" sldId="2147483696"/>
+              <pc:sldLayoutMk cId="633045633" sldId="2147483701"/>
+              <ac:spMk id="4" creationId="{00000000-0000-0000-0000-000000000000}"/>
+            </ac:spMkLst>
+          </pc:spChg>
+          <pc:spChg chg="mod">
+            <ac:chgData name="ANDREW FOX" userId="75fd7f06-258b-489a-a4b5-cc56c166c663" providerId="ADAL" clId="{68953483-BF63-442D-8EEF-80AC87BB2660}" dt="2024-04-15T15:28:59.545" v="122"/>
+            <ac:spMkLst>
+              <pc:docMk/>
+              <pc:sldMasterMk cId="2937800125" sldId="2147483696"/>
+              <pc:sldLayoutMk cId="633045633" sldId="2147483701"/>
+              <ac:spMk id="5" creationId="{00000000-0000-0000-0000-000000000000}"/>
+            </ac:spMkLst>
+          </pc:spChg>
+          <pc:spChg chg="mod">
+            <ac:chgData name="ANDREW FOX" userId="75fd7f06-258b-489a-a4b5-cc56c166c663" providerId="ADAL" clId="{68953483-BF63-442D-8EEF-80AC87BB2660}" dt="2024-04-15T15:28:59.545" v="122"/>
+            <ac:spMkLst>
+              <pc:docMk/>
+              <pc:sldMasterMk cId="2937800125" sldId="2147483696"/>
+              <pc:sldLayoutMk cId="633045633" sldId="2147483701"/>
+              <ac:spMk id="6" creationId="{00000000-0000-0000-0000-000000000000}"/>
+            </ac:spMkLst>
+          </pc:spChg>
+        </pc:sldLayoutChg>
+        <pc:sldLayoutChg chg="modSp">
+          <pc:chgData name="ANDREW FOX" userId="75fd7f06-258b-489a-a4b5-cc56c166c663" providerId="ADAL" clId="{68953483-BF63-442D-8EEF-80AC87BB2660}" dt="2024-04-15T15:28:59.545" v="122"/>
+          <pc:sldLayoutMkLst>
+            <pc:docMk/>
+            <pc:sldMasterMk cId="2937800125" sldId="2147483696"/>
+            <pc:sldLayoutMk cId="3623038891" sldId="2147483704"/>
+          </pc:sldLayoutMkLst>
+          <pc:spChg chg="mod">
+            <ac:chgData name="ANDREW FOX" userId="75fd7f06-258b-489a-a4b5-cc56c166c663" providerId="ADAL" clId="{68953483-BF63-442D-8EEF-80AC87BB2660}" dt="2024-04-15T15:28:59.545" v="122"/>
+            <ac:spMkLst>
+              <pc:docMk/>
+              <pc:sldMasterMk cId="2937800125" sldId="2147483696"/>
+              <pc:sldLayoutMk cId="3623038891" sldId="2147483704"/>
+              <ac:spMk id="2" creationId="{00000000-0000-0000-0000-000000000000}"/>
+            </ac:spMkLst>
+          </pc:spChg>
+          <pc:spChg chg="mod">
+            <ac:chgData name="ANDREW FOX" userId="75fd7f06-258b-489a-a4b5-cc56c166c663" providerId="ADAL" clId="{68953483-BF63-442D-8EEF-80AC87BB2660}" dt="2024-04-15T15:28:59.545" v="122"/>
+            <ac:spMkLst>
+              <pc:docMk/>
+              <pc:sldMasterMk cId="2937800125" sldId="2147483696"/>
+              <pc:sldLayoutMk cId="3623038891" sldId="2147483704"/>
+              <ac:spMk id="3" creationId="{00000000-0000-0000-0000-000000000000}"/>
+            </ac:spMkLst>
+          </pc:spChg>
+          <pc:spChg chg="mod">
+            <ac:chgData name="ANDREW FOX" userId="75fd7f06-258b-489a-a4b5-cc56c166c663" providerId="ADAL" clId="{68953483-BF63-442D-8EEF-80AC87BB2660}" dt="2024-04-15T15:28:59.545" v="122"/>
+            <ac:spMkLst>
+              <pc:docMk/>
+              <pc:sldMasterMk cId="2937800125" sldId="2147483696"/>
+              <pc:sldLayoutMk cId="3623038891" sldId="2147483704"/>
+              <ac:spMk id="4" creationId="{00000000-0000-0000-0000-000000000000}"/>
+            </ac:spMkLst>
+          </pc:spChg>
+        </pc:sldLayoutChg>
+        <pc:sldLayoutChg chg="modSp">
+          <pc:chgData name="ANDREW FOX" userId="75fd7f06-258b-489a-a4b5-cc56c166c663" providerId="ADAL" clId="{68953483-BF63-442D-8EEF-80AC87BB2660}" dt="2024-04-15T15:28:59.545" v="122"/>
+          <pc:sldLayoutMkLst>
+            <pc:docMk/>
+            <pc:sldMasterMk cId="2937800125" sldId="2147483696"/>
+            <pc:sldLayoutMk cId="1363011144" sldId="2147483705"/>
+          </pc:sldLayoutMkLst>
+          <pc:spChg chg="mod">
+            <ac:chgData name="ANDREW FOX" userId="75fd7f06-258b-489a-a4b5-cc56c166c663" providerId="ADAL" clId="{68953483-BF63-442D-8EEF-80AC87BB2660}" dt="2024-04-15T15:28:59.545" v="122"/>
+            <ac:spMkLst>
+              <pc:docMk/>
+              <pc:sldMasterMk cId="2937800125" sldId="2147483696"/>
+              <pc:sldLayoutMk cId="1363011144" sldId="2147483705"/>
+              <ac:spMk id="2" creationId="{00000000-0000-0000-0000-000000000000}"/>
+            </ac:spMkLst>
+          </pc:spChg>
+          <pc:spChg chg="mod">
+            <ac:chgData name="ANDREW FOX" userId="75fd7f06-258b-489a-a4b5-cc56c166c663" providerId="ADAL" clId="{68953483-BF63-442D-8EEF-80AC87BB2660}" dt="2024-04-15T15:28:59.545" v="122"/>
+            <ac:spMkLst>
+              <pc:docMk/>
+              <pc:sldMasterMk cId="2937800125" sldId="2147483696"/>
+              <pc:sldLayoutMk cId="1363011144" sldId="2147483705"/>
+              <ac:spMk id="3" creationId="{00000000-0000-0000-0000-000000000000}"/>
+            </ac:spMkLst>
+          </pc:spChg>
+          <pc:spChg chg="mod">
+            <ac:chgData name="ANDREW FOX" userId="75fd7f06-258b-489a-a4b5-cc56c166c663" providerId="ADAL" clId="{68953483-BF63-442D-8EEF-80AC87BB2660}" dt="2024-04-15T15:28:59.545" v="122"/>
+            <ac:spMkLst>
+              <pc:docMk/>
+              <pc:sldMasterMk cId="2937800125" sldId="2147483696"/>
+              <pc:sldLayoutMk cId="1363011144" sldId="2147483705"/>
+              <ac:spMk id="4" creationId="{00000000-0000-0000-0000-000000000000}"/>
+            </ac:spMkLst>
+          </pc:spChg>
+        </pc:sldLayoutChg>
+        <pc:sldLayoutChg chg="modSp">
+          <pc:chgData name="ANDREW FOX" userId="75fd7f06-258b-489a-a4b5-cc56c166c663" providerId="ADAL" clId="{68953483-BF63-442D-8EEF-80AC87BB2660}" dt="2024-04-15T15:28:59.545" v="122"/>
+          <pc:sldLayoutMkLst>
+            <pc:docMk/>
+            <pc:sldMasterMk cId="2937800125" sldId="2147483696"/>
+            <pc:sldLayoutMk cId="3247483782" sldId="2147483707"/>
+          </pc:sldLayoutMkLst>
+          <pc:spChg chg="mod">
+            <ac:chgData name="ANDREW FOX" userId="75fd7f06-258b-489a-a4b5-cc56c166c663" providerId="ADAL" clId="{68953483-BF63-442D-8EEF-80AC87BB2660}" dt="2024-04-15T15:28:59.545" v="122"/>
+            <ac:spMkLst>
+              <pc:docMk/>
+              <pc:sldMasterMk cId="2937800125" sldId="2147483696"/>
+              <pc:sldLayoutMk cId="3247483782" sldId="2147483707"/>
+              <ac:spMk id="2" creationId="{00000000-0000-0000-0000-000000000000}"/>
+            </ac:spMkLst>
+          </pc:spChg>
+          <pc:spChg chg="mod">
+            <ac:chgData name="ANDREW FOX" userId="75fd7f06-258b-489a-a4b5-cc56c166c663" providerId="ADAL" clId="{68953483-BF63-442D-8EEF-80AC87BB2660}" dt="2024-04-15T15:28:59.545" v="122"/>
+            <ac:spMkLst>
+              <pc:docMk/>
+              <pc:sldMasterMk cId="2937800125" sldId="2147483696"/>
+              <pc:sldLayoutMk cId="3247483782" sldId="2147483707"/>
+              <ac:spMk id="3" creationId="{00000000-0000-0000-0000-000000000000}"/>
+            </ac:spMkLst>
+          </pc:spChg>
+        </pc:sldLayoutChg>
+      </pc:sldMasterChg>
+      <pc:sldMasterChg chg="modSp modSldLayout">
+        <pc:chgData name="ANDREW FOX" userId="75fd7f06-258b-489a-a4b5-cc56c166c663" providerId="ADAL" clId="{68953483-BF63-442D-8EEF-80AC87BB2660}" dt="2024-04-15T15:28:59.073" v="121"/>
+        <pc:sldMasterMkLst>
+          <pc:docMk/>
+          <pc:sldMasterMk cId="950123223" sldId="2147483708"/>
+        </pc:sldMasterMkLst>
+        <pc:spChg chg="mod">
+          <ac:chgData name="ANDREW FOX" userId="75fd7f06-258b-489a-a4b5-cc56c166c663" providerId="ADAL" clId="{68953483-BF63-442D-8EEF-80AC87BB2660}" dt="2024-04-15T15:28:59.073" v="121"/>
+          <ac:spMkLst>
+            <pc:docMk/>
+            <pc:sldMasterMk cId="950123223" sldId="2147483708"/>
+            <ac:spMk id="2" creationId="{00000000-0000-0000-0000-000000000000}"/>
+          </ac:spMkLst>
+        </pc:spChg>
+        <pc:spChg chg="mod">
+          <ac:chgData name="ANDREW FOX" userId="75fd7f06-258b-489a-a4b5-cc56c166c663" providerId="ADAL" clId="{68953483-BF63-442D-8EEF-80AC87BB2660}" dt="2024-04-15T15:28:59.073" v="121"/>
+          <ac:spMkLst>
+            <pc:docMk/>
+            <pc:sldMasterMk cId="950123223" sldId="2147483708"/>
+            <ac:spMk id="3" creationId="{00000000-0000-0000-0000-000000000000}"/>
+          </ac:spMkLst>
+        </pc:spChg>
+        <pc:spChg chg="mod">
+          <ac:chgData name="ANDREW FOX" userId="75fd7f06-258b-489a-a4b5-cc56c166c663" providerId="ADAL" clId="{68953483-BF63-442D-8EEF-80AC87BB2660}" dt="2024-04-15T15:28:59.073" v="121"/>
+          <ac:spMkLst>
+            <pc:docMk/>
+            <pc:sldMasterMk cId="950123223" sldId="2147483708"/>
+            <ac:spMk id="4" creationId="{00000000-0000-0000-0000-000000000000}"/>
+          </ac:spMkLst>
+        </pc:spChg>
+        <pc:spChg chg="mod">
+          <ac:chgData name="ANDREW FOX" userId="75fd7f06-258b-489a-a4b5-cc56c166c663" providerId="ADAL" clId="{68953483-BF63-442D-8EEF-80AC87BB2660}" dt="2024-04-15T15:28:59.073" v="121"/>
+          <ac:spMkLst>
+            <pc:docMk/>
+            <pc:sldMasterMk cId="950123223" sldId="2147483708"/>
+            <ac:spMk id="5" creationId="{00000000-0000-0000-0000-000000000000}"/>
+          </ac:spMkLst>
+        </pc:spChg>
+        <pc:spChg chg="mod">
+          <ac:chgData name="ANDREW FOX" userId="75fd7f06-258b-489a-a4b5-cc56c166c663" providerId="ADAL" clId="{68953483-BF63-442D-8EEF-80AC87BB2660}" dt="2024-04-15T15:28:59.073" v="121"/>
+          <ac:spMkLst>
+            <pc:docMk/>
+            <pc:sldMasterMk cId="950123223" sldId="2147483708"/>
+            <ac:spMk id="6" creationId="{00000000-0000-0000-0000-000000000000}"/>
+          </ac:spMkLst>
+        </pc:spChg>
+        <pc:sldLayoutChg chg="modSp">
+          <pc:chgData name="ANDREW FOX" userId="75fd7f06-258b-489a-a4b5-cc56c166c663" providerId="ADAL" clId="{68953483-BF63-442D-8EEF-80AC87BB2660}" dt="2024-04-15T15:28:59.073" v="121"/>
+          <pc:sldLayoutMkLst>
+            <pc:docMk/>
+            <pc:sldMasterMk cId="950123223" sldId="2147483708"/>
+            <pc:sldLayoutMk cId="2630345315" sldId="2147483709"/>
+          </pc:sldLayoutMkLst>
+          <pc:spChg chg="mod">
+            <ac:chgData name="ANDREW FOX" userId="75fd7f06-258b-489a-a4b5-cc56c166c663" providerId="ADAL" clId="{68953483-BF63-442D-8EEF-80AC87BB2660}" dt="2024-04-15T15:28:59.073" v="121"/>
+            <ac:spMkLst>
+              <pc:docMk/>
+              <pc:sldMasterMk cId="950123223" sldId="2147483708"/>
+              <pc:sldLayoutMk cId="2630345315" sldId="2147483709"/>
+              <ac:spMk id="2" creationId="{00000000-0000-0000-0000-000000000000}"/>
+            </ac:spMkLst>
+          </pc:spChg>
+          <pc:spChg chg="mod">
+            <ac:chgData name="ANDREW FOX" userId="75fd7f06-258b-489a-a4b5-cc56c166c663" providerId="ADAL" clId="{68953483-BF63-442D-8EEF-80AC87BB2660}" dt="2024-04-15T15:28:59.073" v="121"/>
+            <ac:spMkLst>
+              <pc:docMk/>
+              <pc:sldMasterMk cId="950123223" sldId="2147483708"/>
+              <pc:sldLayoutMk cId="2630345315" sldId="2147483709"/>
+              <ac:spMk id="3" creationId="{00000000-0000-0000-0000-000000000000}"/>
+            </ac:spMkLst>
+          </pc:spChg>
+        </pc:sldLayoutChg>
+        <pc:sldLayoutChg chg="modSp">
+          <pc:chgData name="ANDREW FOX" userId="75fd7f06-258b-489a-a4b5-cc56c166c663" providerId="ADAL" clId="{68953483-BF63-442D-8EEF-80AC87BB2660}" dt="2024-04-15T15:28:59.073" v="121"/>
+          <pc:sldLayoutMkLst>
+            <pc:docMk/>
+            <pc:sldMasterMk cId="950123223" sldId="2147483708"/>
+            <pc:sldLayoutMk cId="2693277664" sldId="2147483711"/>
+          </pc:sldLayoutMkLst>
+          <pc:spChg chg="mod">
+            <ac:chgData name="ANDREW FOX" userId="75fd7f06-258b-489a-a4b5-cc56c166c663" providerId="ADAL" clId="{68953483-BF63-442D-8EEF-80AC87BB2660}" dt="2024-04-15T15:28:59.073" v="121"/>
+            <ac:spMkLst>
+              <pc:docMk/>
+              <pc:sldMasterMk cId="950123223" sldId="2147483708"/>
+              <pc:sldLayoutMk cId="2693277664" sldId="2147483711"/>
+              <ac:spMk id="2" creationId="{00000000-0000-0000-0000-000000000000}"/>
+            </ac:spMkLst>
+          </pc:spChg>
+          <pc:spChg chg="mod">
+            <ac:chgData name="ANDREW FOX" userId="75fd7f06-258b-489a-a4b5-cc56c166c663" providerId="ADAL" clId="{68953483-BF63-442D-8EEF-80AC87BB2660}" dt="2024-04-15T15:28:59.073" v="121"/>
+            <ac:spMkLst>
+              <pc:docMk/>
+              <pc:sldMasterMk cId="950123223" sldId="2147483708"/>
+              <pc:sldLayoutMk cId="2693277664" sldId="2147483711"/>
+              <ac:spMk id="3" creationId="{00000000-0000-0000-0000-000000000000}"/>
+            </ac:spMkLst>
+          </pc:spChg>
+        </pc:sldLayoutChg>
+        <pc:sldLayoutChg chg="modSp">
+          <pc:chgData name="ANDREW FOX" userId="75fd7f06-258b-489a-a4b5-cc56c166c663" providerId="ADAL" clId="{68953483-BF63-442D-8EEF-80AC87BB2660}" dt="2024-04-15T15:28:59.073" v="121"/>
+          <pc:sldLayoutMkLst>
+            <pc:docMk/>
+            <pc:sldMasterMk cId="950123223" sldId="2147483708"/>
+            <pc:sldLayoutMk cId="1546013171" sldId="2147483712"/>
+          </pc:sldLayoutMkLst>
+          <pc:spChg chg="mod">
+            <ac:chgData name="ANDREW FOX" userId="75fd7f06-258b-489a-a4b5-cc56c166c663" providerId="ADAL" clId="{68953483-BF63-442D-8EEF-80AC87BB2660}" dt="2024-04-15T15:28:59.073" v="121"/>
+            <ac:spMkLst>
+              <pc:docMk/>
+              <pc:sldMasterMk cId="950123223" sldId="2147483708"/>
+              <pc:sldLayoutMk cId="1546013171" sldId="2147483712"/>
+              <ac:spMk id="3" creationId="{00000000-0000-0000-0000-000000000000}"/>
+            </ac:spMkLst>
+          </pc:spChg>
+          <pc:spChg chg="mod">
+            <ac:chgData name="ANDREW FOX" userId="75fd7f06-258b-489a-a4b5-cc56c166c663" providerId="ADAL" clId="{68953483-BF63-442D-8EEF-80AC87BB2660}" dt="2024-04-15T15:28:59.073" v="121"/>
+            <ac:spMkLst>
+              <pc:docMk/>
+              <pc:sldMasterMk cId="950123223" sldId="2147483708"/>
+              <pc:sldLayoutMk cId="1546013171" sldId="2147483712"/>
+              <ac:spMk id="4" creationId="{00000000-0000-0000-0000-000000000000}"/>
+            </ac:spMkLst>
+          </pc:spChg>
+        </pc:sldLayoutChg>
+        <pc:sldLayoutChg chg="modSp">
+          <pc:chgData name="ANDREW FOX" userId="75fd7f06-258b-489a-a4b5-cc56c166c663" providerId="ADAL" clId="{68953483-BF63-442D-8EEF-80AC87BB2660}" dt="2024-04-15T15:28:59.073" v="121"/>
+          <pc:sldLayoutMkLst>
+            <pc:docMk/>
+            <pc:sldMasterMk cId="950123223" sldId="2147483708"/>
+            <pc:sldLayoutMk cId="3103533395" sldId="2147483713"/>
+          </pc:sldLayoutMkLst>
+          <pc:spChg chg="mod">
+            <ac:chgData name="ANDREW FOX" userId="75fd7f06-258b-489a-a4b5-cc56c166c663" providerId="ADAL" clId="{68953483-BF63-442D-8EEF-80AC87BB2660}" dt="2024-04-15T15:28:59.073" v="121"/>
+            <ac:spMkLst>
+              <pc:docMk/>
+              <pc:sldMasterMk cId="950123223" sldId="2147483708"/>
+              <pc:sldLayoutMk cId="3103533395" sldId="2147483713"/>
+              <ac:spMk id="2" creationId="{00000000-0000-0000-0000-000000000000}"/>
+            </ac:spMkLst>
+          </pc:spChg>
+          <pc:spChg chg="mod">
+            <ac:chgData name="ANDREW FOX" userId="75fd7f06-258b-489a-a4b5-cc56c166c663" providerId="ADAL" clId="{68953483-BF63-442D-8EEF-80AC87BB2660}" dt="2024-04-15T15:28:59.073" v="121"/>
+            <ac:spMkLst>
+              <pc:docMk/>
+              <pc:sldMasterMk cId="950123223" sldId="2147483708"/>
+              <pc:sldLayoutMk cId="3103533395" sldId="2147483713"/>
+              <ac:spMk id="3" creationId="{00000000-0000-0000-0000-000000000000}"/>
+            </ac:spMkLst>
+          </pc:spChg>
+          <pc:spChg chg="mod">
+            <ac:chgData name="ANDREW FOX" userId="75fd7f06-258b-489a-a4b5-cc56c166c663" providerId="ADAL" clId="{68953483-BF63-442D-8EEF-80AC87BB2660}" dt="2024-04-15T15:28:59.073" v="121"/>
+            <ac:spMkLst>
+              <pc:docMk/>
+              <pc:sldMasterMk cId="950123223" sldId="2147483708"/>
+              <pc:sldLayoutMk cId="3103533395" sldId="2147483713"/>
+              <ac:spMk id="4" creationId="{00000000-0000-0000-0000-000000000000}"/>
+            </ac:spMkLst>
+          </pc:spChg>
+          <pc:spChg chg="mod">
+            <ac:chgData name="ANDREW FOX" userId="75fd7f06-258b-489a-a4b5-cc56c166c663" providerId="ADAL" clId="{68953483-BF63-442D-8EEF-80AC87BB2660}" dt="2024-04-15T15:28:59.073" v="121"/>
+            <ac:spMkLst>
+              <pc:docMk/>
+              <pc:sldMasterMk cId="950123223" sldId="2147483708"/>
+              <pc:sldLayoutMk cId="3103533395" sldId="2147483713"/>
+              <ac:spMk id="5" creationId="{00000000-0000-0000-0000-000000000000}"/>
+            </ac:spMkLst>
+          </pc:spChg>
+          <pc:spChg chg="mod">
+            <ac:chgData name="ANDREW FOX" userId="75fd7f06-258b-489a-a4b5-cc56c166c663" providerId="ADAL" clId="{68953483-BF63-442D-8EEF-80AC87BB2660}" dt="2024-04-15T15:28:59.073" v="121"/>
+            <ac:spMkLst>
+              <pc:docMk/>
+              <pc:sldMasterMk cId="950123223" sldId="2147483708"/>
+              <pc:sldLayoutMk cId="3103533395" sldId="2147483713"/>
+              <ac:spMk id="6" creationId="{00000000-0000-0000-0000-000000000000}"/>
+            </ac:spMkLst>
+          </pc:spChg>
+        </pc:sldLayoutChg>
+        <pc:sldLayoutChg chg="modSp">
+          <pc:chgData name="ANDREW FOX" userId="75fd7f06-258b-489a-a4b5-cc56c166c663" providerId="ADAL" clId="{68953483-BF63-442D-8EEF-80AC87BB2660}" dt="2024-04-15T15:28:59.073" v="121"/>
+          <pc:sldLayoutMkLst>
+            <pc:docMk/>
+            <pc:sldMasterMk cId="950123223" sldId="2147483708"/>
+            <pc:sldLayoutMk cId="2881802769" sldId="2147483716"/>
+          </pc:sldLayoutMkLst>
+          <pc:spChg chg="mod">
+            <ac:chgData name="ANDREW FOX" userId="75fd7f06-258b-489a-a4b5-cc56c166c663" providerId="ADAL" clId="{68953483-BF63-442D-8EEF-80AC87BB2660}" dt="2024-04-15T15:28:59.073" v="121"/>
+            <ac:spMkLst>
+              <pc:docMk/>
+              <pc:sldMasterMk cId="950123223" sldId="2147483708"/>
+              <pc:sldLayoutMk cId="2881802769" sldId="2147483716"/>
+              <ac:spMk id="2" creationId="{00000000-0000-0000-0000-000000000000}"/>
+            </ac:spMkLst>
+          </pc:spChg>
+          <pc:spChg chg="mod">
+            <ac:chgData name="ANDREW FOX" userId="75fd7f06-258b-489a-a4b5-cc56c166c663" providerId="ADAL" clId="{68953483-BF63-442D-8EEF-80AC87BB2660}" dt="2024-04-15T15:28:59.073" v="121"/>
+            <ac:spMkLst>
+              <pc:docMk/>
+              <pc:sldMasterMk cId="950123223" sldId="2147483708"/>
+              <pc:sldLayoutMk cId="2881802769" sldId="2147483716"/>
+              <ac:spMk id="3" creationId="{00000000-0000-0000-0000-000000000000}"/>
+            </ac:spMkLst>
+          </pc:spChg>
+          <pc:spChg chg="mod">
+            <ac:chgData name="ANDREW FOX" userId="75fd7f06-258b-489a-a4b5-cc56c166c663" providerId="ADAL" clId="{68953483-BF63-442D-8EEF-80AC87BB2660}" dt="2024-04-15T15:28:59.073" v="121"/>
+            <ac:spMkLst>
+              <pc:docMk/>
+              <pc:sldMasterMk cId="950123223" sldId="2147483708"/>
+              <pc:sldLayoutMk cId="2881802769" sldId="2147483716"/>
+              <ac:spMk id="4" creationId="{00000000-0000-0000-0000-000000000000}"/>
+            </ac:spMkLst>
+          </pc:spChg>
+        </pc:sldLayoutChg>
+        <pc:sldLayoutChg chg="modSp">
+          <pc:chgData name="ANDREW FOX" userId="75fd7f06-258b-489a-a4b5-cc56c166c663" providerId="ADAL" clId="{68953483-BF63-442D-8EEF-80AC87BB2660}" dt="2024-04-15T15:28:59.073" v="121"/>
+          <pc:sldLayoutMkLst>
+            <pc:docMk/>
+            <pc:sldMasterMk cId="950123223" sldId="2147483708"/>
+            <pc:sldLayoutMk cId="3975147734" sldId="2147483717"/>
+          </pc:sldLayoutMkLst>
+          <pc:spChg chg="mod">
+            <ac:chgData name="ANDREW FOX" userId="75fd7f06-258b-489a-a4b5-cc56c166c663" providerId="ADAL" clId="{68953483-BF63-442D-8EEF-80AC87BB2660}" dt="2024-04-15T15:28:59.073" v="121"/>
+            <ac:spMkLst>
+              <pc:docMk/>
+              <pc:sldMasterMk cId="950123223" sldId="2147483708"/>
+              <pc:sldLayoutMk cId="3975147734" sldId="2147483717"/>
+              <ac:spMk id="2" creationId="{00000000-0000-0000-0000-000000000000}"/>
+            </ac:spMkLst>
+          </pc:spChg>
+          <pc:spChg chg="mod">
+            <ac:chgData name="ANDREW FOX" userId="75fd7f06-258b-489a-a4b5-cc56c166c663" providerId="ADAL" clId="{68953483-BF63-442D-8EEF-80AC87BB2660}" dt="2024-04-15T15:28:59.073" v="121"/>
+            <ac:spMkLst>
+              <pc:docMk/>
+              <pc:sldMasterMk cId="950123223" sldId="2147483708"/>
+              <pc:sldLayoutMk cId="3975147734" sldId="2147483717"/>
+              <ac:spMk id="3" creationId="{00000000-0000-0000-0000-000000000000}"/>
+            </ac:spMkLst>
+          </pc:spChg>
+          <pc:spChg chg="mod">
+            <ac:chgData name="ANDREW FOX" userId="75fd7f06-258b-489a-a4b5-cc56c166c663" providerId="ADAL" clId="{68953483-BF63-442D-8EEF-80AC87BB2660}" dt="2024-04-15T15:28:59.073" v="121"/>
+            <ac:spMkLst>
+              <pc:docMk/>
+              <pc:sldMasterMk cId="950123223" sldId="2147483708"/>
+              <pc:sldLayoutMk cId="3975147734" sldId="2147483717"/>
+              <ac:spMk id="4" creationId="{00000000-0000-0000-0000-000000000000}"/>
+            </ac:spMkLst>
+          </pc:spChg>
+        </pc:sldLayoutChg>
+        <pc:sldLayoutChg chg="modSp">
+          <pc:chgData name="ANDREW FOX" userId="75fd7f06-258b-489a-a4b5-cc56c166c663" providerId="ADAL" clId="{68953483-BF63-442D-8EEF-80AC87BB2660}" dt="2024-04-15T15:28:59.073" v="121"/>
+          <pc:sldLayoutMkLst>
+            <pc:docMk/>
+            <pc:sldMasterMk cId="950123223" sldId="2147483708"/>
+            <pc:sldLayoutMk cId="3939775612" sldId="2147483719"/>
+          </pc:sldLayoutMkLst>
+          <pc:spChg chg="mod">
+            <ac:chgData name="ANDREW FOX" userId="75fd7f06-258b-489a-a4b5-cc56c166c663" providerId="ADAL" clId="{68953483-BF63-442D-8EEF-80AC87BB2660}" dt="2024-04-15T15:28:59.073" v="121"/>
+            <ac:spMkLst>
+              <pc:docMk/>
+              <pc:sldMasterMk cId="950123223" sldId="2147483708"/>
+              <pc:sldLayoutMk cId="3939775612" sldId="2147483719"/>
+              <ac:spMk id="2" creationId="{00000000-0000-0000-0000-000000000000}"/>
+            </ac:spMkLst>
+          </pc:spChg>
+          <pc:spChg chg="mod">
+            <ac:chgData name="ANDREW FOX" userId="75fd7f06-258b-489a-a4b5-cc56c166c663" providerId="ADAL" clId="{68953483-BF63-442D-8EEF-80AC87BB2660}" dt="2024-04-15T15:28:59.073" v="121"/>
+            <ac:spMkLst>
+              <pc:docMk/>
+              <pc:sldMasterMk cId="950123223" sldId="2147483708"/>
+              <pc:sldLayoutMk cId="3939775612" sldId="2147483719"/>
+              <ac:spMk id="3" creationId="{00000000-0000-0000-0000-000000000000}"/>
+            </ac:spMkLst>
+          </pc:spChg>
+        </pc:sldLayoutChg>
+      </pc:sldMasterChg>
+      <pc:sldMasterChg chg="modSp modSldLayout">
+        <pc:chgData name="ANDREW FOX" userId="75fd7f06-258b-489a-a4b5-cc56c166c663" providerId="ADAL" clId="{68953483-BF63-442D-8EEF-80AC87BB2660}" dt="2024-04-15T15:28:58.575" v="120"/>
+        <pc:sldMasterMkLst>
+          <pc:docMk/>
+          <pc:sldMasterMk cId="1248931634" sldId="2147483720"/>
+        </pc:sldMasterMkLst>
+        <pc:spChg chg="mod">
+          <ac:chgData name="ANDREW FOX" userId="75fd7f06-258b-489a-a4b5-cc56c166c663" providerId="ADAL" clId="{68953483-BF63-442D-8EEF-80AC87BB2660}" dt="2024-04-15T15:28:58.575" v="120"/>
+          <ac:spMkLst>
+            <pc:docMk/>
+            <pc:sldMasterMk cId="1248931634" sldId="2147483720"/>
+            <ac:spMk id="2" creationId="{00000000-0000-0000-0000-000000000000}"/>
+          </ac:spMkLst>
+        </pc:spChg>
+        <pc:spChg chg="mod">
+          <ac:chgData name="ANDREW FOX" userId="75fd7f06-258b-489a-a4b5-cc56c166c663" providerId="ADAL" clId="{68953483-BF63-442D-8EEF-80AC87BB2660}" dt="2024-04-15T15:28:58.575" v="120"/>
+          <ac:spMkLst>
+            <pc:docMk/>
+            <pc:sldMasterMk cId="1248931634" sldId="2147483720"/>
+            <ac:spMk id="3" creationId="{00000000-0000-0000-0000-000000000000}"/>
+          </ac:spMkLst>
+        </pc:spChg>
+        <pc:spChg chg="mod">
+          <ac:chgData name="ANDREW FOX" userId="75fd7f06-258b-489a-a4b5-cc56c166c663" providerId="ADAL" clId="{68953483-BF63-442D-8EEF-80AC87BB2660}" dt="2024-04-15T15:28:58.575" v="120"/>
+          <ac:spMkLst>
+            <pc:docMk/>
+            <pc:sldMasterMk cId="1248931634" sldId="2147483720"/>
+            <ac:spMk id="4" creationId="{00000000-0000-0000-0000-000000000000}"/>
+          </ac:spMkLst>
+        </pc:spChg>
+        <pc:spChg chg="mod">
+          <ac:chgData name="ANDREW FOX" userId="75fd7f06-258b-489a-a4b5-cc56c166c663" providerId="ADAL" clId="{68953483-BF63-442D-8EEF-80AC87BB2660}" dt="2024-04-15T15:28:58.575" v="120"/>
+          <ac:spMkLst>
+            <pc:docMk/>
+            <pc:sldMasterMk cId="1248931634" sldId="2147483720"/>
+            <ac:spMk id="5" creationId="{00000000-0000-0000-0000-000000000000}"/>
+          </ac:spMkLst>
+        </pc:spChg>
+        <pc:spChg chg="mod">
+          <ac:chgData name="ANDREW FOX" userId="75fd7f06-258b-489a-a4b5-cc56c166c663" providerId="ADAL" clId="{68953483-BF63-442D-8EEF-80AC87BB2660}" dt="2024-04-15T15:28:58.575" v="120"/>
+          <ac:spMkLst>
+            <pc:docMk/>
+            <pc:sldMasterMk cId="1248931634" sldId="2147483720"/>
+            <ac:spMk id="6" creationId="{00000000-0000-0000-0000-000000000000}"/>
+          </ac:spMkLst>
+        </pc:spChg>
+        <pc:sldLayoutChg chg="modSp">
+          <pc:chgData name="ANDREW FOX" userId="75fd7f06-258b-489a-a4b5-cc56c166c663" providerId="ADAL" clId="{68953483-BF63-442D-8EEF-80AC87BB2660}" dt="2024-04-15T15:28:58.575" v="120"/>
+          <pc:sldLayoutMkLst>
+            <pc:docMk/>
+            <pc:sldMasterMk cId="1248931634" sldId="2147483720"/>
+            <pc:sldLayoutMk cId="3372342842" sldId="2147483721"/>
+          </pc:sldLayoutMkLst>
+          <pc:spChg chg="mod">
+            <ac:chgData name="ANDREW FOX" userId="75fd7f06-258b-489a-a4b5-cc56c166c663" providerId="ADAL" clId="{68953483-BF63-442D-8EEF-80AC87BB2660}" dt="2024-04-15T15:28:58.575" v="120"/>
+            <ac:spMkLst>
+              <pc:docMk/>
+              <pc:sldMasterMk cId="1248931634" sldId="2147483720"/>
+              <pc:sldLayoutMk cId="3372342842" sldId="2147483721"/>
+              <ac:spMk id="2" creationId="{00000000-0000-0000-0000-000000000000}"/>
+            </ac:spMkLst>
+          </pc:spChg>
+          <pc:spChg chg="mod">
+            <ac:chgData name="ANDREW FOX" userId="75fd7f06-258b-489a-a4b5-cc56c166c663" providerId="ADAL" clId="{68953483-BF63-442D-8EEF-80AC87BB2660}" dt="2024-04-15T15:28:58.575" v="120"/>
+            <ac:spMkLst>
+              <pc:docMk/>
+              <pc:sldMasterMk cId="1248931634" sldId="2147483720"/>
+              <pc:sldLayoutMk cId="3372342842" sldId="2147483721"/>
+              <ac:spMk id="3" creationId="{00000000-0000-0000-0000-000000000000}"/>
+            </ac:spMkLst>
+          </pc:spChg>
+        </pc:sldLayoutChg>
+        <pc:sldLayoutChg chg="modSp">
+          <pc:chgData name="ANDREW FOX" userId="75fd7f06-258b-489a-a4b5-cc56c166c663" providerId="ADAL" clId="{68953483-BF63-442D-8EEF-80AC87BB2660}" dt="2024-04-15T15:28:58.575" v="120"/>
+          <pc:sldLayoutMkLst>
+            <pc:docMk/>
+            <pc:sldMasterMk cId="1248931634" sldId="2147483720"/>
+            <pc:sldLayoutMk cId="1770926689" sldId="2147483723"/>
+          </pc:sldLayoutMkLst>
+          <pc:spChg chg="mod">
+            <ac:chgData name="ANDREW FOX" userId="75fd7f06-258b-489a-a4b5-cc56c166c663" providerId="ADAL" clId="{68953483-BF63-442D-8EEF-80AC87BB2660}" dt="2024-04-15T15:28:58.575" v="120"/>
+            <ac:spMkLst>
+              <pc:docMk/>
+              <pc:sldMasterMk cId="1248931634" sldId="2147483720"/>
+              <pc:sldLayoutMk cId="1770926689" sldId="2147483723"/>
+              <ac:spMk id="2" creationId="{00000000-0000-0000-0000-000000000000}"/>
+            </ac:spMkLst>
+          </pc:spChg>
+          <pc:spChg chg="mod">
+            <ac:chgData name="ANDREW FOX" userId="75fd7f06-258b-489a-a4b5-cc56c166c663" providerId="ADAL" clId="{68953483-BF63-442D-8EEF-80AC87BB2660}" dt="2024-04-15T15:28:58.575" v="120"/>
+            <ac:spMkLst>
+              <pc:docMk/>
+              <pc:sldMasterMk cId="1248931634" sldId="2147483720"/>
+              <pc:sldLayoutMk cId="1770926689" sldId="2147483723"/>
+              <ac:spMk id="3" creationId="{00000000-0000-0000-0000-000000000000}"/>
+            </ac:spMkLst>
+          </pc:spChg>
+        </pc:sldLayoutChg>
+        <pc:sldLayoutChg chg="modSp">
+          <pc:chgData name="ANDREW FOX" userId="75fd7f06-258b-489a-a4b5-cc56c166c663" providerId="ADAL" clId="{68953483-BF63-442D-8EEF-80AC87BB2660}" dt="2024-04-15T15:28:58.575" v="120"/>
+          <pc:sldLayoutMkLst>
+            <pc:docMk/>
+            <pc:sldMasterMk cId="1248931634" sldId="2147483720"/>
+            <pc:sldLayoutMk cId="2256603828" sldId="2147483724"/>
+          </pc:sldLayoutMkLst>
+          <pc:spChg chg="mod">
+            <ac:chgData name="ANDREW FOX" userId="75fd7f06-258b-489a-a4b5-cc56c166c663" providerId="ADAL" clId="{68953483-BF63-442D-8EEF-80AC87BB2660}" dt="2024-04-15T15:28:58.575" v="120"/>
+            <ac:spMkLst>
+              <pc:docMk/>
+              <pc:sldMasterMk cId="1248931634" sldId="2147483720"/>
+              <pc:sldLayoutMk cId="2256603828" sldId="2147483724"/>
+              <ac:spMk id="3" creationId="{00000000-0000-0000-0000-000000000000}"/>
+            </ac:spMkLst>
+          </pc:spChg>
+          <pc:spChg chg="mod">
+            <ac:chgData name="ANDREW FOX" userId="75fd7f06-258b-489a-a4b5-cc56c166c663" providerId="ADAL" clId="{68953483-BF63-442D-8EEF-80AC87BB2660}" dt="2024-04-15T15:28:58.575" v="120"/>
+            <ac:spMkLst>
+              <pc:docMk/>
+              <pc:sldMasterMk cId="1248931634" sldId="2147483720"/>
+              <pc:sldLayoutMk cId="2256603828" sldId="2147483724"/>
+              <ac:spMk id="4" creationId="{00000000-0000-0000-0000-000000000000}"/>
+            </ac:spMkLst>
+          </pc:spChg>
+        </pc:sldLayoutChg>
+        <pc:sldLayoutChg chg="modSp">
+          <pc:chgData name="ANDREW FOX" userId="75fd7f06-258b-489a-a4b5-cc56c166c663" providerId="ADAL" clId="{68953483-BF63-442D-8EEF-80AC87BB2660}" dt="2024-04-15T15:28:58.575" v="120"/>
+          <pc:sldLayoutMkLst>
+            <pc:docMk/>
+            <pc:sldMasterMk cId="1248931634" sldId="2147483720"/>
+            <pc:sldLayoutMk cId="3501453596" sldId="2147483725"/>
+          </pc:sldLayoutMkLst>
+          <pc:spChg chg="mod">
+            <ac:chgData name="ANDREW FOX" userId="75fd7f06-258b-489a-a4b5-cc56c166c663" providerId="ADAL" clId="{68953483-BF63-442D-8EEF-80AC87BB2660}" dt="2024-04-15T15:28:58.575" v="120"/>
+            <ac:spMkLst>
+              <pc:docMk/>
+              <pc:sldMasterMk cId="1248931634" sldId="2147483720"/>
+              <pc:sldLayoutMk cId="3501453596" sldId="2147483725"/>
+              <ac:spMk id="2" creationId="{00000000-0000-0000-0000-000000000000}"/>
+            </ac:spMkLst>
+          </pc:spChg>
+          <pc:spChg chg="mod">
+            <ac:chgData name="ANDREW FOX" userId="75fd7f06-258b-489a-a4b5-cc56c166c663" providerId="ADAL" clId="{68953483-BF63-442D-8EEF-80AC87BB2660}" dt="2024-04-15T15:28:58.575" v="120"/>
+            <ac:spMkLst>
+              <pc:docMk/>
+              <pc:sldMasterMk cId="1248931634" sldId="2147483720"/>
+              <pc:sldLayoutMk cId="3501453596" sldId="2147483725"/>
+              <ac:spMk id="3" creationId="{00000000-0000-0000-0000-000000000000}"/>
+            </ac:spMkLst>
+          </pc:spChg>
+          <pc:spChg chg="mod">
+            <ac:chgData name="ANDREW FOX" userId="75fd7f06-258b-489a-a4b5-cc56c166c663" providerId="ADAL" clId="{68953483-BF63-442D-8EEF-80AC87BB2660}" dt="2024-04-15T15:28:58.575" v="120"/>
+            <ac:spMkLst>
+              <pc:docMk/>
+              <pc:sldMasterMk cId="1248931634" sldId="2147483720"/>
+              <pc:sldLayoutMk cId="3501453596" sldId="2147483725"/>
+              <ac:spMk id="4" creationId="{00000000-0000-0000-0000-000000000000}"/>
+            </ac:spMkLst>
+          </pc:spChg>
+          <pc:spChg chg="mod">
+            <ac:chgData name="ANDREW FOX" userId="75fd7f06-258b-489a-a4b5-cc56c166c663" providerId="ADAL" clId="{68953483-BF63-442D-8EEF-80AC87BB2660}" dt="2024-04-15T15:28:58.575" v="120"/>
+            <ac:spMkLst>
+              <pc:docMk/>
+              <pc:sldMasterMk cId="1248931634" sldId="2147483720"/>
+              <pc:sldLayoutMk cId="3501453596" sldId="2147483725"/>
+              <ac:spMk id="5" creationId="{00000000-0000-0000-0000-000000000000}"/>
+            </ac:spMkLst>
+          </pc:spChg>
+          <pc:spChg chg="mod">
+            <ac:chgData name="ANDREW FOX" userId="75fd7f06-258b-489a-a4b5-cc56c166c663" providerId="ADAL" clId="{68953483-BF63-442D-8EEF-80AC87BB2660}" dt="2024-04-15T15:28:58.575" v="120"/>
+            <ac:spMkLst>
+              <pc:docMk/>
+              <pc:sldMasterMk cId="1248931634" sldId="2147483720"/>
+              <pc:sldLayoutMk cId="3501453596" sldId="2147483725"/>
+              <ac:spMk id="6" creationId="{00000000-0000-0000-0000-000000000000}"/>
+            </ac:spMkLst>
+          </pc:spChg>
+        </pc:sldLayoutChg>
+        <pc:sldLayoutChg chg="modSp">
+          <pc:chgData name="ANDREW FOX" userId="75fd7f06-258b-489a-a4b5-cc56c166c663" providerId="ADAL" clId="{68953483-BF63-442D-8EEF-80AC87BB2660}" dt="2024-04-15T15:28:58.575" v="120"/>
+          <pc:sldLayoutMkLst>
+            <pc:docMk/>
+            <pc:sldMasterMk cId="1248931634" sldId="2147483720"/>
+            <pc:sldLayoutMk cId="651635644" sldId="2147483728"/>
+          </pc:sldLayoutMkLst>
+          <pc:spChg chg="mod">
+            <ac:chgData name="ANDREW FOX" userId="75fd7f06-258b-489a-a4b5-cc56c166c663" providerId="ADAL" clId="{68953483-BF63-442D-8EEF-80AC87BB2660}" dt="2024-04-15T15:28:58.575" v="120"/>
+            <ac:spMkLst>
+              <pc:docMk/>
+              <pc:sldMasterMk cId="1248931634" sldId="2147483720"/>
+              <pc:sldLayoutMk cId="651635644" sldId="2147483728"/>
+              <ac:spMk id="2" creationId="{00000000-0000-0000-0000-000000000000}"/>
+            </ac:spMkLst>
+          </pc:spChg>
+          <pc:spChg chg="mod">
+            <ac:chgData name="ANDREW FOX" userId="75fd7f06-258b-489a-a4b5-cc56c166c663" providerId="ADAL" clId="{68953483-BF63-442D-8EEF-80AC87BB2660}" dt="2024-04-15T15:28:58.575" v="120"/>
+            <ac:spMkLst>
+              <pc:docMk/>
+              <pc:sldMasterMk cId="1248931634" sldId="2147483720"/>
+              <pc:sldLayoutMk cId="651635644" sldId="2147483728"/>
+              <ac:spMk id="3" creationId="{00000000-0000-0000-0000-000000000000}"/>
+            </ac:spMkLst>
+          </pc:spChg>
+          <pc:spChg chg="mod">
+            <ac:chgData name="ANDREW FOX" userId="75fd7f06-258b-489a-a4b5-cc56c166c663" providerId="ADAL" clId="{68953483-BF63-442D-8EEF-80AC87BB2660}" dt="2024-04-15T15:28:58.575" v="120"/>
+            <ac:spMkLst>
+              <pc:docMk/>
+              <pc:sldMasterMk cId="1248931634" sldId="2147483720"/>
+              <pc:sldLayoutMk cId="651635644" sldId="2147483728"/>
+              <ac:spMk id="4" creationId="{00000000-0000-0000-0000-000000000000}"/>
+            </ac:spMkLst>
+          </pc:spChg>
+        </pc:sldLayoutChg>
+        <pc:sldLayoutChg chg="modSp">
+          <pc:chgData name="ANDREW FOX" userId="75fd7f06-258b-489a-a4b5-cc56c166c663" providerId="ADAL" clId="{68953483-BF63-442D-8EEF-80AC87BB2660}" dt="2024-04-15T15:28:58.575" v="120"/>
+          <pc:sldLayoutMkLst>
+            <pc:docMk/>
+            <pc:sldMasterMk cId="1248931634" sldId="2147483720"/>
+            <pc:sldLayoutMk cId="3306345826" sldId="2147483729"/>
+          </pc:sldLayoutMkLst>
+          <pc:spChg chg="mod">
+            <ac:chgData name="ANDREW FOX" userId="75fd7f06-258b-489a-a4b5-cc56c166c663" providerId="ADAL" clId="{68953483-BF63-442D-8EEF-80AC87BB2660}" dt="2024-04-15T15:28:58.575" v="120"/>
+            <ac:spMkLst>
+              <pc:docMk/>
+              <pc:sldMasterMk cId="1248931634" sldId="2147483720"/>
+              <pc:sldLayoutMk cId="3306345826" sldId="2147483729"/>
+              <ac:spMk id="2" creationId="{00000000-0000-0000-0000-000000000000}"/>
+            </ac:spMkLst>
+          </pc:spChg>
+          <pc:spChg chg="mod">
+            <ac:chgData name="ANDREW FOX" userId="75fd7f06-258b-489a-a4b5-cc56c166c663" providerId="ADAL" clId="{68953483-BF63-442D-8EEF-80AC87BB2660}" dt="2024-04-15T15:28:58.575" v="120"/>
+            <ac:spMkLst>
+              <pc:docMk/>
+              <pc:sldMasterMk cId="1248931634" sldId="2147483720"/>
+              <pc:sldLayoutMk cId="3306345826" sldId="2147483729"/>
+              <ac:spMk id="3" creationId="{00000000-0000-0000-0000-000000000000}"/>
+            </ac:spMkLst>
+          </pc:spChg>
+          <pc:spChg chg="mod">
+            <ac:chgData name="ANDREW FOX" userId="75fd7f06-258b-489a-a4b5-cc56c166c663" providerId="ADAL" clId="{68953483-BF63-442D-8EEF-80AC87BB2660}" dt="2024-04-15T15:28:58.575" v="120"/>
+            <ac:spMkLst>
+              <pc:docMk/>
+              <pc:sldMasterMk cId="1248931634" sldId="2147483720"/>
+              <pc:sldLayoutMk cId="3306345826" sldId="2147483729"/>
+              <ac:spMk id="4" creationId="{00000000-0000-0000-0000-000000000000}"/>
+            </ac:spMkLst>
+          </pc:spChg>
+        </pc:sldLayoutChg>
+        <pc:sldLayoutChg chg="modSp">
+          <pc:chgData name="ANDREW FOX" userId="75fd7f06-258b-489a-a4b5-cc56c166c663" providerId="ADAL" clId="{68953483-BF63-442D-8EEF-80AC87BB2660}" dt="2024-04-15T15:28:58.575" v="120"/>
+          <pc:sldLayoutMkLst>
+            <pc:docMk/>
+            <pc:sldMasterMk cId="1248931634" sldId="2147483720"/>
+            <pc:sldLayoutMk cId="2157947505" sldId="2147483731"/>
+          </pc:sldLayoutMkLst>
+          <pc:spChg chg="mod">
+            <ac:chgData name="ANDREW FOX" userId="75fd7f06-258b-489a-a4b5-cc56c166c663" providerId="ADAL" clId="{68953483-BF63-442D-8EEF-80AC87BB2660}" dt="2024-04-15T15:28:58.575" v="120"/>
+            <ac:spMkLst>
+              <pc:docMk/>
+              <pc:sldMasterMk cId="1248931634" sldId="2147483720"/>
+              <pc:sldLayoutMk cId="2157947505" sldId="2147483731"/>
+              <ac:spMk id="2" creationId="{00000000-0000-0000-0000-000000000000}"/>
+            </ac:spMkLst>
+          </pc:spChg>
+          <pc:spChg chg="mod">
+            <ac:chgData name="ANDREW FOX" userId="75fd7f06-258b-489a-a4b5-cc56c166c663" providerId="ADAL" clId="{68953483-BF63-442D-8EEF-80AC87BB2660}" dt="2024-04-15T15:28:58.575" v="120"/>
+            <ac:spMkLst>
+              <pc:docMk/>
+              <pc:sldMasterMk cId="1248931634" sldId="2147483720"/>
+              <pc:sldLayoutMk cId="2157947505" sldId="2147483731"/>
+              <ac:spMk id="3" creationId="{00000000-0000-0000-0000-000000000000}"/>
+            </ac:spMkLst>
+          </pc:spChg>
+        </pc:sldLayoutChg>
+      </pc:sldMasterChg>
     </pc:docChg>
   </pc:docChgLst>
   <pc:docChgLst>
@@ -2399,6 +3782,38 @@
             <ac:picMk id="14" creationId="{0F8996FF-D292-9E67-6692-207B01A51C17}"/>
           </ac:picMkLst>
         </pc:picChg>
+      </pc:sldChg>
+    </pc:docChg>
+  </pc:docChgLst>
+  <pc:docChgLst>
+    <pc:chgData name="ANDREW FOX - STUDENT" userId="S::g00417373@atu.ie::75fd7f06-258b-489a-a4b5-cc56c166c663" providerId="AD" clId="Web-{99DA0DC5-F170-AEA0-3C29-BDA4552D88BB}"/>
+    <pc:docChg chg="modSld">
+      <pc:chgData name="ANDREW FOX - STUDENT" userId="S::g00417373@atu.ie::75fd7f06-258b-489a-a4b5-cc56c166c663" providerId="AD" clId="Web-{99DA0DC5-F170-AEA0-3C29-BDA4552D88BB}" dt="2024-03-28T15:18:31.284" v="13" actId="1076"/>
+      <pc:docMkLst>
+        <pc:docMk/>
+      </pc:docMkLst>
+      <pc:sldChg chg="addSp modSp">
+        <pc:chgData name="ANDREW FOX - STUDENT" userId="S::g00417373@atu.ie::75fd7f06-258b-489a-a4b5-cc56c166c663" providerId="AD" clId="Web-{99DA0DC5-F170-AEA0-3C29-BDA4552D88BB}" dt="2024-03-28T15:18:31.284" v="13" actId="1076"/>
+        <pc:sldMkLst>
+          <pc:docMk/>
+          <pc:sldMk cId="1866748364" sldId="256"/>
+        </pc:sldMkLst>
+        <pc:spChg chg="add mod">
+          <ac:chgData name="ANDREW FOX - STUDENT" userId="S::g00417373@atu.ie::75fd7f06-258b-489a-a4b5-cc56c166c663" providerId="AD" clId="Web-{99DA0DC5-F170-AEA0-3C29-BDA4552D88BB}" dt="2024-03-28T15:17:32.735" v="12" actId="20577"/>
+          <ac:spMkLst>
+            <pc:docMk/>
+            <pc:sldMk cId="1866748364" sldId="256"/>
+            <ac:spMk id="6" creationId="{433A26DC-5A12-FDD9-BCF2-6A0BE9D6F3DA}"/>
+          </ac:spMkLst>
+        </pc:spChg>
+        <pc:spChg chg="mod">
+          <ac:chgData name="ANDREW FOX - STUDENT" userId="S::g00417373@atu.ie::75fd7f06-258b-489a-a4b5-cc56c166c663" providerId="AD" clId="Web-{99DA0DC5-F170-AEA0-3C29-BDA4552D88BB}" dt="2024-03-28T15:18:31.284" v="13" actId="1076"/>
+          <ac:spMkLst>
+            <pc:docMk/>
+            <pc:sldMk cId="1866748364" sldId="256"/>
+            <ac:spMk id="16" creationId="{67BE3AE0-6368-02EC-E2CD-B47FDF927AA1}"/>
+          </ac:spMkLst>
+        </pc:spChg>
       </pc:sldChg>
     </pc:docChg>
   </pc:docChgLst>
@@ -2749,6 +4164,38 @@
             <pc:docMk/>
             <pc:sldMk cId="1866748364" sldId="256"/>
             <ac:picMk id="2" creationId="{CB271E62-BBD7-56F7-1B36-587ED1D6D1A1}"/>
+          </ac:picMkLst>
+        </pc:picChg>
+      </pc:sldChg>
+    </pc:docChg>
+  </pc:docChgLst>
+  <pc:docChgLst>
+    <pc:chgData name="ANDREW FOX - STUDENT" userId="S::g00417373@atu.ie::75fd7f06-258b-489a-a4b5-cc56c166c663" providerId="AD" clId="Web-{3D668BF0-FC44-6747-52EF-D617C7F55DA8}"/>
+    <pc:docChg chg="modSld">
+      <pc:chgData name="ANDREW FOX - STUDENT" userId="S::g00417373@atu.ie::75fd7f06-258b-489a-a4b5-cc56c166c663" providerId="AD" clId="Web-{3D668BF0-FC44-6747-52EF-D617C7F55DA8}" dt="2024-04-16T19:52:36.369" v="7" actId="1076"/>
+      <pc:docMkLst>
+        <pc:docMk/>
+      </pc:docMkLst>
+      <pc:sldChg chg="addSp delSp modSp">
+        <pc:chgData name="ANDREW FOX - STUDENT" userId="S::g00417373@atu.ie::75fd7f06-258b-489a-a4b5-cc56c166c663" providerId="AD" clId="Web-{3D668BF0-FC44-6747-52EF-D617C7F55DA8}" dt="2024-04-16T19:52:36.369" v="7" actId="1076"/>
+        <pc:sldMkLst>
+          <pc:docMk/>
+          <pc:sldMk cId="1866748364" sldId="256"/>
+        </pc:sldMkLst>
+        <pc:picChg chg="add del mod">
+          <ac:chgData name="ANDREW FOX - STUDENT" userId="S::g00417373@atu.ie::75fd7f06-258b-489a-a4b5-cc56c166c663" providerId="AD" clId="Web-{3D668BF0-FC44-6747-52EF-D617C7F55DA8}" dt="2024-04-16T19:52:28.978" v="4"/>
+          <ac:picMkLst>
+            <pc:docMk/>
+            <pc:sldMk cId="1866748364" sldId="256"/>
+            <ac:picMk id="15" creationId="{60D72F0F-ABE2-4517-8B1E-79EA4252597E}"/>
+          </ac:picMkLst>
+        </pc:picChg>
+        <pc:picChg chg="add mod">
+          <ac:chgData name="ANDREW FOX - STUDENT" userId="S::g00417373@atu.ie::75fd7f06-258b-489a-a4b5-cc56c166c663" providerId="AD" clId="Web-{3D668BF0-FC44-6747-52EF-D617C7F55DA8}" dt="2024-04-16T19:52:36.369" v="7" actId="1076"/>
+          <ac:picMkLst>
+            <pc:docMk/>
+            <pc:sldMk cId="1866748364" sldId="256"/>
+            <ac:picMk id="19" creationId="{904F306E-0C39-ED75-B91B-5C09162CEF99}"/>
           </ac:picMkLst>
         </pc:picChg>
       </pc:sldChg>
@@ -2786,8 +4233,8 @@
         </p:nvSpPr>
         <p:spPr>
           <a:xfrm>
-            <a:off x="3210282" y="4954765"/>
-            <a:ext cx="36383199" cy="10540259"/>
+            <a:off x="3210283" y="4954765"/>
+            <a:ext cx="36383199" cy="10540260"/>
           </a:xfrm>
         </p:spPr>
         <p:txBody>
@@ -2817,8 +4264,8 @@
         </p:nvSpPr>
         <p:spPr>
           <a:xfrm>
-            <a:off x="5350471" y="15901497"/>
-            <a:ext cx="32102822" cy="7309499"/>
+            <a:off x="5350471" y="15901498"/>
+            <a:ext cx="32102822" cy="7309500"/>
           </a:xfrm>
         </p:spPr>
         <p:txBody>
@@ -2886,7 +4333,7 @@
           <a:p>
             <a:fld id="{B8C1F854-5A87-47F8-8314-13EBF24F4C7E}" type="datetimeFigureOut">
               <a:rPr lang="en-IE" smtClean="0"/>
-              <a:t>12/04/2024</a:t>
+              <a:t>16/04/2024</a:t>
             </a:fld>
             <a:endParaRPr lang="en-IE"/>
           </a:p>
@@ -3054,7 +4501,7 @@
           <a:p>
             <a:fld id="{B8C1F854-5A87-47F8-8314-13EBF24F4C7E}" type="datetimeFigureOut">
               <a:rPr lang="en-IE" smtClean="0"/>
-              <a:t>12/04/2024</a:t>
+              <a:t>16/04/2024</a:t>
             </a:fld>
             <a:endParaRPr lang="en-IE"/>
           </a:p>
@@ -3144,7 +4591,7 @@
         </p:nvSpPr>
         <p:spPr>
           <a:xfrm>
-            <a:off x="30631445" y="1611875"/>
+            <a:off x="30631446" y="1611874"/>
             <a:ext cx="9229561" cy="25656844"/>
           </a:xfrm>
         </p:spPr>
@@ -3171,8 +4618,8 @@
         </p:nvSpPr>
         <p:spPr>
           <a:xfrm>
-            <a:off x="2942761" y="1611875"/>
-            <a:ext cx="27153637" cy="25656844"/>
+            <a:off x="2942762" y="1611874"/>
+            <a:ext cx="27153638" cy="25656844"/>
           </a:xfrm>
         </p:spPr>
         <p:txBody>
@@ -3232,7 +4679,7 @@
           <a:p>
             <a:fld id="{B8C1F854-5A87-47F8-8314-13EBF24F4C7E}" type="datetimeFigureOut">
               <a:rPr lang="en-IE" smtClean="0"/>
-              <a:t>12/04/2024</a:t>
+              <a:t>16/04/2024</a:t>
             </a:fld>
             <a:endParaRPr lang="en-IE"/>
           </a:p>
@@ -3400,7 +4847,7 @@
           <a:p>
             <a:fld id="{B8C1F854-5A87-47F8-8314-13EBF24F4C7E}" type="datetimeFigureOut">
               <a:rPr lang="en-IE" smtClean="0"/>
-              <a:t>12/04/2024</a:t>
+              <a:t>16/04/2024</a:t>
             </a:fld>
             <a:endParaRPr lang="en-IE"/>
           </a:p>
@@ -3490,7 +4937,7 @@
         </p:nvSpPr>
         <p:spPr>
           <a:xfrm>
-            <a:off x="2920467" y="7547788"/>
+            <a:off x="2920468" y="7547789"/>
             <a:ext cx="36918246" cy="12593645"/>
           </a:xfrm>
         </p:spPr>
@@ -3521,7 +4968,7 @@
         </p:nvSpPr>
         <p:spPr>
           <a:xfrm>
-            <a:off x="2920467" y="20260574"/>
+            <a:off x="2920468" y="20260576"/>
             <a:ext cx="36918246" cy="6622701"/>
           </a:xfrm>
         </p:spPr>
@@ -3643,7 +5090,7 @@
           <a:p>
             <a:fld id="{B8C1F854-5A87-47F8-8314-13EBF24F4C7E}" type="datetimeFigureOut">
               <a:rPr lang="en-IE" smtClean="0"/>
-              <a:t>12/04/2024</a:t>
+              <a:t>16/04/2024</a:t>
             </a:fld>
             <a:endParaRPr lang="en-IE"/>
           </a:p>
@@ -3755,7 +5202,7 @@
         </p:nvSpPr>
         <p:spPr>
           <a:xfrm>
-            <a:off x="2942759" y="8059374"/>
+            <a:off x="2942759" y="8059375"/>
             <a:ext cx="18191599" cy="19209345"/>
           </a:xfrm>
         </p:spPr>
@@ -3811,7 +5258,7 @@
         </p:nvSpPr>
         <p:spPr>
           <a:xfrm>
-            <a:off x="21669405" y="8059374"/>
+            <a:off x="21669405" y="8059375"/>
             <a:ext cx="18191599" cy="19209345"/>
           </a:xfrm>
         </p:spPr>
@@ -3872,7 +5319,7 @@
           <a:p>
             <a:fld id="{B8C1F854-5A87-47F8-8314-13EBF24F4C7E}" type="datetimeFigureOut">
               <a:rPr lang="en-IE" smtClean="0"/>
-              <a:t>12/04/2024</a:t>
+              <a:t>16/04/2024</a:t>
             </a:fld>
             <a:endParaRPr lang="en-IE"/>
           </a:p>
@@ -3962,7 +5409,7 @@
         </p:nvSpPr>
         <p:spPr>
           <a:xfrm>
-            <a:off x="2948334" y="1611882"/>
+            <a:off x="2948335" y="1611882"/>
             <a:ext cx="36918246" cy="5851808"/>
           </a:xfrm>
         </p:spPr>
@@ -3989,8 +5436,8 @@
         </p:nvSpPr>
         <p:spPr>
           <a:xfrm>
-            <a:off x="2948339" y="7421634"/>
-            <a:ext cx="18107995" cy="3637228"/>
+            <a:off x="2948341" y="7421634"/>
+            <a:ext cx="18107995" cy="3637227"/>
           </a:xfrm>
         </p:spPr>
         <p:txBody>
@@ -4054,7 +5501,7 @@
         </p:nvSpPr>
         <p:spPr>
           <a:xfrm>
-            <a:off x="2948339" y="11058863"/>
+            <a:off x="2948341" y="11058864"/>
             <a:ext cx="18107995" cy="16265921"/>
           </a:xfrm>
         </p:spPr>
@@ -4110,8 +5557,8 @@
         </p:nvSpPr>
         <p:spPr>
           <a:xfrm>
-            <a:off x="21669408" y="7421634"/>
-            <a:ext cx="18197174" cy="3637228"/>
+            <a:off x="21669409" y="7421634"/>
+            <a:ext cx="18197174" cy="3637227"/>
           </a:xfrm>
         </p:spPr>
         <p:txBody>
@@ -4175,7 +5622,7 @@
         </p:nvSpPr>
         <p:spPr>
           <a:xfrm>
-            <a:off x="21669408" y="11058863"/>
+            <a:off x="21669409" y="11058864"/>
             <a:ext cx="18197174" cy="16265921"/>
           </a:xfrm>
         </p:spPr>
@@ -4236,7 +5683,7 @@
           <a:p>
             <a:fld id="{B8C1F854-5A87-47F8-8314-13EBF24F4C7E}" type="datetimeFigureOut">
               <a:rPr lang="en-IE" smtClean="0"/>
-              <a:t>12/04/2024</a:t>
+              <a:t>16/04/2024</a:t>
             </a:fld>
             <a:endParaRPr lang="en-IE"/>
           </a:p>
@@ -4353,7 +5800,7 @@
           <a:p>
             <a:fld id="{B8C1F854-5A87-47F8-8314-13EBF24F4C7E}" type="datetimeFigureOut">
               <a:rPr lang="en-IE" smtClean="0"/>
-              <a:t>12/04/2024</a:t>
+              <a:t>16/04/2024</a:t>
             </a:fld>
             <a:endParaRPr lang="en-IE"/>
           </a:p>
@@ -4448,7 +5895,7 @@
           <a:p>
             <a:fld id="{B8C1F854-5A87-47F8-8314-13EBF24F4C7E}" type="datetimeFigureOut">
               <a:rPr lang="en-IE" smtClean="0"/>
-              <a:t>12/04/2024</a:t>
+              <a:t>16/04/2024</a:t>
             </a:fld>
             <a:endParaRPr lang="en-IE"/>
           </a:p>
@@ -4569,8 +6016,8 @@
         </p:nvSpPr>
         <p:spPr>
           <a:xfrm>
-            <a:off x="18197174" y="4359077"/>
-            <a:ext cx="21669405" cy="21515024"/>
+            <a:off x="18197174" y="4359076"/>
+            <a:ext cx="21669405" cy="21515025"/>
           </a:xfrm>
         </p:spPr>
         <p:txBody>
@@ -4653,7 +6100,7 @@
         </p:nvSpPr>
         <p:spPr>
           <a:xfrm>
-            <a:off x="2948334" y="9082564"/>
+            <a:off x="2948334" y="9082565"/>
             <a:ext cx="13805328" cy="16826573"/>
           </a:xfrm>
         </p:spPr>
@@ -4723,7 +6170,7 @@
           <a:p>
             <a:fld id="{B8C1F854-5A87-47F8-8314-13EBF24F4C7E}" type="datetimeFigureOut">
               <a:rPr lang="en-IE" smtClean="0"/>
-              <a:t>12/04/2024</a:t>
+              <a:t>16/04/2024</a:t>
             </a:fld>
             <a:endParaRPr lang="en-IE"/>
           </a:p>
@@ -4844,8 +6291,8 @@
         </p:nvSpPr>
         <p:spPr>
           <a:xfrm>
-            <a:off x="18197174" y="4359077"/>
-            <a:ext cx="21669405" cy="21515024"/>
+            <a:off x="18197174" y="4359076"/>
+            <a:ext cx="21669405" cy="21515025"/>
           </a:xfrm>
         </p:spPr>
         <p:txBody>
@@ -4908,7 +6355,7 @@
         </p:nvSpPr>
         <p:spPr>
           <a:xfrm>
-            <a:off x="2948334" y="9082564"/>
+            <a:off x="2948334" y="9082565"/>
             <a:ext cx="13805328" cy="16826573"/>
           </a:xfrm>
         </p:spPr>
@@ -4978,7 +6425,7 @@
           <a:p>
             <a:fld id="{B8C1F854-5A87-47F8-8314-13EBF24F4C7E}" type="datetimeFigureOut">
               <a:rPr lang="en-IE" smtClean="0"/>
-              <a:t>12/04/2024</a:t>
+              <a:t>16/04/2024</a:t>
             </a:fld>
             <a:endParaRPr lang="en-IE"/>
           </a:p>
@@ -5073,7 +6520,7 @@
         </p:nvSpPr>
         <p:spPr>
           <a:xfrm>
-            <a:off x="2942759" y="1611882"/>
+            <a:off x="2942760" y="1611882"/>
             <a:ext cx="36918246" cy="5851808"/>
           </a:xfrm>
           <a:prstGeom prst="rect">
@@ -5105,7 +6552,7 @@
         </p:nvSpPr>
         <p:spPr>
           <a:xfrm>
-            <a:off x="2942759" y="8059374"/>
+            <a:off x="2942760" y="8059375"/>
             <a:ext cx="36918246" cy="19209345"/>
           </a:xfrm>
           <a:prstGeom prst="rect">
@@ -5166,8 +6613,8 @@
         </p:nvSpPr>
         <p:spPr>
           <a:xfrm>
-            <a:off x="2942759" y="28060644"/>
-            <a:ext cx="9630847" cy="1611875"/>
+            <a:off x="2942760" y="28060646"/>
+            <a:ext cx="9630847" cy="1611874"/>
           </a:xfrm>
           <a:prstGeom prst="rect">
             <a:avLst/>
@@ -5189,7 +6636,7 @@
           <a:p>
             <a:fld id="{B8C1F854-5A87-47F8-8314-13EBF24F4C7E}" type="datetimeFigureOut">
               <a:rPr lang="en-IE" smtClean="0"/>
-              <a:t>12/04/2024</a:t>
+              <a:t>16/04/2024</a:t>
             </a:fld>
             <a:endParaRPr lang="en-IE"/>
           </a:p>
@@ -5207,8 +6654,8 @@
         </p:nvSpPr>
         <p:spPr>
           <a:xfrm>
-            <a:off x="14178747" y="28060644"/>
-            <a:ext cx="14446270" cy="1611875"/>
+            <a:off x="14178748" y="28060646"/>
+            <a:ext cx="14446270" cy="1611874"/>
           </a:xfrm>
           <a:prstGeom prst="rect">
             <a:avLst/>
@@ -5244,8 +6691,8 @@
         </p:nvSpPr>
         <p:spPr>
           <a:xfrm>
-            <a:off x="30230157" y="28060644"/>
-            <a:ext cx="9630847" cy="1611875"/>
+            <a:off x="30230158" y="28060646"/>
+            <a:ext cx="9630847" cy="1611874"/>
           </a:xfrm>
           <a:prstGeom prst="rect">
             <a:avLst/>
@@ -5619,8 +7066,8 @@
         </p:nvSpPr>
         <p:spPr>
           <a:xfrm>
-            <a:off x="12591276" y="5659464"/>
-            <a:ext cx="15123377" cy="16128385"/>
+            <a:off x="14653054" y="5716475"/>
+            <a:ext cx="14487978" cy="16128385"/>
           </a:xfrm>
           <a:prstGeom prst="rect">
             <a:avLst/>
@@ -5674,8 +7121,8 @@
         </p:nvSpPr>
         <p:spPr>
           <a:xfrm>
-            <a:off x="12585105" y="22592214"/>
-            <a:ext cx="15123377" cy="7682999"/>
+            <a:off x="14638383" y="22592216"/>
+            <a:ext cx="14462888" cy="7682999"/>
           </a:xfrm>
           <a:prstGeom prst="rect">
             <a:avLst/>
@@ -5730,7 +7177,7 @@
         <p:spPr>
           <a:xfrm>
             <a:off x="-1" y="5662273"/>
-            <a:ext cx="11574603" cy="8033878"/>
+            <a:ext cx="13881376" cy="4988251"/>
           </a:xfrm>
           <a:prstGeom prst="rect">
             <a:avLst/>
@@ -5784,8 +7231,8 @@
         </p:nvSpPr>
         <p:spPr>
           <a:xfrm>
-            <a:off x="-91072" y="14592055"/>
-            <a:ext cx="11665675" cy="15728684"/>
+            <a:off x="-91072" y="11295744"/>
+            <a:ext cx="14004407" cy="19024996"/>
           </a:xfrm>
           <a:prstGeom prst="rect">
             <a:avLst/>
@@ -5821,7 +7268,7 @@
           <a:lstStyle/>
           <a:p>
             <a:pPr algn="ctr"/>
-            <a:endParaRPr lang="en-IE" sz="18516"/>
+            <a:endParaRPr lang="en-IE" sz="18516" dirty="0"/>
           </a:p>
         </p:txBody>
       </p:sp>
@@ -6030,14 +7477,14 @@
           <a:p>
             <a:pPr algn="ctr"/>
             <a:r>
-              <a:rPr lang="en-IE" sz="15100" b="1">
+              <a:rPr lang="en-IE" sz="15100" b="1" dirty="0" err="1">
                 <a:latin typeface="Montserrat"/>
                 <a:ea typeface="Calibri"/>
                 <a:cs typeface="Mongolian Baiti"/>
               </a:rPr>
               <a:t>DoorGuard</a:t>
             </a:r>
-            <a:endParaRPr lang="en-IE" sz="15100">
+            <a:endParaRPr lang="en-IE" sz="15100" dirty="0">
               <a:latin typeface="Montserrat"/>
               <a:ea typeface="Calibri"/>
               <a:cs typeface="Mongolian Baiti"/>
@@ -6046,7 +7493,7 @@
           <a:p>
             <a:pPr algn="ctr"/>
             <a:r>
-              <a:rPr lang="en-IE" sz="5650">
+              <a:rPr lang="en-IE" sz="5650" dirty="0">
                 <a:latin typeface="Montserrat"/>
                 <a:ea typeface="Calibri"/>
                 <a:cs typeface="Mongolian Baiti"/>
@@ -6057,14 +7504,14 @@
           <a:p>
             <a:pPr algn="ctr"/>
             <a:r>
-              <a:rPr lang="en-IE" sz="5650">
+              <a:rPr lang="en-IE" sz="5650" dirty="0">
                 <a:latin typeface="Montserrat"/>
                 <a:ea typeface="Calibri"/>
                 <a:cs typeface="Mongolian Baiti"/>
               </a:rPr>
               <a:t>Andrew Fox</a:t>
             </a:r>
-            <a:endParaRPr lang="en-IE" sz="5650">
+            <a:endParaRPr lang="en-IE" sz="5650" dirty="0">
               <a:latin typeface="Montserrat" panose="00000500000000000000" pitchFamily="2" charset="0"/>
               <a:ea typeface="Calibri" panose="020F0502020204030204" pitchFamily="34" charset="0"/>
               <a:cs typeface="Mongolian Baiti" panose="03000500000000000000" pitchFamily="66" charset="0"/>
@@ -6086,8 +7533,8 @@
         </p:nvSpPr>
         <p:spPr>
           <a:xfrm>
-            <a:off x="28325137" y="5659464"/>
-            <a:ext cx="14478625" cy="11505652"/>
+            <a:off x="30056281" y="5659464"/>
+            <a:ext cx="12747482" cy="11313452"/>
           </a:xfrm>
           <a:prstGeom prst="rect">
             <a:avLst/>
@@ -6142,7 +7589,7 @@
         <p:spPr>
           <a:xfrm>
             <a:off x="1" y="5833209"/>
-            <a:ext cx="11314674" cy="1015663"/>
+            <a:ext cx="13881374" cy="1015663"/>
           </a:xfrm>
           <a:prstGeom prst="rect">
             <a:avLst/>
@@ -6157,14 +7604,14 @@
           <a:p>
             <a:pPr algn="ctr"/>
             <a:r>
-              <a:rPr lang="en-IE" sz="6000" b="1">
+              <a:rPr lang="en-IE" sz="6000" b="1" dirty="0">
                 <a:latin typeface="Montserrat"/>
                 <a:ea typeface="Calibri"/>
                 <a:cs typeface="Mongolian Baiti"/>
               </a:rPr>
               <a:t>Project Summery</a:t>
             </a:r>
-            <a:endParaRPr lang="en-IE" sz="6000">
+            <a:endParaRPr lang="en-IE" sz="6000" dirty="0">
               <a:latin typeface="Montserrat"/>
               <a:ea typeface="Calibri"/>
               <a:cs typeface="Mongolian Baiti"/>
@@ -6186,8 +7633,8 @@
         </p:nvSpPr>
         <p:spPr>
           <a:xfrm>
-            <a:off x="28325137" y="17771165"/>
-            <a:ext cx="14478626" cy="12499709"/>
+            <a:off x="30070063" y="17771169"/>
+            <a:ext cx="12733703" cy="12499709"/>
           </a:xfrm>
           <a:prstGeom prst="rect">
             <a:avLst/>
@@ -6241,8 +7688,8 @@
         </p:nvSpPr>
         <p:spPr>
           <a:xfrm>
-            <a:off x="12968604" y="5840146"/>
-            <a:ext cx="14445807" cy="3865032"/>
+            <a:off x="15024774" y="5897153"/>
+            <a:ext cx="14059416" cy="3865032"/>
           </a:xfrm>
           <a:prstGeom prst="rect">
             <a:avLst/>
@@ -6284,8 +7731,8 @@
         </p:nvSpPr>
         <p:spPr>
           <a:xfrm>
-            <a:off x="28375350" y="18074191"/>
-            <a:ext cx="14478626" cy="1631216"/>
+            <a:off x="30179395" y="17975772"/>
+            <a:ext cx="12783916" cy="2554545"/>
           </a:xfrm>
           <a:prstGeom prst="rect">
             <a:avLst/>
@@ -6300,7 +7747,7 @@
           <a:p>
             <a:pPr algn="ctr"/>
             <a:r>
-              <a:rPr lang="en-IE" sz="6000" b="1">
+              <a:rPr lang="en-IE" sz="6000" b="1" dirty="0">
                 <a:latin typeface="Montserrat" panose="00000500000000000000" pitchFamily="2" charset="0"/>
                 <a:ea typeface="Calibri" panose="020F0502020204030204" pitchFamily="34" charset="0"/>
                 <a:cs typeface="Mongolian Baiti" panose="03000500000000000000" pitchFamily="66" charset="0"/>
@@ -6309,7 +7756,7 @@
             </a:r>
           </a:p>
           <a:p>
-            <a:endParaRPr lang="en-IE" sz="4000" b="1">
+            <a:endParaRPr lang="en-IE" sz="4000" b="1" dirty="0">
               <a:latin typeface="Montserrat" panose="00000500000000000000" pitchFamily="2" charset="0"/>
               <a:ea typeface="Calibri" panose="020F0502020204030204" pitchFamily="34" charset="0"/>
               <a:cs typeface="Mongolian Baiti" panose="03000500000000000000" pitchFamily="66" charset="0"/>
@@ -6331,8 +7778,8 @@
         </p:nvSpPr>
         <p:spPr>
           <a:xfrm>
-            <a:off x="28909899" y="19822372"/>
-            <a:ext cx="13339612" cy="2800767"/>
+            <a:off x="30452154" y="19924122"/>
+            <a:ext cx="12351608" cy="2800767"/>
           </a:xfrm>
           <a:prstGeom prst="rect">
             <a:avLst/>
@@ -6346,7 +7793,7 @@
           <a:lstStyle/>
           <a:p>
             <a:r>
-              <a:rPr lang="en-GB" sz="4400" b="1">
+              <a:rPr lang="en-GB" sz="4400" b="1" dirty="0">
                 <a:latin typeface="Montserrat" panose="00000500000000000000" pitchFamily="2" charset="0"/>
                 <a:ea typeface="Calibri" panose="020F0502020204030204" pitchFamily="34" charset="0"/>
                 <a:cs typeface="Mongolian Baiti" panose="03000500000000000000" pitchFamily="66" charset="0"/>
@@ -6356,7 +7803,7 @@
           </a:p>
           <a:p>
             <a:r>
-              <a:rPr lang="en-GB" sz="4400">
+              <a:rPr lang="en-GB" sz="4400" dirty="0" err="1">
                 <a:solidFill>
                   <a:srgbClr val="000000"/>
                 </a:solidFill>
@@ -6364,9 +7811,20 @@
                 <a:ea typeface="+mn-lt"/>
                 <a:cs typeface="+mn-lt"/>
               </a:rPr>
-              <a:t>DoorGuard offers affordable and effective surveillance, contributing to safer homes worldwide.</a:t>
+              <a:t>DoorGuard</a:t>
             </a:r>
-            <a:endParaRPr lang="en-GB">
+            <a:r>
+              <a:rPr lang="en-GB" sz="4400" dirty="0">
+                <a:solidFill>
+                  <a:srgbClr val="000000"/>
+                </a:solidFill>
+                <a:latin typeface="Montserrat"/>
+                <a:ea typeface="+mn-lt"/>
+                <a:cs typeface="+mn-lt"/>
+              </a:rPr>
+              <a:t> offers affordable and effective surveillance, contributing to safer homes worldwide.</a:t>
+            </a:r>
+            <a:endParaRPr lang="en-GB" sz="1806" dirty="0">
               <a:solidFill>
                 <a:srgbClr val="000000"/>
               </a:solidFill>
@@ -6391,8 +7849,8 @@
         </p:nvSpPr>
         <p:spPr>
           <a:xfrm>
-            <a:off x="28025505" y="5667285"/>
-            <a:ext cx="15117225" cy="1015663"/>
+            <a:off x="30179396" y="5667287"/>
+            <a:ext cx="12733702" cy="1015663"/>
           </a:xfrm>
           <a:prstGeom prst="rect">
             <a:avLst/>
@@ -6407,7 +7865,7 @@
           <a:p>
             <a:pPr algn="ctr"/>
             <a:r>
-              <a:rPr lang="en-IE" sz="6000" b="1">
+              <a:rPr lang="en-IE" sz="6000" b="1" dirty="0">
                 <a:latin typeface="Montserrat" panose="00000500000000000000" pitchFamily="2" charset="0"/>
                 <a:ea typeface="Calibri" panose="020F0502020204030204" pitchFamily="34" charset="0"/>
                 <a:cs typeface="Mongolian Baiti" panose="03000500000000000000" pitchFamily="66" charset="0"/>
@@ -6431,8 +7889,8 @@
         </p:nvSpPr>
         <p:spPr>
           <a:xfrm>
-            <a:off x="12800323" y="22903082"/>
-            <a:ext cx="14528839" cy="1015663"/>
+            <a:off x="14843442" y="22903086"/>
+            <a:ext cx="14115739" cy="1015663"/>
           </a:xfrm>
           <a:prstGeom prst="rect">
             <a:avLst/>
@@ -6476,8 +7934,8 @@
         </p:nvSpPr>
         <p:spPr>
           <a:xfrm>
-            <a:off x="20075400" y="24384895"/>
-            <a:ext cx="7100108" cy="4832092"/>
+            <a:off x="21907293" y="24384897"/>
+            <a:ext cx="6898230" cy="5509200"/>
           </a:xfrm>
           <a:prstGeom prst="rect">
             <a:avLst/>
@@ -6493,12 +7951,12 @@
           </a:bodyPr>
           <a:lstStyle/>
           <a:p>
-            <a:pPr marL="571500" indent="-571500">
+            <a:pPr marL="571498" indent="-571498">
               <a:buFont typeface="Arial"/>
               <a:buChar char="•"/>
             </a:pPr>
             <a:r>
-              <a:rPr lang="en-US" sz="4400">
+              <a:rPr lang="en-US" sz="4400" dirty="0">
                 <a:solidFill>
                   <a:srgbClr val="000000"/>
                 </a:solidFill>
@@ -6510,12 +7968,12 @@
             </a:r>
           </a:p>
           <a:p>
-            <a:pPr marL="571500" indent="-571500">
+            <a:pPr marL="571498" indent="-571498">
               <a:buFont typeface="Arial"/>
               <a:buChar char="•"/>
             </a:pPr>
             <a:r>
-              <a:rPr lang="en-US" sz="4400">
+              <a:rPr lang="en-US" sz="4400" dirty="0">
                 <a:solidFill>
                   <a:srgbClr val="000000"/>
                 </a:solidFill>
@@ -6525,18 +7983,18 @@
               </a:rPr>
               <a:t>ESP32 microcontroller</a:t>
             </a:r>
-            <a:endParaRPr lang="en-US">
+            <a:endParaRPr lang="en-US" sz="1806" dirty="0">
               <a:ea typeface="Calibri" panose="020F0502020204030204"/>
               <a:cs typeface="Calibri" panose="020F0502020204030204"/>
             </a:endParaRPr>
           </a:p>
           <a:p>
-            <a:pPr marL="571500" indent="-571500">
+            <a:pPr marL="571498" indent="-571498">
               <a:buFont typeface="Arial"/>
               <a:buChar char="•"/>
             </a:pPr>
             <a:r>
-              <a:rPr lang="en-US" sz="4400">
+              <a:rPr lang="en-US" sz="4400" dirty="0">
                 <a:solidFill>
                   <a:srgbClr val="000000"/>
                 </a:solidFill>
@@ -6548,12 +8006,12 @@
             </a:r>
           </a:p>
           <a:p>
-            <a:pPr marL="571500" indent="-571500">
+            <a:pPr marL="571498" indent="-571498">
               <a:buFont typeface="Arial"/>
               <a:buChar char="•"/>
             </a:pPr>
             <a:r>
-              <a:rPr lang="en-US" sz="4400">
+              <a:rPr lang="en-US" sz="4400" dirty="0">
                 <a:solidFill>
                   <a:srgbClr val="000000"/>
                 </a:solidFill>
@@ -6565,12 +8023,12 @@
             </a:r>
           </a:p>
           <a:p>
-            <a:pPr marL="571500" indent="-571500">
+            <a:pPr marL="571498" indent="-571498">
               <a:buFont typeface="Arial"/>
               <a:buChar char="•"/>
             </a:pPr>
             <a:r>
-              <a:rPr lang="en-US" sz="4400">
+              <a:rPr lang="en-US" sz="4400" dirty="0">
                 <a:solidFill>
                   <a:srgbClr val="000000"/>
                 </a:solidFill>
@@ -6582,12 +8040,12 @@
             </a:r>
           </a:p>
           <a:p>
-            <a:pPr marL="571500" indent="-571500">
+            <a:pPr marL="571498" indent="-571498">
               <a:buFont typeface="Arial"/>
               <a:buChar char="•"/>
             </a:pPr>
             <a:r>
-              <a:rPr lang="en-US" sz="4400">
+              <a:rPr lang="en-US" sz="4400" dirty="0">
                 <a:solidFill>
                   <a:srgbClr val="000000"/>
                 </a:solidFill>
@@ -6599,12 +8057,12 @@
             </a:r>
           </a:p>
           <a:p>
-            <a:pPr marL="571500" indent="-571500">
+            <a:pPr marL="571498" indent="-571498">
               <a:buFont typeface="Arial"/>
               <a:buChar char="•"/>
             </a:pPr>
             <a:r>
-              <a:rPr lang="en-US" sz="4400">
+              <a:rPr lang="en-US" sz="4400" dirty="0">
                 <a:solidFill>
                   <a:srgbClr val="000000"/>
                 </a:solidFill>
@@ -6629,8 +8087,8 @@
         </p:nvSpPr>
         <p:spPr>
           <a:xfrm>
-            <a:off x="245022" y="7310159"/>
-            <a:ext cx="10982319" cy="5632311"/>
+            <a:off x="914400" y="7216174"/>
+            <a:ext cx="12163528" cy="2800767"/>
           </a:xfrm>
           <a:prstGeom prst="rect">
             <a:avLst/>
@@ -6648,10 +8106,18 @@
           <a:p>
             <a:pPr algn="just"/>
             <a:r>
-              <a:rPr lang="en-US" sz="6000"/>
-              <a:t>"DoorGuard": An IoT project that integrates a Camera, PIR sensor and has web connectivity for real-time (30fps) video feeds and motion detection alerts, enhancing home security.</a:t>
+              <a:rPr lang="en-US" sz="4400" dirty="0"/>
+              <a:t>"</a:t>
             </a:r>
-            <a:endParaRPr lang="en-US" sz="6000">
+            <a:r>
+              <a:rPr lang="en-US" sz="4400" dirty="0" err="1"/>
+              <a:t>DoorGuard</a:t>
+            </a:r>
+            <a:r>
+              <a:rPr lang="en-US" sz="4400" dirty="0"/>
+              <a:t>": An IoT project that integrates a Camera, PIR sensor and has web connectivity for real-time (30fps) video feeds and motion detection alerts, enhancing home security.</a:t>
+            </a:r>
+            <a:endParaRPr lang="en-US" sz="4400" dirty="0">
               <a:ea typeface="Calibri"/>
               <a:cs typeface="Calibri"/>
             </a:endParaRPr>
@@ -6672,8 +8138,8 @@
         </p:nvSpPr>
         <p:spPr>
           <a:xfrm>
-            <a:off x="13244883" y="24376997"/>
-            <a:ext cx="6486069" cy="4154984"/>
+            <a:off x="15059319" y="24376999"/>
+            <a:ext cx="6301650" cy="4832092"/>
           </a:xfrm>
           <a:prstGeom prst="rect">
             <a:avLst/>
@@ -6689,60 +8155,60 @@
           </a:bodyPr>
           <a:lstStyle/>
           <a:p>
-            <a:pPr marL="571500" indent="-571500">
+            <a:pPr marL="571498" indent="-571498">
               <a:buFont typeface="Arial"/>
               <a:buChar char="•"/>
             </a:pPr>
             <a:r>
-              <a:rPr lang="en-US" sz="4400">
+              <a:rPr lang="en-US" sz="4400" dirty="0">
                 <a:latin typeface="Montserrat"/>
               </a:rPr>
               <a:t>C Programming </a:t>
             </a:r>
           </a:p>
           <a:p>
-            <a:pPr marL="571500" indent="-571500">
+            <a:pPr marL="571498" indent="-571498">
               <a:buFont typeface="Arial"/>
               <a:buChar char="•"/>
             </a:pPr>
             <a:r>
-              <a:rPr lang="en-US" sz="4400">
+              <a:rPr lang="en-US" sz="4400" dirty="0">
                 <a:latin typeface="Montserrat"/>
               </a:rPr>
               <a:t>Embedded Systems</a:t>
             </a:r>
           </a:p>
           <a:p>
-            <a:pPr marL="571500" indent="-571500">
+            <a:pPr marL="571498" indent="-571498">
               <a:buFont typeface="Arial"/>
               <a:buChar char="•"/>
             </a:pPr>
             <a:r>
-              <a:rPr lang="en-US" sz="4400">
+              <a:rPr lang="en-US" sz="4400" dirty="0">
                 <a:latin typeface="Montserrat"/>
               </a:rPr>
               <a:t>Hardware interface design</a:t>
             </a:r>
           </a:p>
           <a:p>
-            <a:pPr marL="571500" indent="-571500">
+            <a:pPr marL="571498" indent="-571498">
               <a:buFont typeface="Arial"/>
               <a:buChar char="•"/>
             </a:pPr>
             <a:r>
-              <a:rPr lang="en-US" sz="4400">
+              <a:rPr lang="en-US" sz="4400" dirty="0">
                 <a:latin typeface="Montserrat"/>
               </a:rPr>
               <a:t>Web Development</a:t>
             </a:r>
           </a:p>
           <a:p>
-            <a:pPr marL="571500" indent="-571500">
+            <a:pPr marL="571498" indent="-571498">
               <a:buFont typeface="Arial"/>
               <a:buChar char="•"/>
             </a:pPr>
             <a:r>
-              <a:rPr lang="en-US" sz="4400">
+              <a:rPr lang="en-US" sz="4400" dirty="0">
                 <a:latin typeface="Montserrat"/>
               </a:rPr>
               <a:t>Problem Solving</a:t>
@@ -6764,8 +8230,8 @@
         </p:nvSpPr>
         <p:spPr>
           <a:xfrm>
-            <a:off x="28918848" y="23420391"/>
-            <a:ext cx="13945010" cy="2123658"/>
+            <a:off x="30512252" y="23420393"/>
+            <a:ext cx="12351608" cy="2800767"/>
           </a:xfrm>
           <a:prstGeom prst="rect">
             <a:avLst/>
@@ -6782,7 +8248,7 @@
           <a:lstStyle/>
           <a:p>
             <a:r>
-              <a:rPr lang="en-US" sz="4400" b="1">
+              <a:rPr lang="en-US" sz="4400" b="1" dirty="0">
                 <a:latin typeface="Montserrat"/>
                 <a:ea typeface="+mn-lt"/>
                 <a:cs typeface="+mn-lt"/>
@@ -6790,12 +8256,28 @@
               <a:t>Target 16.3 – Rule of Law and Access to Justice</a:t>
             </a:r>
             <a:r>
-              <a:rPr lang="en-US" sz="4400">
+              <a:rPr lang="en-US" sz="4400" dirty="0">
                 <a:latin typeface="Montserrat"/>
                 <a:ea typeface="+mn-lt"/>
                 <a:cs typeface="+mn-lt"/>
               </a:rPr>
-              <a:t> DoorGuard helps gather evidence and supports law enforcement efforts through surveillance.</a:t>
+              <a:t> </a:t>
+            </a:r>
+            <a:r>
+              <a:rPr lang="en-US" sz="4400" dirty="0" err="1">
+                <a:latin typeface="Montserrat"/>
+                <a:ea typeface="+mn-lt"/>
+                <a:cs typeface="+mn-lt"/>
+              </a:rPr>
+              <a:t>DoorGuard</a:t>
+            </a:r>
+            <a:r>
+              <a:rPr lang="en-US" sz="4400" dirty="0">
+                <a:latin typeface="Montserrat"/>
+                <a:ea typeface="+mn-lt"/>
+                <a:cs typeface="+mn-lt"/>
+              </a:rPr>
+              <a:t> helps gather evidence and supports law enforcement efforts through surveillance.</a:t>
             </a:r>
           </a:p>
         </p:txBody>
@@ -6821,8 +8303,8 @@
         </p:blipFill>
         <p:spPr>
           <a:xfrm>
-            <a:off x="30461206" y="6741330"/>
-            <a:ext cx="10285489" cy="9700349"/>
+            <a:off x="31612315" y="7052194"/>
+            <a:ext cx="9649192" cy="9100250"/>
           </a:xfrm>
           <a:prstGeom prst="rect">
             <a:avLst/>
@@ -6851,8 +8333,8 @@
         </p:blipFill>
         <p:spPr>
           <a:xfrm>
-            <a:off x="1962066" y="21773360"/>
-            <a:ext cx="7391406" cy="8607658"/>
+            <a:off x="2426804" y="12222799"/>
+            <a:ext cx="9160899" cy="9784677"/>
           </a:xfrm>
           <a:prstGeom prst="rect">
             <a:avLst/>
@@ -6873,8 +8355,8 @@
         </p:nvSpPr>
         <p:spPr>
           <a:xfrm>
-            <a:off x="28948515" y="26393012"/>
-            <a:ext cx="13086351" cy="2123658"/>
+            <a:off x="30839691" y="27287002"/>
+            <a:ext cx="11964071" cy="2123658"/>
           </a:xfrm>
           <a:prstGeom prst="rect">
             <a:avLst/>
@@ -6891,23 +8373,23 @@
           <a:lstStyle/>
           <a:p>
             <a:r>
-              <a:rPr lang="en-US" sz="4400" b="1">
+              <a:rPr lang="en-US" sz="4400" b="1" dirty="0">
                 <a:latin typeface="Montserrat"/>
               </a:rPr>
               <a:t>Target 3 – Health and Well-being</a:t>
             </a:r>
-            <a:endParaRPr lang="en-US" b="1">
+            <a:endParaRPr lang="en-US" sz="1806" b="1" dirty="0">
               <a:latin typeface="Montserrat"/>
             </a:endParaRPr>
           </a:p>
           <a:p>
             <a:r>
-              <a:rPr lang="en-US" sz="4400">
+              <a:rPr lang="en-US" sz="4400" dirty="0">
                 <a:latin typeface="Montserrat"/>
               </a:rPr>
               <a:t>Providing peace of mind and reducing stress knowing your home is secure </a:t>
             </a:r>
-            <a:endParaRPr lang="en-US">
+            <a:endParaRPr lang="en-US" sz="1806" dirty="0">
               <a:latin typeface="Montserrat"/>
             </a:endParaRPr>
           </a:p>
@@ -6927,8 +8409,8 @@
         </p:nvGrpSpPr>
         <p:grpSpPr>
           <a:xfrm>
-            <a:off x="12983278" y="7312388"/>
-            <a:ext cx="15087122" cy="13271211"/>
+            <a:off x="15042532" y="7956449"/>
+            <a:ext cx="15010450" cy="13271211"/>
             <a:chOff x="1615059" y="286426"/>
             <a:chExt cx="7519416" cy="6542723"/>
           </a:xfrm>
@@ -7216,18 +8698,7 @@
               </a:lvl9pPr>
             </a:lstStyle>
             <a:p>
-              <a:pPr marL="0" marR="0" lvl="0" indent="0" algn="ctr" defTabSz="914400" rtl="0" fontAlgn="auto" hangingPunct="1">
-                <a:lnSpc>
-                  <a:spcPct val="100000"/>
-                </a:lnSpc>
-                <a:spcBef>
-                  <a:spcPts val="0"/>
-                </a:spcBef>
-                <a:spcAft>
-                  <a:spcPts val="0"/>
-                </a:spcAft>
-                <a:buNone/>
-                <a:tabLst/>
+              <a:pPr algn="ctr">
                 <a:defRPr sz="1800" b="0" i="0" u="none" strike="noStrike" kern="0" cap="none" spc="0" baseline="0">
                   <a:solidFill>
                     <a:srgbClr val="000000"/>
@@ -7235,11 +8706,10 @@
                   <a:uFillTx/>
                 </a:defRPr>
               </a:pPr>
-              <a:endParaRPr lang="en-IE" sz="2800" b="0" i="0" u="none" strike="noStrike" kern="1200" cap="none" spc="0" baseline="0">
+              <a:endParaRPr lang="en-IE" sz="2800">
                 <a:solidFill>
                   <a:srgbClr val="FFFFFF"/>
                 </a:solidFill>
-                <a:uFillTx/>
                 <a:latin typeface="Calibri"/>
               </a:endParaRPr>
             </a:p>
@@ -7528,18 +8998,7 @@
               </a:lvl9pPr>
             </a:lstStyle>
             <a:p>
-              <a:pPr marL="0" marR="0" lvl="0" indent="0" algn="ctr" defTabSz="914400" rtl="0" fontAlgn="auto" hangingPunct="1">
-                <a:lnSpc>
-                  <a:spcPct val="100000"/>
-                </a:lnSpc>
-                <a:spcBef>
-                  <a:spcPts val="0"/>
-                </a:spcBef>
-                <a:spcAft>
-                  <a:spcPts val="0"/>
-                </a:spcAft>
-                <a:buNone/>
-                <a:tabLst/>
+              <a:pPr algn="ctr">
                 <a:defRPr sz="1800" b="0" i="0" u="none" strike="noStrike" kern="0" cap="none" spc="0" baseline="0">
                   <a:solidFill>
                     <a:srgbClr val="000000"/>
@@ -7547,11 +9006,10 @@
                   <a:uFillTx/>
                 </a:defRPr>
               </a:pPr>
-              <a:endParaRPr lang="en-IE" sz="2800" b="0" i="0" u="none" strike="noStrike" kern="1200" cap="none" spc="0" baseline="0">
+              <a:endParaRPr lang="en-IE" sz="2800">
                 <a:solidFill>
                   <a:srgbClr val="FFFFFF"/>
                 </a:solidFill>
-                <a:uFillTx/>
                 <a:latin typeface="Calibri"/>
               </a:endParaRPr>
             </a:p>
@@ -7682,18 +9140,7 @@
               </a:lvl9pPr>
             </a:lstStyle>
             <a:p>
-              <a:pPr marL="0" marR="0" lvl="0" indent="0" algn="ctr" defTabSz="914400" rtl="0" fontAlgn="auto" hangingPunct="1">
-                <a:lnSpc>
-                  <a:spcPct val="100000"/>
-                </a:lnSpc>
-                <a:spcBef>
-                  <a:spcPts val="0"/>
-                </a:spcBef>
-                <a:spcAft>
-                  <a:spcPts val="0"/>
-                </a:spcAft>
-                <a:buNone/>
-                <a:tabLst/>
+              <a:pPr algn="ctr">
                 <a:defRPr sz="1800" b="0" i="0" u="none" strike="noStrike" kern="0" cap="none" spc="0" baseline="0">
                   <a:solidFill>
                     <a:srgbClr val="000000"/>
@@ -7702,11 +9149,10 @@
                 </a:defRPr>
               </a:pPr>
               <a:r>
-                <a:rPr lang="en-IE" sz="2800" b="1" i="0" u="none" strike="noStrike" kern="1200" cap="none" spc="0" baseline="0">
+                <a:rPr lang="en-IE" sz="2800" b="1">
                   <a:solidFill>
                     <a:srgbClr val="000000"/>
                   </a:solidFill>
-                  <a:uFillTx/>
                   <a:latin typeface="Calibri"/>
                 </a:rPr>
                 <a:t>ESP32</a:t>
@@ -7997,18 +9443,7 @@
               </a:lvl9pPr>
             </a:lstStyle>
             <a:p>
-              <a:pPr marL="0" marR="0" lvl="0" indent="0" algn="ctr" defTabSz="914400" rtl="0" fontAlgn="auto" hangingPunct="1">
-                <a:lnSpc>
-                  <a:spcPct val="100000"/>
-                </a:lnSpc>
-                <a:spcBef>
-                  <a:spcPts val="0"/>
-                </a:spcBef>
-                <a:spcAft>
-                  <a:spcPts val="0"/>
-                </a:spcAft>
-                <a:buNone/>
-                <a:tabLst/>
+              <a:pPr algn="ctr">
                 <a:defRPr sz="1800" b="0" i="0" u="none" strike="noStrike" kern="0" cap="none" spc="0" baseline="0">
                   <a:solidFill>
                     <a:srgbClr val="000000"/>
@@ -8017,11 +9452,10 @@
                 </a:defRPr>
               </a:pPr>
               <a:r>
-                <a:rPr lang="en-IE" sz="2800" b="0" i="0" u="none" strike="noStrike" kern="1200" cap="none" spc="0" baseline="0">
+                <a:rPr lang="en-IE" sz="2800">
                   <a:solidFill>
                     <a:srgbClr val="000000"/>
                   </a:solidFill>
-                  <a:uFillTx/>
                   <a:latin typeface="Calibri"/>
                 </a:rPr>
                 <a:t>Wi-Fi</a:t>
@@ -8312,18 +9746,7 @@
               </a:lvl9pPr>
             </a:lstStyle>
             <a:p>
-              <a:pPr marL="0" marR="0" lvl="0" indent="0" algn="ctr" defTabSz="914400" rtl="0" fontAlgn="auto" hangingPunct="1">
-                <a:lnSpc>
-                  <a:spcPct val="100000"/>
-                </a:lnSpc>
-                <a:spcBef>
-                  <a:spcPts val="0"/>
-                </a:spcBef>
-                <a:spcAft>
-                  <a:spcPts val="0"/>
-                </a:spcAft>
-                <a:buNone/>
-                <a:tabLst/>
+              <a:pPr algn="ctr">
                 <a:defRPr sz="1800" b="0" i="0" u="none" strike="noStrike" kern="0" cap="none" spc="0" baseline="0">
                   <a:solidFill>
                     <a:srgbClr val="000000"/>
@@ -8332,11 +9755,10 @@
                 </a:defRPr>
               </a:pPr>
               <a:r>
-                <a:rPr lang="en-IE" sz="2800" b="0" i="0" u="none" strike="noStrike" kern="1200" cap="none" spc="0" baseline="0">
+                <a:rPr lang="en-IE" sz="2800">
                   <a:solidFill>
                     <a:srgbClr val="000000"/>
                   </a:solidFill>
-                  <a:uFillTx/>
                   <a:latin typeface="Calibri"/>
                 </a:rPr>
                 <a:t>Data Input</a:t>
@@ -8627,18 +10049,7 @@
               </a:lvl9pPr>
             </a:lstStyle>
             <a:p>
-              <a:pPr marL="0" marR="0" lvl="0" indent="0" algn="ctr" defTabSz="914400" rtl="0" fontAlgn="auto" hangingPunct="1">
-                <a:lnSpc>
-                  <a:spcPct val="100000"/>
-                </a:lnSpc>
-                <a:spcBef>
-                  <a:spcPts val="0"/>
-                </a:spcBef>
-                <a:spcAft>
-                  <a:spcPts val="0"/>
-                </a:spcAft>
-                <a:buNone/>
-                <a:tabLst/>
+              <a:pPr algn="ctr">
                 <a:defRPr sz="1800" b="0" i="0" u="none" strike="noStrike" kern="0" cap="none" spc="0" baseline="0">
                   <a:solidFill>
                     <a:srgbClr val="000000"/>
@@ -8647,11 +10058,10 @@
                 </a:defRPr>
               </a:pPr>
               <a:r>
-                <a:rPr lang="en-IE" sz="2800" b="0" i="0" u="none" strike="noStrike" kern="1200" cap="none" spc="0" baseline="0">
+                <a:rPr lang="en-IE" sz="2800">
                   <a:solidFill>
                     <a:srgbClr val="000000"/>
                   </a:solidFill>
-                  <a:uFillTx/>
                   <a:latin typeface="Calibri"/>
                 </a:rPr>
                 <a:t>Data Output</a:t>
@@ -8942,18 +10352,7 @@
               </a:lvl9pPr>
             </a:lstStyle>
             <a:p>
-              <a:pPr marL="0" marR="0" lvl="0" indent="0" algn="ctr" defTabSz="914400" rtl="0" fontAlgn="auto" hangingPunct="1">
-                <a:lnSpc>
-                  <a:spcPct val="100000"/>
-                </a:lnSpc>
-                <a:spcBef>
-                  <a:spcPts val="0"/>
-                </a:spcBef>
-                <a:spcAft>
-                  <a:spcPts val="0"/>
-                </a:spcAft>
-                <a:buNone/>
-                <a:tabLst/>
+              <a:pPr algn="ctr">
                 <a:defRPr sz="1800" b="0" i="0" u="none" strike="noStrike" kern="0" cap="none" spc="0" baseline="0">
                   <a:solidFill>
                     <a:srgbClr val="000000"/>
@@ -8962,11 +10361,10 @@
                 </a:defRPr>
               </a:pPr>
               <a:r>
-                <a:rPr lang="en-IE" sz="2800" b="0" i="0" u="none" strike="noStrike" kern="1200" cap="none" spc="0" baseline="0">
+                <a:rPr lang="en-IE" sz="2800">
                   <a:solidFill>
                     <a:srgbClr val="000000"/>
                   </a:solidFill>
-                  <a:uFillTx/>
                   <a:latin typeface="Calibri"/>
                 </a:rPr>
                 <a:t>HTML / CSS</a:t>
@@ -9257,18 +10655,7 @@
               </a:lvl9pPr>
             </a:lstStyle>
             <a:p>
-              <a:pPr marL="0" marR="0" lvl="0" indent="0" algn="ctr" defTabSz="914400" rtl="0" fontAlgn="auto" hangingPunct="1">
-                <a:lnSpc>
-                  <a:spcPct val="100000"/>
-                </a:lnSpc>
-                <a:spcBef>
-                  <a:spcPts val="0"/>
-                </a:spcBef>
-                <a:spcAft>
-                  <a:spcPts val="0"/>
-                </a:spcAft>
-                <a:buNone/>
-                <a:tabLst/>
+              <a:pPr algn="ctr">
                 <a:defRPr sz="1800" b="0" i="0" u="none" strike="noStrike" kern="0" cap="none" spc="0" baseline="0">
                   <a:solidFill>
                     <a:srgbClr val="000000"/>
@@ -9277,11 +10664,10 @@
                 </a:defRPr>
               </a:pPr>
               <a:r>
-                <a:rPr lang="en-IE" sz="2800" b="0" i="0" u="none" strike="noStrike" kern="1200" cap="none" spc="0" baseline="0">
+                <a:rPr lang="en-IE" sz="2800">
                   <a:solidFill>
                     <a:srgbClr val="000000"/>
                   </a:solidFill>
-                  <a:uFillTx/>
                   <a:latin typeface="Calibri"/>
                 </a:rPr>
                 <a:t>JavaScript</a:t>
@@ -9572,18 +10958,7 @@
               </a:lvl9pPr>
             </a:lstStyle>
             <a:p>
-              <a:pPr marL="0" marR="0" lvl="0" indent="0" algn="ctr" defTabSz="914400" rtl="0" fontAlgn="auto" hangingPunct="1">
-                <a:lnSpc>
-                  <a:spcPct val="100000"/>
-                </a:lnSpc>
-                <a:spcBef>
-                  <a:spcPts val="0"/>
-                </a:spcBef>
-                <a:spcAft>
-                  <a:spcPts val="0"/>
-                </a:spcAft>
-                <a:buNone/>
-                <a:tabLst/>
+              <a:pPr algn="ctr">
                 <a:defRPr sz="1800" b="0" i="0" u="none" strike="noStrike" kern="0" cap="none" spc="0" baseline="0">
                   <a:solidFill>
                     <a:srgbClr val="000000"/>
@@ -9592,11 +10967,10 @@
                 </a:defRPr>
               </a:pPr>
               <a:r>
-                <a:rPr lang="en-IE" sz="2800" b="0" i="0" u="none" strike="noStrike" kern="1200" cap="none" spc="0" baseline="0">
+                <a:rPr lang="en-IE" sz="2800">
                   <a:solidFill>
                     <a:srgbClr val="000000"/>
                   </a:solidFill>
-                  <a:uFillTx/>
                   <a:latin typeface="Calibri"/>
                 </a:rPr>
                 <a:t>Web Server</a:t>
@@ -9887,18 +11261,7 @@
               </a:lvl9pPr>
             </a:lstStyle>
             <a:p>
-              <a:pPr marL="0" marR="0" lvl="0" indent="0" algn="ctr" defTabSz="914400" rtl="0" fontAlgn="auto" hangingPunct="1">
-                <a:lnSpc>
-                  <a:spcPct val="100000"/>
-                </a:lnSpc>
-                <a:spcBef>
-                  <a:spcPts val="0"/>
-                </a:spcBef>
-                <a:spcAft>
-                  <a:spcPts val="0"/>
-                </a:spcAft>
-                <a:buNone/>
-                <a:tabLst/>
+              <a:pPr algn="ctr">
                 <a:defRPr sz="1800" b="0" i="0" u="none" strike="noStrike" kern="0" cap="none" spc="0" baseline="0">
                   <a:solidFill>
                     <a:srgbClr val="000000"/>
@@ -9907,11 +11270,10 @@
                 </a:defRPr>
               </a:pPr>
               <a:r>
-                <a:rPr lang="en-IE" sz="2800" b="0" i="0" u="none" strike="noStrike" kern="1200" cap="none" spc="0" baseline="0">
+                <a:rPr lang="en-IE" sz="2800">
                   <a:solidFill>
                     <a:srgbClr val="000000"/>
                   </a:solidFill>
-                  <a:uFillTx/>
                   <a:latin typeface="Calibri"/>
                 </a:rPr>
                 <a:t>Arduino IDE</a:t>
@@ -10202,18 +11564,7 @@
               </a:lvl9pPr>
             </a:lstStyle>
             <a:p>
-              <a:pPr marL="0" marR="0" lvl="0" indent="0" algn="ctr" defTabSz="914400" rtl="0" fontAlgn="auto" hangingPunct="1">
-                <a:lnSpc>
-                  <a:spcPct val="100000"/>
-                </a:lnSpc>
-                <a:spcBef>
-                  <a:spcPts val="0"/>
-                </a:spcBef>
-                <a:spcAft>
-                  <a:spcPts val="0"/>
-                </a:spcAft>
-                <a:buNone/>
-                <a:tabLst/>
+              <a:pPr algn="ctr">
                 <a:defRPr sz="1800" b="0" i="0" u="none" strike="noStrike" kern="0" cap="none" spc="0" baseline="0">
                   <a:solidFill>
                     <a:srgbClr val="000000"/>
@@ -10222,11 +11573,10 @@
                 </a:defRPr>
               </a:pPr>
               <a:r>
-                <a:rPr lang="en-IE" sz="2800" b="0" i="0" u="none" strike="noStrike" kern="1200" cap="none" spc="0" baseline="0">
+                <a:rPr lang="en-IE" sz="2800">
                   <a:solidFill>
                     <a:srgbClr val="000000"/>
                   </a:solidFill>
-                  <a:uFillTx/>
                   <a:latin typeface="Calibri"/>
                 </a:rPr>
                 <a:t>C / C + +</a:t>
@@ -10517,18 +11867,7 @@
               </a:lvl9pPr>
             </a:lstStyle>
             <a:p>
-              <a:pPr marL="0" marR="0" lvl="0" indent="0" algn="ctr" defTabSz="914400" rtl="0" fontAlgn="auto" hangingPunct="1">
-                <a:lnSpc>
-                  <a:spcPct val="100000"/>
-                </a:lnSpc>
-                <a:spcBef>
-                  <a:spcPts val="0"/>
-                </a:spcBef>
-                <a:spcAft>
-                  <a:spcPts val="0"/>
-                </a:spcAft>
-                <a:buNone/>
-                <a:tabLst/>
+              <a:pPr algn="ctr">
                 <a:defRPr sz="1800" b="0" i="0" u="none" strike="noStrike" kern="0" cap="none" spc="0" baseline="0">
                   <a:solidFill>
                     <a:srgbClr val="000000"/>
@@ -10537,11 +11876,10 @@
                 </a:defRPr>
               </a:pPr>
               <a:r>
-                <a:rPr lang="en-IE" sz="2800" b="0" i="0" u="none" strike="noStrike" kern="1200" cap="none" spc="0" baseline="0">
+                <a:rPr lang="en-IE" sz="2800">
                   <a:solidFill>
                     <a:srgbClr val="000000"/>
                   </a:solidFill>
-                  <a:uFillTx/>
                   <a:latin typeface="Calibri"/>
                 </a:rPr>
                 <a:t>PIR Sensor</a:t>
@@ -10832,18 +12170,7 @@
               </a:lvl9pPr>
             </a:lstStyle>
             <a:p>
-              <a:pPr marL="0" marR="0" lvl="0" indent="0" algn="ctr" defTabSz="914400" rtl="0" fontAlgn="auto" hangingPunct="1">
-                <a:lnSpc>
-                  <a:spcPct val="100000"/>
-                </a:lnSpc>
-                <a:spcBef>
-                  <a:spcPts val="0"/>
-                </a:spcBef>
-                <a:spcAft>
-                  <a:spcPts val="0"/>
-                </a:spcAft>
-                <a:buNone/>
-                <a:tabLst/>
+              <a:pPr algn="ctr">
                 <a:defRPr sz="1800" b="0" i="0" u="none" strike="noStrike" kern="0" cap="none" spc="0" baseline="0">
                   <a:solidFill>
                     <a:srgbClr val="000000"/>
@@ -10852,11 +12179,10 @@
                 </a:defRPr>
               </a:pPr>
               <a:r>
-                <a:rPr lang="en-IE" sz="2800" b="0" i="0" u="none" strike="noStrike" kern="1200" cap="none" spc="0" baseline="0">
+                <a:rPr lang="en-IE" sz="2800">
                   <a:solidFill>
                     <a:srgbClr val="000000"/>
                   </a:solidFill>
-                  <a:uFillTx/>
                   <a:latin typeface="Calibri"/>
                 </a:rPr>
                 <a:t>Camera Module</a:t>
@@ -11020,18 +12346,7 @@
               </a:lvl9pPr>
             </a:lstStyle>
             <a:p>
-              <a:pPr marL="0" marR="0" lvl="0" indent="0" algn="l" defTabSz="914400" rtl="0" fontAlgn="auto" hangingPunct="1">
-                <a:lnSpc>
-                  <a:spcPct val="100000"/>
-                </a:lnSpc>
-                <a:spcBef>
-                  <a:spcPts val="0"/>
-                </a:spcBef>
-                <a:spcAft>
-                  <a:spcPts val="0"/>
-                </a:spcAft>
-                <a:buNone/>
-                <a:tabLst/>
+              <a:pPr>
                 <a:defRPr sz="1800" b="0" i="0" u="none" strike="noStrike" kern="0" cap="none" spc="0" baseline="0">
                   <a:solidFill>
                     <a:srgbClr val="000000"/>
@@ -11040,11 +12355,10 @@
                 </a:defRPr>
               </a:pPr>
               <a:r>
-                <a:rPr lang="en-IE" sz="2800" b="1" i="0" u="none" strike="noStrike" kern="1200" cap="none" spc="0" baseline="0">
+                <a:rPr lang="en-IE" sz="2800" b="1" dirty="0">
                   <a:solidFill>
                     <a:srgbClr val="000000"/>
                   </a:solidFill>
-                  <a:uFillTx/>
                   <a:latin typeface="Calibri"/>
                 </a:rPr>
                 <a:t>INPUTS</a:t>
@@ -11335,18 +12649,7 @@
               </a:lvl9pPr>
             </a:lstStyle>
             <a:p>
-              <a:pPr marL="0" marR="0" lvl="0" indent="0" algn="ctr" defTabSz="914400" rtl="0" fontAlgn="auto" hangingPunct="1">
-                <a:lnSpc>
-                  <a:spcPct val="100000"/>
-                </a:lnSpc>
-                <a:spcBef>
-                  <a:spcPts val="0"/>
-                </a:spcBef>
-                <a:spcAft>
-                  <a:spcPts val="0"/>
-                </a:spcAft>
-                <a:buNone/>
-                <a:tabLst/>
+              <a:pPr algn="ctr">
                 <a:defRPr sz="1800" b="0" i="0" u="none" strike="noStrike" kern="0" cap="none" spc="0" baseline="0">
                   <a:solidFill>
                     <a:srgbClr val="000000"/>
@@ -11355,11 +12658,10 @@
                 </a:defRPr>
               </a:pPr>
               <a:r>
-                <a:rPr lang="en-IE" sz="2800" b="0" i="0" u="none" strike="noStrike" kern="1200" cap="none" spc="0" baseline="0">
+                <a:rPr lang="en-IE" sz="2800">
                   <a:solidFill>
                     <a:srgbClr val="000000"/>
                   </a:solidFill>
-                  <a:uFillTx/>
                   <a:latin typeface="Calibri"/>
                 </a:rPr>
                 <a:t>Sensor Readings</a:t>
@@ -11554,18 +12856,7 @@
               </a:lvl9pPr>
             </a:lstStyle>
             <a:p>
-              <a:pPr marL="0" marR="0" lvl="0" indent="0" algn="l" defTabSz="914400" rtl="0" fontAlgn="auto" hangingPunct="1">
-                <a:lnSpc>
-                  <a:spcPct val="100000"/>
-                </a:lnSpc>
-                <a:spcBef>
-                  <a:spcPts val="0"/>
-                </a:spcBef>
-                <a:spcAft>
-                  <a:spcPts val="0"/>
-                </a:spcAft>
-                <a:buNone/>
-                <a:tabLst/>
+              <a:pPr>
                 <a:defRPr sz="1800" b="0" i="0" u="none" strike="noStrike" kern="0" cap="none" spc="0" baseline="0">
                   <a:solidFill>
                     <a:srgbClr val="000000"/>
@@ -11574,11 +12865,10 @@
                 </a:defRPr>
               </a:pPr>
               <a:r>
-                <a:rPr lang="en-IE" sz="2800" b="1" i="0" u="none" strike="noStrike" kern="1200" cap="none" spc="0" baseline="0">
+                <a:rPr lang="en-IE" sz="2800" b="1">
                   <a:solidFill>
                     <a:srgbClr val="000000"/>
                   </a:solidFill>
-                  <a:uFillTx/>
                   <a:latin typeface="Calibri"/>
                 </a:rPr>
                 <a:t>Webpage</a:t>
@@ -11711,18 +13001,7 @@
               </a:lvl9pPr>
             </a:lstStyle>
             <a:p>
-              <a:pPr marL="0" marR="0" lvl="0" indent="0" algn="l" defTabSz="914400" rtl="0" fontAlgn="auto" hangingPunct="1">
-                <a:lnSpc>
-                  <a:spcPct val="100000"/>
-                </a:lnSpc>
-                <a:spcBef>
-                  <a:spcPts val="0"/>
-                </a:spcBef>
-                <a:spcAft>
-                  <a:spcPts val="0"/>
-                </a:spcAft>
-                <a:buNone/>
-                <a:tabLst/>
+              <a:pPr>
                 <a:defRPr sz="1800" b="0" i="0" u="none" strike="noStrike" kern="0" cap="none" spc="0" baseline="0">
                   <a:solidFill>
                     <a:srgbClr val="000000"/>
@@ -11731,22 +13010,20 @@
                 </a:defRPr>
               </a:pPr>
               <a:r>
-                <a:rPr lang="en-IE" sz="2800" b="0" i="0" u="none" strike="noStrike" kern="0" cap="none" spc="0" baseline="0">
+                <a:rPr lang="en-IE" sz="2800" kern="0">
                   <a:solidFill>
                     <a:srgbClr val="000000"/>
                   </a:solidFill>
-                  <a:uFillTx/>
                   <a:latin typeface="Calibri"/>
                   <a:ea typeface="Calibri"/>
                   <a:cs typeface="Calibri"/>
                 </a:rPr>
                 <a:t>iFrame</a:t>
               </a:r>
-              <a:endParaRPr lang="en-US" sz="2800" b="0" i="0" u="none" strike="noStrike" kern="1200" cap="none" spc="0" baseline="0">
+              <a:endParaRPr lang="en-US" sz="2800">
                 <a:solidFill>
                   <a:srgbClr val="000000"/>
                 </a:solidFill>
-                <a:uFillTx/>
                 <a:latin typeface="Calibri"/>
                 <a:ea typeface="Calibri"/>
                 <a:cs typeface="Calibri"/>
@@ -12037,18 +13314,7 @@
               </a:lvl9pPr>
             </a:lstStyle>
             <a:p>
-              <a:pPr marL="0" marR="0" lvl="0" indent="0" algn="ctr" defTabSz="914400" rtl="0" fontAlgn="auto" hangingPunct="1">
-                <a:lnSpc>
-                  <a:spcPct val="100000"/>
-                </a:lnSpc>
-                <a:spcBef>
-                  <a:spcPts val="0"/>
-                </a:spcBef>
-                <a:spcAft>
-                  <a:spcPts val="0"/>
-                </a:spcAft>
-                <a:buNone/>
-                <a:tabLst/>
+              <a:pPr algn="ctr">
                 <a:defRPr sz="1800" b="0" i="0" u="none" strike="noStrike" kern="0" cap="none" spc="0" baseline="0">
                   <a:solidFill>
                     <a:srgbClr val="000000"/>
@@ -12056,11 +13322,10 @@
                   <a:uFillTx/>
                 </a:defRPr>
               </a:pPr>
-              <a:endParaRPr lang="en-IE" sz="2800" b="0" i="0" u="none" strike="noStrike" kern="1200" cap="none" spc="0" baseline="0">
+              <a:endParaRPr lang="en-IE" sz="2800">
                 <a:solidFill>
                   <a:srgbClr val="FFFFFF"/>
                 </a:solidFill>
-                <a:uFillTx/>
                 <a:latin typeface="Calibri"/>
               </a:endParaRPr>
             </a:p>
@@ -12191,18 +13456,7 @@
               </a:lvl9pPr>
             </a:lstStyle>
             <a:p>
-              <a:pPr marL="0" marR="0" lvl="0" indent="0" algn="ctr" defTabSz="914400" rtl="0" fontAlgn="auto" hangingPunct="1">
-                <a:lnSpc>
-                  <a:spcPct val="100000"/>
-                </a:lnSpc>
-                <a:spcBef>
-                  <a:spcPts val="0"/>
-                </a:spcBef>
-                <a:spcAft>
-                  <a:spcPts val="0"/>
-                </a:spcAft>
-                <a:buNone/>
-                <a:tabLst/>
+              <a:pPr algn="ctr">
                 <a:defRPr sz="1800" b="0" i="0" u="none" strike="noStrike" kern="0" cap="none" spc="0" baseline="0">
                   <a:solidFill>
                     <a:srgbClr val="000000"/>
@@ -12211,11 +13465,10 @@
                 </a:defRPr>
               </a:pPr>
               <a:r>
-                <a:rPr lang="en-IE" sz="2800" b="1" i="0" u="none" strike="noStrike" kern="1200" cap="none" spc="0" baseline="0">
+                <a:rPr lang="en-IE" sz="2800" b="1">
                   <a:solidFill>
                     <a:srgbClr val="000000"/>
                   </a:solidFill>
-                  <a:uFillTx/>
                   <a:latin typeface="Calibri"/>
                 </a:rPr>
                 <a:t>ESP32</a:t>
@@ -12506,18 +13759,7 @@
               </a:lvl9pPr>
             </a:lstStyle>
             <a:p>
-              <a:pPr marL="0" marR="0" lvl="0" indent="0" algn="ctr" defTabSz="914400" rtl="0" fontAlgn="auto" hangingPunct="1">
-                <a:lnSpc>
-                  <a:spcPct val="100000"/>
-                </a:lnSpc>
-                <a:spcBef>
-                  <a:spcPts val="0"/>
-                </a:spcBef>
-                <a:spcAft>
-                  <a:spcPts val="0"/>
-                </a:spcAft>
-                <a:buNone/>
-                <a:tabLst/>
+              <a:pPr algn="ctr">
                 <a:defRPr sz="1800" b="0" i="0" u="none" strike="noStrike" kern="0" cap="none" spc="0" baseline="0">
                   <a:solidFill>
                     <a:srgbClr val="000000"/>
@@ -12526,11 +13768,10 @@
                 </a:defRPr>
               </a:pPr>
               <a:r>
-                <a:rPr lang="en-IE" sz="2800" b="0" i="0" u="none" strike="noStrike" kern="1200" cap="none" spc="0" baseline="0">
+                <a:rPr lang="en-IE" sz="2800">
                   <a:solidFill>
                     <a:srgbClr val="000000"/>
                   </a:solidFill>
-                  <a:uFillTx/>
                   <a:latin typeface="Calibri"/>
                 </a:rPr>
                 <a:t>Wi-Fi</a:t>
@@ -12821,18 +14062,7 @@
               </a:lvl9pPr>
             </a:lstStyle>
             <a:p>
-              <a:pPr marL="0" marR="0" lvl="0" indent="0" algn="ctr" defTabSz="914400" rtl="0" fontAlgn="auto" hangingPunct="1">
-                <a:lnSpc>
-                  <a:spcPct val="100000"/>
-                </a:lnSpc>
-                <a:spcBef>
-                  <a:spcPts val="0"/>
-                </a:spcBef>
-                <a:spcAft>
-                  <a:spcPts val="0"/>
-                </a:spcAft>
-                <a:buNone/>
-                <a:tabLst/>
+              <a:pPr algn="ctr">
                 <a:defRPr sz="1800" b="0" i="0" u="none" strike="noStrike" kern="0" cap="none" spc="0" baseline="0">
                   <a:solidFill>
                     <a:srgbClr val="000000"/>
@@ -12841,11 +14071,10 @@
                 </a:defRPr>
               </a:pPr>
               <a:r>
-                <a:rPr lang="en-IE" sz="2800" b="0" i="0" u="none" strike="noStrike" kern="1200" cap="none" spc="0" baseline="0">
+                <a:rPr lang="en-IE" sz="2800">
                   <a:solidFill>
                     <a:srgbClr val="000000"/>
                   </a:solidFill>
-                  <a:uFillTx/>
                   <a:latin typeface="Calibri"/>
                 </a:rPr>
                 <a:t>Data Input</a:t>
@@ -13136,18 +14365,7 @@
               </a:lvl9pPr>
             </a:lstStyle>
             <a:p>
-              <a:pPr marL="0" marR="0" lvl="0" indent="0" algn="ctr" defTabSz="914400" rtl="0" fontAlgn="auto" hangingPunct="1">
-                <a:lnSpc>
-                  <a:spcPct val="100000"/>
-                </a:lnSpc>
-                <a:spcBef>
-                  <a:spcPts val="0"/>
-                </a:spcBef>
-                <a:spcAft>
-                  <a:spcPts val="0"/>
-                </a:spcAft>
-                <a:buNone/>
-                <a:tabLst/>
+              <a:pPr algn="ctr">
                 <a:defRPr sz="1800" b="0" i="0" u="none" strike="noStrike" kern="0" cap="none" spc="0" baseline="0">
                   <a:solidFill>
                     <a:srgbClr val="000000"/>
@@ -13156,11 +14374,10 @@
                 </a:defRPr>
               </a:pPr>
               <a:r>
-                <a:rPr lang="en-IE" sz="2800" b="0" i="0" u="none" strike="noStrike" kern="1200" cap="none" spc="0" baseline="0">
+                <a:rPr lang="en-IE" sz="2800">
                   <a:solidFill>
                     <a:srgbClr val="000000"/>
                   </a:solidFill>
-                  <a:uFillTx/>
                   <a:latin typeface="Calibri"/>
                 </a:rPr>
                 <a:t>Data Output</a:t>
@@ -13451,18 +14668,7 @@
               </a:lvl9pPr>
             </a:lstStyle>
             <a:p>
-              <a:pPr marL="0" marR="0" lvl="0" indent="0" algn="ctr" defTabSz="914400" rtl="0" fontAlgn="auto" hangingPunct="1">
-                <a:lnSpc>
-                  <a:spcPct val="100000"/>
-                </a:lnSpc>
-                <a:spcBef>
-                  <a:spcPts val="0"/>
-                </a:spcBef>
-                <a:spcAft>
-                  <a:spcPts val="0"/>
-                </a:spcAft>
-                <a:buNone/>
-                <a:tabLst/>
+              <a:pPr algn="ctr">
                 <a:defRPr sz="1800" b="0" i="0" u="none" strike="noStrike" kern="0" cap="none" spc="0" baseline="0">
                   <a:solidFill>
                     <a:srgbClr val="000000"/>
@@ -13471,11 +14677,10 @@
                 </a:defRPr>
               </a:pPr>
               <a:r>
-                <a:rPr lang="en-IE" sz="2800" b="0" i="0" u="none" strike="noStrike" kern="1200" cap="none" spc="0" baseline="0">
+                <a:rPr lang="en-IE" sz="2800">
                   <a:solidFill>
                     <a:srgbClr val="000000"/>
                   </a:solidFill>
-                  <a:uFillTx/>
                   <a:latin typeface="Calibri"/>
                 </a:rPr>
                 <a:t>HTML / CSS</a:t>
@@ -13766,18 +14971,7 @@
               </a:lvl9pPr>
             </a:lstStyle>
             <a:p>
-              <a:pPr marL="0" marR="0" lvl="0" indent="0" algn="ctr" defTabSz="914400" rtl="0" fontAlgn="auto" hangingPunct="1">
-                <a:lnSpc>
-                  <a:spcPct val="100000"/>
-                </a:lnSpc>
-                <a:spcBef>
-                  <a:spcPts val="0"/>
-                </a:spcBef>
-                <a:spcAft>
-                  <a:spcPts val="0"/>
-                </a:spcAft>
-                <a:buNone/>
-                <a:tabLst/>
+              <a:pPr algn="ctr">
                 <a:defRPr sz="1800" b="0" i="0" u="none" strike="noStrike" kern="0" cap="none" spc="0" baseline="0">
                   <a:solidFill>
                     <a:srgbClr val="000000"/>
@@ -13786,21 +14980,19 @@
                 </a:defRPr>
               </a:pPr>
               <a:r>
-                <a:rPr lang="en-IE" sz="2800" b="0" i="0" u="none" strike="noStrike" kern="0" cap="none" spc="0" baseline="0">
+                <a:rPr lang="en-IE" sz="2800" kern="0" dirty="0">
                   <a:solidFill>
                     <a:srgbClr val="000000"/>
                   </a:solidFill>
-                  <a:uFillTx/>
                   <a:latin typeface="Calibri"/>
                 </a:rPr>
                 <a:t>Camera Web</a:t>
               </a:r>
               <a:r>
-                <a:rPr lang="en-IE" sz="2800" b="0" i="0" u="none" strike="noStrike" kern="1200" cap="none" spc="0" baseline="0">
+                <a:rPr lang="en-IE" sz="2800" dirty="0">
                   <a:solidFill>
                     <a:srgbClr val="000000"/>
                   </a:solidFill>
-                  <a:uFillTx/>
                   <a:latin typeface="Calibri"/>
                 </a:rPr>
                 <a:t> Server</a:t>
@@ -14091,18 +15283,7 @@
               </a:lvl9pPr>
             </a:lstStyle>
             <a:p>
-              <a:pPr marL="0" marR="0" lvl="0" indent="0" algn="ctr" defTabSz="914400" rtl="0" fontAlgn="auto" hangingPunct="1">
-                <a:lnSpc>
-                  <a:spcPct val="100000"/>
-                </a:lnSpc>
-                <a:spcBef>
-                  <a:spcPts val="0"/>
-                </a:spcBef>
-                <a:spcAft>
-                  <a:spcPts val="0"/>
-                </a:spcAft>
-                <a:buNone/>
-                <a:tabLst/>
+              <a:pPr algn="ctr">
                 <a:defRPr sz="1800" b="0" i="0" u="none" strike="noStrike" kern="0" cap="none" spc="0" baseline="0">
                   <a:solidFill>
                     <a:srgbClr val="000000"/>
@@ -14111,11 +15292,10 @@
                 </a:defRPr>
               </a:pPr>
               <a:r>
-                <a:rPr lang="en-IE" sz="2800" b="0" i="0" u="none" strike="noStrike" kern="1200" cap="none" spc="0" baseline="0">
+                <a:rPr lang="en-IE" sz="2800">
                   <a:solidFill>
                     <a:srgbClr val="000000"/>
                   </a:solidFill>
-                  <a:uFillTx/>
                   <a:latin typeface="Calibri"/>
                 </a:rPr>
                 <a:t>Arduino IDE</a:t>
@@ -14406,18 +15586,7 @@
               </a:lvl9pPr>
             </a:lstStyle>
             <a:p>
-              <a:pPr marL="0" marR="0" lvl="0" indent="0" algn="ctr" defTabSz="914400" rtl="0" fontAlgn="auto" hangingPunct="1">
-                <a:lnSpc>
-                  <a:spcPct val="100000"/>
-                </a:lnSpc>
-                <a:spcBef>
-                  <a:spcPts val="0"/>
-                </a:spcBef>
-                <a:spcAft>
-                  <a:spcPts val="0"/>
-                </a:spcAft>
-                <a:buNone/>
-                <a:tabLst/>
+              <a:pPr algn="ctr">
                 <a:defRPr sz="1800" b="0" i="0" u="none" strike="noStrike" kern="0" cap="none" spc="0" baseline="0">
                   <a:solidFill>
                     <a:srgbClr val="000000"/>
@@ -14426,11 +15595,10 @@
                 </a:defRPr>
               </a:pPr>
               <a:r>
-                <a:rPr lang="en-IE" sz="2800" b="0" i="0" u="none" strike="noStrike" kern="1200" cap="none" spc="0" baseline="0">
+                <a:rPr lang="en-IE" sz="2800">
                   <a:solidFill>
                     <a:srgbClr val="000000"/>
                   </a:solidFill>
-                  <a:uFillTx/>
                   <a:latin typeface="Calibri"/>
                 </a:rPr>
                 <a:t>C / C + +</a:t>
@@ -14721,18 +15889,7 @@
               </a:lvl9pPr>
             </a:lstStyle>
             <a:p>
-              <a:pPr marL="0" marR="0" lvl="0" indent="0" algn="ctr" defTabSz="914400" rtl="0" fontAlgn="auto" hangingPunct="1">
-                <a:lnSpc>
-                  <a:spcPct val="100000"/>
-                </a:lnSpc>
-                <a:spcBef>
-                  <a:spcPts val="0"/>
-                </a:spcBef>
-                <a:spcAft>
-                  <a:spcPts val="0"/>
-                </a:spcAft>
-                <a:buNone/>
-                <a:tabLst/>
+              <a:pPr algn="ctr">
                 <a:defRPr sz="1800" b="0" i="0" u="none" strike="noStrike" kern="0" cap="none" spc="0" baseline="0">
                   <a:solidFill>
                     <a:srgbClr val="000000"/>
@@ -14741,11 +15898,10 @@
                 </a:defRPr>
               </a:pPr>
               <a:r>
-                <a:rPr lang="en-IE" sz="2800" b="0" i="0" u="none" strike="noStrike" kern="0" cap="none" spc="0" baseline="0">
+                <a:rPr lang="en-IE" sz="2800" kern="0">
                   <a:solidFill>
                     <a:srgbClr val="000000"/>
                   </a:solidFill>
-                  <a:uFillTx/>
                   <a:latin typeface="Calibri"/>
                   <a:ea typeface="Calibri"/>
                   <a:cs typeface="Calibri"/>
@@ -15069,18 +16225,7 @@
               </a:lvl9pPr>
             </a:lstStyle>
             <a:p>
-              <a:pPr marL="0" marR="0" lvl="0" indent="0" algn="ctr" defTabSz="914400" rtl="0" fontAlgn="auto" hangingPunct="1">
-                <a:lnSpc>
-                  <a:spcPct val="100000"/>
-                </a:lnSpc>
-                <a:spcBef>
-                  <a:spcPts val="0"/>
-                </a:spcBef>
-                <a:spcAft>
-                  <a:spcPts val="0"/>
-                </a:spcAft>
-                <a:buNone/>
-                <a:tabLst/>
+              <a:pPr algn="ctr">
                 <a:defRPr sz="1800" b="0" i="0" u="none" strike="noStrike" kern="0" cap="none" spc="0" baseline="0">
                   <a:solidFill>
                     <a:srgbClr val="000000"/>
@@ -15089,22 +16234,20 @@
                 </a:defRPr>
               </a:pPr>
               <a:r>
-                <a:rPr lang="en-IE" sz="2800" b="0" i="0" u="none" strike="noStrike" kern="0" cap="none" spc="0" baseline="0">
+                <a:rPr lang="en-IE" sz="2800" kern="0">
                   <a:solidFill>
                     <a:srgbClr val="000000"/>
                   </a:solidFill>
-                  <a:uFillTx/>
                   <a:latin typeface="Calibri"/>
                   <a:ea typeface="Calibri"/>
                   <a:cs typeface="Calibri"/>
                 </a:rPr>
                 <a:t>Live Video Stream</a:t>
               </a:r>
-              <a:endParaRPr lang="en-IE" sz="2800" b="0" i="0" u="none" strike="noStrike" kern="1200" cap="none" spc="0" baseline="0">
+              <a:endParaRPr lang="en-IE" sz="2800">
                 <a:solidFill>
                   <a:srgbClr val="000000"/>
                 </a:solidFill>
-                <a:uFillTx/>
                 <a:latin typeface="Calibri"/>
                 <a:ea typeface="Calibri"/>
                 <a:cs typeface="Calibri"/>
@@ -15237,18 +16380,7 @@
               </a:lvl9pPr>
             </a:lstStyle>
             <a:p>
-              <a:pPr marL="0" marR="0" lvl="0" indent="0" algn="ctr" defTabSz="914400" rtl="0" fontAlgn="auto" hangingPunct="1">
-                <a:lnSpc>
-                  <a:spcPct val="100000"/>
-                </a:lnSpc>
-                <a:spcBef>
-                  <a:spcPts val="0"/>
-                </a:spcBef>
-                <a:spcAft>
-                  <a:spcPts val="0"/>
-                </a:spcAft>
-                <a:buNone/>
-                <a:tabLst/>
+              <a:pPr algn="ctr">
                 <a:defRPr sz="1800" b="0" i="0" u="none" strike="noStrike" kern="0" cap="none" spc="0" baseline="0">
                   <a:solidFill>
                     <a:srgbClr val="000000"/>
@@ -15257,20 +16389,18 @@
                 </a:defRPr>
               </a:pPr>
               <a:r>
-                <a:rPr lang="en-IE" sz="2800" b="1" i="0" u="none" strike="noStrike" kern="0" cap="none" spc="0" baseline="0">
+                <a:rPr lang="en-IE" sz="2800" b="1" kern="0">
                   <a:solidFill>
                     <a:srgbClr val="000000"/>
                   </a:solidFill>
-                  <a:uFillTx/>
                   <a:latin typeface="Calibri"/>
                 </a:rPr>
                 <a:t>CameraWebServer.ino</a:t>
               </a:r>
-              <a:endParaRPr lang="en-IE" sz="2800" b="1" i="0" u="none" strike="noStrike" kern="0" cap="none" spc="0" baseline="0">
+              <a:endParaRPr lang="en-IE" sz="2800" b="1" kern="0">
                 <a:solidFill>
                   <a:srgbClr val="000000"/>
                 </a:solidFill>
-                <a:uFillTx/>
                 <a:latin typeface="Calibri"/>
                 <a:ea typeface="Calibri"/>
                 <a:cs typeface="Calibri"/>
@@ -15403,18 +16533,7 @@
               </a:lvl9pPr>
             </a:lstStyle>
             <a:p>
-              <a:pPr marL="0" marR="0" lvl="0" indent="0" algn="ctr" defTabSz="914400" rtl="0" fontAlgn="auto" hangingPunct="1">
-                <a:lnSpc>
-                  <a:spcPct val="100000"/>
-                </a:lnSpc>
-                <a:spcBef>
-                  <a:spcPts val="0"/>
-                </a:spcBef>
-                <a:spcAft>
-                  <a:spcPts val="0"/>
-                </a:spcAft>
-                <a:buNone/>
-                <a:tabLst/>
+              <a:pPr algn="ctr">
                 <a:defRPr sz="1800" b="0" i="0" u="none" strike="noStrike" kern="0" cap="none" spc="0" baseline="0">
                   <a:solidFill>
                     <a:srgbClr val="000000"/>
@@ -15423,20 +16542,18 @@
                 </a:defRPr>
               </a:pPr>
               <a:r>
-                <a:rPr lang="en-IE" sz="2800" b="1" i="0" u="none" strike="noStrike" kern="0" cap="none" spc="0" baseline="0">
+                <a:rPr lang="en-IE" sz="2800" b="1" kern="0">
                   <a:solidFill>
                     <a:srgbClr val="000000"/>
                   </a:solidFill>
-                  <a:uFillTx/>
                   <a:latin typeface="Calibri"/>
                 </a:rPr>
                 <a:t>WebsitePir.ino</a:t>
               </a:r>
-              <a:endParaRPr lang="en-IE" sz="2800" b="1" i="0" u="none" strike="noStrike" kern="1200" cap="none" spc="0" baseline="0">
+              <a:endParaRPr lang="en-IE" sz="2800" b="1">
                 <a:solidFill>
                   <a:srgbClr val="000000"/>
                 </a:solidFill>
-                <a:uFillTx/>
                 <a:latin typeface="Calibri"/>
               </a:endParaRPr>
             </a:p>
@@ -15725,18 +16842,7 @@
               </a:lvl9pPr>
             </a:lstStyle>
             <a:p>
-              <a:pPr marL="0" marR="0" lvl="0" indent="0" algn="ctr" defTabSz="914400" rtl="0" fontAlgn="auto" hangingPunct="1">
-                <a:lnSpc>
-                  <a:spcPct val="100000"/>
-                </a:lnSpc>
-                <a:spcBef>
-                  <a:spcPts val="0"/>
-                </a:spcBef>
-                <a:spcAft>
-                  <a:spcPts val="0"/>
-                </a:spcAft>
-                <a:buNone/>
-                <a:tabLst/>
+              <a:pPr algn="ctr">
                 <a:defRPr sz="1800" b="0" i="0" u="none" strike="noStrike" kern="0" cap="none" spc="0" baseline="0">
                   <a:solidFill>
                     <a:srgbClr val="000000"/>
@@ -15754,14 +16860,6 @@
                 </a:rPr>
                 <a:t>Button</a:t>
               </a:r>
-              <a:endParaRPr lang="en-IE" sz="2800" b="0" i="0" u="none" strike="noStrike" kern="1200" cap="none" spc="0" baseline="0">
-                <a:solidFill>
-                  <a:srgbClr val="000000"/>
-                </a:solidFill>
-                <a:uFillTx/>
-                <a:latin typeface="Calibri"/>
-                <a:cs typeface="Calibri"/>
-              </a:endParaRPr>
             </a:p>
           </p:txBody>
         </p:sp>
@@ -16079,18 +17177,7 @@
               </a:lvl9pPr>
             </a:lstStyle>
             <a:p>
-              <a:pPr marL="0" marR="0" lvl="0" indent="0" algn="ctr" defTabSz="914400" rtl="0" fontAlgn="auto" hangingPunct="1">
-                <a:lnSpc>
-                  <a:spcPct val="100000"/>
-                </a:lnSpc>
-                <a:spcBef>
-                  <a:spcPts val="0"/>
-                </a:spcBef>
-                <a:spcAft>
-                  <a:spcPts val="0"/>
-                </a:spcAft>
-                <a:buNone/>
-                <a:tabLst/>
+              <a:pPr algn="ctr">
                 <a:defRPr sz="1800" b="0" i="0" u="none" strike="noStrike" kern="0" cap="none" spc="0" baseline="0">
                   <a:solidFill>
                     <a:srgbClr val="000000"/>
@@ -16108,14 +17195,6 @@
                 </a:rPr>
                 <a:t>Speaker</a:t>
               </a:r>
-              <a:endParaRPr lang="en-IE" sz="2800" b="0" i="0" u="none" strike="noStrike" kern="1200" cap="none" spc="0" baseline="0">
-                <a:solidFill>
-                  <a:srgbClr val="000000"/>
-                </a:solidFill>
-                <a:uFillTx/>
-                <a:latin typeface="Calibri"/>
-                <a:cs typeface="Calibri"/>
-              </a:endParaRPr>
             </a:p>
           </p:txBody>
         </p:sp>
@@ -16535,18 +17614,7 @@
               </a:lvl9pPr>
             </a:lstStyle>
             <a:p>
-              <a:pPr marL="0" marR="0" lvl="0" indent="0" algn="ctr" defTabSz="914400" rtl="0" fontAlgn="auto" hangingPunct="1">
-                <a:lnSpc>
-                  <a:spcPct val="100000"/>
-                </a:lnSpc>
-                <a:spcBef>
-                  <a:spcPts val="0"/>
-                </a:spcBef>
-                <a:spcAft>
-                  <a:spcPts val="0"/>
-                </a:spcAft>
-                <a:buNone/>
-                <a:tabLst/>
+              <a:pPr algn="ctr">
                 <a:defRPr sz="1800" b="0" i="0" u="none" strike="noStrike" kern="0" cap="none" spc="0" baseline="0">
                   <a:solidFill>
                     <a:srgbClr val="000000"/>
@@ -16564,24 +17632,69 @@
                 </a:rPr>
                 <a:t>LED</a:t>
               </a:r>
-              <a:endParaRPr lang="en-IE" sz="2800" b="0" i="0" u="none" strike="noStrike" kern="0" cap="none" spc="0" baseline="0">
-                <a:solidFill>
-                  <a:srgbClr val="000000"/>
-                </a:solidFill>
-                <a:uFillTx/>
-                <a:latin typeface="Calibri"/>
-                <a:cs typeface="Calibri"/>
-              </a:endParaRPr>
             </a:p>
           </p:txBody>
         </p:sp>
       </p:grpSp>
+      <p:sp>
+        <p:nvSpPr>
+          <p:cNvPr id="17" name="TextBox 16">
+            <a:extLst>
+              <a:ext uri="{FF2B5EF4-FFF2-40B4-BE49-F238E27FC236}">
+                <a16:creationId xmlns:a16="http://schemas.microsoft.com/office/drawing/2014/main" id="{E8CE30EA-6045-2DBB-542F-55C7354BD433}"/>
+              </a:ext>
+            </a:extLst>
+          </p:cNvPr>
+          <p:cNvSpPr txBox="1"/>
+          <p:nvPr/>
+        </p:nvSpPr>
+        <p:spPr>
+          <a:xfrm>
+            <a:off x="-91071" y="11442132"/>
+            <a:ext cx="14007706" cy="1015663"/>
+          </a:xfrm>
+          <a:prstGeom prst="rect">
+            <a:avLst/>
+          </a:prstGeom>
+          <a:noFill/>
+        </p:spPr>
+        <p:txBody>
+          <a:bodyPr wrap="square" lIns="91440" tIns="45720" rIns="91440" bIns="45720" anchor="t">
+            <a:spAutoFit/>
+          </a:bodyPr>
+          <a:lstStyle/>
+          <a:p>
+            <a:pPr algn="ctr"/>
+            <a:r>
+              <a:rPr lang="en-IE" sz="6000" b="1" dirty="0">
+                <a:latin typeface="Montserrat"/>
+                <a:ea typeface="+mn-lt"/>
+                <a:cs typeface="+mn-lt"/>
+              </a:rPr>
+              <a:t>Schematic and</a:t>
+            </a:r>
+            <a:r>
+              <a:rPr lang="en-IE" sz="6000" b="1" dirty="0">
+                <a:latin typeface="Montserrat"/>
+                <a:ea typeface="Calibri"/>
+                <a:cs typeface="Mongolian Baiti"/>
+              </a:rPr>
+              <a:t> Flowchart</a:t>
+            </a:r>
+            <a:endParaRPr lang="en-IE" sz="6000" b="1" dirty="0">
+              <a:latin typeface="Montserrat" panose="00000500000000000000" pitchFamily="2" charset="0"/>
+              <a:ea typeface="Calibri" panose="020F0502020204030204" pitchFamily="34" charset="0"/>
+              <a:cs typeface="Mongolian Baiti" panose="03000500000000000000" pitchFamily="66" charset="0"/>
+            </a:endParaRPr>
+          </a:p>
+        </p:txBody>
+      </p:sp>
       <p:pic>
         <p:nvPicPr>
-          <p:cNvPr id="15" name="Picture 14" descr="A diagram of a speaker system&#10;&#10;Description automatically generated">
+          <p:cNvPr id="37" name="Picture 36">
             <a:extLst>
               <a:ext uri="{FF2B5EF4-FFF2-40B4-BE49-F238E27FC236}">
-                <a16:creationId xmlns:a16="http://schemas.microsoft.com/office/drawing/2014/main" id="{8638DAF5-4A54-1470-7E0D-07FC0BF5FB24}"/>
+                <a16:creationId xmlns:a16="http://schemas.microsoft.com/office/drawing/2014/main" id="{7F6E40E9-8A4C-38C2-4B4F-70BE274B8030}"/>
               </a:ext>
             </a:extLst>
           </p:cNvPr>
@@ -16598,67 +17711,44 @@
         </p:blipFill>
         <p:spPr>
           <a:xfrm>
-            <a:off x="2206161" y="15625745"/>
-            <a:ext cx="6908872" cy="6151940"/>
+            <a:off x="2307394" y="21844860"/>
+            <a:ext cx="9377539" cy="8305579"/>
           </a:xfrm>
           <a:prstGeom prst="rect">
             <a:avLst/>
           </a:prstGeom>
         </p:spPr>
       </p:pic>
-      <p:sp>
-        <p:nvSpPr>
-          <p:cNvPr id="17" name="TextBox 16">
+      <p:pic>
+        <p:nvPicPr>
+          <p:cNvPr id="19" name="Picture 18" descr="A qr code on a white background&#10;&#10;Description automatically generated">
             <a:extLst>
               <a:ext uri="{FF2B5EF4-FFF2-40B4-BE49-F238E27FC236}">
-                <a16:creationId xmlns:a16="http://schemas.microsoft.com/office/drawing/2014/main" id="{E8CE30EA-6045-2DBB-542F-55C7354BD433}"/>
+                <a16:creationId xmlns:a16="http://schemas.microsoft.com/office/drawing/2014/main" id="{904F306E-0C39-ED75-B91B-5C09162CEF99}"/>
               </a:ext>
             </a:extLst>
           </p:cNvPr>
-          <p:cNvSpPr txBox="1"/>
+          <p:cNvPicPr>
+            <a:picLocks noChangeAspect="1"/>
+          </p:cNvPicPr>
           <p:nvPr/>
-        </p:nvSpPr>
+        </p:nvPicPr>
+        <p:blipFill>
+          <a:blip r:embed="rId7"/>
+          <a:stretch>
+            <a:fillRect/>
+          </a:stretch>
+        </p:blipFill>
         <p:spPr>
           <a:xfrm>
-            <a:off x="-86780" y="14573018"/>
-            <a:ext cx="11660077" cy="1015663"/>
+            <a:off x="9161102" y="432881"/>
+            <a:ext cx="4222191" cy="4179012"/>
           </a:xfrm>
           <a:prstGeom prst="rect">
             <a:avLst/>
           </a:prstGeom>
-          <a:noFill/>
         </p:spPr>
-        <p:txBody>
-          <a:bodyPr wrap="square" lIns="91440" tIns="45720" rIns="91440" bIns="45720" anchor="t">
-            <a:spAutoFit/>
-          </a:bodyPr>
-          <a:lstStyle/>
-          <a:p>
-            <a:pPr algn="ctr"/>
-            <a:r>
-              <a:rPr lang="en-IE" sz="6000" b="1">
-                <a:latin typeface="Montserrat"/>
-                <a:ea typeface="+mn-lt"/>
-                <a:cs typeface="+mn-lt"/>
-              </a:rPr>
-              <a:t>Schematic and</a:t>
-            </a:r>
-            <a:r>
-              <a:rPr lang="en-IE" sz="6000" b="1">
-                <a:latin typeface="Montserrat"/>
-                <a:ea typeface="Calibri"/>
-                <a:cs typeface="Mongolian Baiti"/>
-              </a:rPr>
-              <a:t> Flowchart</a:t>
-            </a:r>
-            <a:endParaRPr lang="en-IE" sz="6000" b="1">
-              <a:latin typeface="Montserrat" panose="00000500000000000000" pitchFamily="2" charset="0"/>
-              <a:ea typeface="Calibri" panose="020F0502020204030204" pitchFamily="34" charset="0"/>
-              <a:cs typeface="Mongolian Baiti" panose="03000500000000000000" pitchFamily="66" charset="0"/>
-            </a:endParaRPr>
-          </a:p>
-        </p:txBody>
-      </p:sp>
+      </p:pic>
     </p:spTree>
     <p:extLst>
       <p:ext uri="{BB962C8B-B14F-4D97-AF65-F5344CB8AC3E}">
